--- a/spring12/slidesS12/bogus-induction.pptx
+++ b/spring12/slidesS12/bogus-induction.pptx
@@ -5,24 +5,27 @@
     <p:sldMasterId id="2147483648" r:id="rId1"/>
   </p:sldMasterIdLst>
   <p:notesMasterIdLst>
-    <p:notesMasterId r:id="rId9"/>
+    <p:notesMasterId r:id="rId12"/>
   </p:notesMasterIdLst>
   <p:handoutMasterIdLst>
-    <p:handoutMasterId r:id="rId10"/>
+    <p:handoutMasterId r:id="rId13"/>
   </p:handoutMasterIdLst>
   <p:sldIdLst>
     <p:sldId id="311" r:id="rId2"/>
     <p:sldId id="344" r:id="rId3"/>
-    <p:sldId id="345" r:id="rId4"/>
-    <p:sldId id="346" r:id="rId5"/>
-    <p:sldId id="347" r:id="rId6"/>
-    <p:sldId id="348" r:id="rId7"/>
-    <p:sldId id="374" r:id="rId8"/>
+    <p:sldId id="377" r:id="rId4"/>
+    <p:sldId id="345" r:id="rId5"/>
+    <p:sldId id="346" r:id="rId6"/>
+    <p:sldId id="378" r:id="rId7"/>
+    <p:sldId id="347" r:id="rId8"/>
+    <p:sldId id="348" r:id="rId9"/>
+    <p:sldId id="374" r:id="rId10"/>
+    <p:sldId id="375" r:id="rId11"/>
   </p:sldIdLst>
   <p:sldSz cx="9144000" cy="6858000" type="screen4x3"/>
   <p:notesSz cx="7315200" cy="9601200"/>
   <p:custDataLst>
-    <p:tags r:id="rId12"/>
+    <p:tags r:id="rId15"/>
   </p:custDataLst>
   <p:defaultTextStyle>
     <a:defPPr>
@@ -205,7 +208,7 @@
             <a:fld id="{D875CB5D-1501-4E8C-8449-8F562B53033D}" type="datetimeFigureOut">
               <a:rPr lang="en-US" smtClean="0"/>
               <a:pPr/>
-              <a:t>2/20/12</a:t>
+              <a:t>2/21/12</a:t>
             </a:fld>
             <a:endParaRPr lang="en-US"/>
           </a:p>
@@ -372,7 +375,7 @@
             <a:fld id="{2E64E5CB-D4EF-403A-9BB6-139C52688DF7}" type="datetimeFigureOut">
               <a:rPr lang="en-US" smtClean="0"/>
               <a:pPr/>
-              <a:t>2/20/12</a:t>
+              <a:t>2/21/12</a:t>
             </a:fld>
             <a:endParaRPr lang="en-US"/>
           </a:p>
@@ -731,6 +734,94 @@
 </p:notes>
 </file>
 
+<file path=ppt/notesSlides/notesSlide10.xml><?xml version="1.0" encoding="utf-8"?>
+<p:notes xmlns:a="http://schemas.openxmlformats.org/drawingml/2006/main" xmlns:r="http://schemas.openxmlformats.org/officeDocument/2006/relationships" xmlns:p="http://schemas.openxmlformats.org/presentationml/2006/main">
+  <p:cSld>
+    <p:spTree>
+      <p:nvGrpSpPr>
+        <p:cNvPr id="1" name=""/>
+        <p:cNvGrpSpPr/>
+        <p:nvPr/>
+      </p:nvGrpSpPr>
+      <p:grpSpPr>
+        <a:xfrm>
+          <a:off x="0" y="0"/>
+          <a:ext cx="0" cy="0"/>
+          <a:chOff x="0" y="0"/>
+          <a:chExt cx="0" cy="0"/>
+        </a:xfrm>
+      </p:grpSpPr>
+      <p:sp>
+        <p:nvSpPr>
+          <p:cNvPr id="81922" name="Rectangle 7"/>
+          <p:cNvSpPr>
+            <a:spLocks noGrp="1" noChangeArrowheads="1"/>
+          </p:cNvSpPr>
+          <p:nvPr>
+            <p:ph type="sldNum" sz="quarter" idx="5"/>
+          </p:nvPr>
+        </p:nvSpPr>
+        <p:spPr>
+          <a:noFill/>
+        </p:spPr>
+        <p:txBody>
+          <a:bodyPr/>
+          <a:lstStyle/>
+          <a:p>
+            <a:fld id="{3E34B2BB-D99F-43B8-B4D6-3941E275349C}" type="slidenum">
+              <a:rPr lang="en-US"/>
+              <a:pPr/>
+              <a:t>10</a:t>
+            </a:fld>
+            <a:endParaRPr lang="en-US"/>
+          </a:p>
+        </p:txBody>
+      </p:sp>
+      <p:sp>
+        <p:nvSpPr>
+          <p:cNvPr id="81923" name="Rectangle 2"/>
+          <p:cNvSpPr>
+            <a:spLocks noGrp="1" noRot="1" noChangeAspect="1" noChangeArrowheads="1" noTextEdit="1"/>
+          </p:cNvSpPr>
+          <p:nvPr>
+            <p:ph type="sldImg"/>
+          </p:nvPr>
+        </p:nvSpPr>
+        <p:spPr>
+          <a:ln/>
+        </p:spPr>
+      </p:sp>
+      <p:sp>
+        <p:nvSpPr>
+          <p:cNvPr id="81924" name="Rectangle 3"/>
+          <p:cNvSpPr>
+            <a:spLocks noGrp="1" noChangeArrowheads="1"/>
+          </p:cNvSpPr>
+          <p:nvPr>
+            <p:ph type="body" idx="1"/>
+          </p:nvPr>
+        </p:nvSpPr>
+        <p:spPr>
+          <a:noFill/>
+          <a:ln/>
+        </p:spPr>
+        <p:txBody>
+          <a:bodyPr/>
+          <a:lstStyle/>
+          <a:p>
+            <a:pPr eaLnBrk="1" hangingPunct="1"/>
+            <a:endParaRPr lang="en-US" smtClean="0"/>
+          </a:p>
+        </p:txBody>
+      </p:sp>
+    </p:spTree>
+  </p:cSld>
+  <p:clrMapOvr>
+    <a:masterClrMapping/>
+  </p:clrMapOvr>
+</p:notes>
+</file>
+
 <file path=ppt/notesSlides/notesSlide2.xml><?xml version="1.0" encoding="utf-8"?>
 <p:notes xmlns:a="http://schemas.openxmlformats.org/drawingml/2006/main" xmlns:r="http://schemas.openxmlformats.org/officeDocument/2006/relationships" xmlns:p="http://schemas.openxmlformats.org/presentationml/2006/main">
   <p:cSld>
@@ -838,6 +929,94 @@
       </p:grpSpPr>
       <p:sp>
         <p:nvSpPr>
+          <p:cNvPr id="77826" name="Rectangle 7"/>
+          <p:cNvSpPr>
+            <a:spLocks noGrp="1" noChangeArrowheads="1"/>
+          </p:cNvSpPr>
+          <p:nvPr>
+            <p:ph type="sldNum" sz="quarter" idx="5"/>
+          </p:nvPr>
+        </p:nvSpPr>
+        <p:spPr>
+          <a:noFill/>
+        </p:spPr>
+        <p:txBody>
+          <a:bodyPr/>
+          <a:lstStyle/>
+          <a:p>
+            <a:fld id="{171416F0-A7F6-4C80-93BD-C1CE46499089}" type="slidenum">
+              <a:rPr lang="en-US"/>
+              <a:pPr/>
+              <a:t>3</a:t>
+            </a:fld>
+            <a:endParaRPr lang="en-US"/>
+          </a:p>
+        </p:txBody>
+      </p:sp>
+      <p:sp>
+        <p:nvSpPr>
+          <p:cNvPr id="77827" name="Rectangle 2"/>
+          <p:cNvSpPr>
+            <a:spLocks noGrp="1" noRot="1" noChangeAspect="1" noChangeArrowheads="1" noTextEdit="1"/>
+          </p:cNvSpPr>
+          <p:nvPr>
+            <p:ph type="sldImg"/>
+          </p:nvPr>
+        </p:nvSpPr>
+        <p:spPr>
+          <a:ln/>
+        </p:spPr>
+      </p:sp>
+      <p:sp>
+        <p:nvSpPr>
+          <p:cNvPr id="77828" name="Rectangle 3"/>
+          <p:cNvSpPr>
+            <a:spLocks noGrp="1" noChangeArrowheads="1"/>
+          </p:cNvSpPr>
+          <p:nvPr>
+            <p:ph type="body" idx="1"/>
+          </p:nvPr>
+        </p:nvSpPr>
+        <p:spPr>
+          <a:noFill/>
+          <a:ln/>
+        </p:spPr>
+        <p:txBody>
+          <a:bodyPr/>
+          <a:lstStyle/>
+          <a:p>
+            <a:pPr eaLnBrk="1" hangingPunct="1"/>
+            <a:endParaRPr lang="en-US" dirty="0" smtClean="0"/>
+          </a:p>
+        </p:txBody>
+      </p:sp>
+    </p:spTree>
+  </p:cSld>
+  <p:clrMapOvr>
+    <a:masterClrMapping/>
+  </p:clrMapOvr>
+</p:notes>
+</file>
+
+<file path=ppt/notesSlides/notesSlide4.xml><?xml version="1.0" encoding="utf-8"?>
+<p:notes xmlns:a="http://schemas.openxmlformats.org/drawingml/2006/main" xmlns:r="http://schemas.openxmlformats.org/officeDocument/2006/relationships" xmlns:p="http://schemas.openxmlformats.org/presentationml/2006/main">
+  <p:cSld>
+    <p:spTree>
+      <p:nvGrpSpPr>
+        <p:cNvPr id="1" name=""/>
+        <p:cNvGrpSpPr/>
+        <p:nvPr/>
+      </p:nvGrpSpPr>
+      <p:grpSpPr>
+        <a:xfrm>
+          <a:off x="0" y="0"/>
+          <a:ext cx="0" cy="0"/>
+          <a:chOff x="0" y="0"/>
+          <a:chExt cx="0" cy="0"/>
+        </a:xfrm>
+      </p:grpSpPr>
+      <p:sp>
+        <p:nvSpPr>
           <p:cNvPr id="78850" name="Rectangle 7"/>
           <p:cNvSpPr>
             <a:spLocks noGrp="1" noChangeArrowheads="1"/>
@@ -856,7 +1035,7 @@
             <a:fld id="{7DAA953E-9655-41F5-809B-EB43F3C61232}" type="slidenum">
               <a:rPr lang="en-US"/>
               <a:pPr/>
-              <a:t>3</a:t>
+              <a:t>4</a:t>
             </a:fld>
             <a:endParaRPr lang="en-US"/>
           </a:p>
@@ -907,7 +1086,7 @@
 </p:notes>
 </file>
 
-<file path=ppt/notesSlides/notesSlide4.xml><?xml version="1.0" encoding="utf-8"?>
+<file path=ppt/notesSlides/notesSlide5.xml><?xml version="1.0" encoding="utf-8"?>
 <p:notes xmlns:a="http://schemas.openxmlformats.org/drawingml/2006/main" xmlns:r="http://schemas.openxmlformats.org/officeDocument/2006/relationships" xmlns:p="http://schemas.openxmlformats.org/presentationml/2006/main">
   <p:cSld>
     <p:spTree>
@@ -944,7 +1123,7 @@
             <a:fld id="{3C9E2AF8-D878-4040-802C-C0AE32784EEC}" type="slidenum">
               <a:rPr lang="en-US"/>
               <a:pPr/>
-              <a:t>4</a:t>
+              <a:t>5</a:t>
             </a:fld>
             <a:endParaRPr lang="en-US"/>
           </a:p>
@@ -995,7 +1174,95 @@
 </p:notes>
 </file>
 
-<file path=ppt/notesSlides/notesSlide5.xml><?xml version="1.0" encoding="utf-8"?>
+<file path=ppt/notesSlides/notesSlide6.xml><?xml version="1.0" encoding="utf-8"?>
+<p:notes xmlns:a="http://schemas.openxmlformats.org/drawingml/2006/main" xmlns:r="http://schemas.openxmlformats.org/officeDocument/2006/relationships" xmlns:p="http://schemas.openxmlformats.org/presentationml/2006/main">
+  <p:cSld>
+    <p:spTree>
+      <p:nvGrpSpPr>
+        <p:cNvPr id="1" name=""/>
+        <p:cNvGrpSpPr/>
+        <p:nvPr/>
+      </p:nvGrpSpPr>
+      <p:grpSpPr>
+        <a:xfrm>
+          <a:off x="0" y="0"/>
+          <a:ext cx="0" cy="0"/>
+          <a:chOff x="0" y="0"/>
+          <a:chExt cx="0" cy="0"/>
+        </a:xfrm>
+      </p:grpSpPr>
+      <p:sp>
+        <p:nvSpPr>
+          <p:cNvPr id="79874" name="Rectangle 7"/>
+          <p:cNvSpPr>
+            <a:spLocks noGrp="1" noChangeArrowheads="1"/>
+          </p:cNvSpPr>
+          <p:nvPr>
+            <p:ph type="sldNum" sz="quarter" idx="5"/>
+          </p:nvPr>
+        </p:nvSpPr>
+        <p:spPr>
+          <a:noFill/>
+        </p:spPr>
+        <p:txBody>
+          <a:bodyPr/>
+          <a:lstStyle/>
+          <a:p>
+            <a:fld id="{3C9E2AF8-D878-4040-802C-C0AE32784EEC}" type="slidenum">
+              <a:rPr lang="en-US"/>
+              <a:pPr/>
+              <a:t>6</a:t>
+            </a:fld>
+            <a:endParaRPr lang="en-US"/>
+          </a:p>
+        </p:txBody>
+      </p:sp>
+      <p:sp>
+        <p:nvSpPr>
+          <p:cNvPr id="79875" name="Rectangle 2"/>
+          <p:cNvSpPr>
+            <a:spLocks noGrp="1" noRot="1" noChangeAspect="1" noChangeArrowheads="1" noTextEdit="1"/>
+          </p:cNvSpPr>
+          <p:nvPr>
+            <p:ph type="sldImg"/>
+          </p:nvPr>
+        </p:nvSpPr>
+        <p:spPr>
+          <a:ln/>
+        </p:spPr>
+      </p:sp>
+      <p:sp>
+        <p:nvSpPr>
+          <p:cNvPr id="79876" name="Rectangle 3"/>
+          <p:cNvSpPr>
+            <a:spLocks noGrp="1" noChangeArrowheads="1"/>
+          </p:cNvSpPr>
+          <p:nvPr>
+            <p:ph type="body" idx="1"/>
+          </p:nvPr>
+        </p:nvSpPr>
+        <p:spPr>
+          <a:noFill/>
+          <a:ln/>
+        </p:spPr>
+        <p:txBody>
+          <a:bodyPr/>
+          <a:lstStyle/>
+          <a:p>
+            <a:pPr eaLnBrk="1" hangingPunct="1"/>
+            <a:endParaRPr lang="en-US" smtClean="0"/>
+          </a:p>
+        </p:txBody>
+      </p:sp>
+    </p:spTree>
+  </p:cSld>
+  <p:clrMapOvr>
+    <a:masterClrMapping/>
+  </p:clrMapOvr>
+</p:notes>
+</file>
+
+<file path=ppt/notesSlides/notesSlide7.xml><?xml version="1.0" encoding="utf-8"?>
 <p:notes xmlns:a="http://schemas.openxmlformats.org/drawingml/2006/main" xmlns:r="http://schemas.openxmlformats.org/officeDocument/2006/relationships" xmlns:p="http://schemas.openxmlformats.org/presentationml/2006/main">
   <p:cSld>
     <p:spTree>
@@ -1032,7 +1299,7 @@
             <a:fld id="{C8B3E3F6-D602-4501-B70E-4B505166BE19}" type="slidenum">
               <a:rPr lang="en-US"/>
               <a:pPr/>
-              <a:t>5</a:t>
+              <a:t>7</a:t>
             </a:fld>
             <a:endParaRPr lang="en-US"/>
           </a:p>
@@ -1083,7 +1350,7 @@
 </p:notes>
 </file>
 
-<file path=ppt/notesSlides/notesSlide6.xml><?xml version="1.0" encoding="utf-8"?>
+<file path=ppt/notesSlides/notesSlide8.xml><?xml version="1.0" encoding="utf-8"?>
 <p:notes xmlns:a="http://schemas.openxmlformats.org/drawingml/2006/main" xmlns:r="http://schemas.openxmlformats.org/officeDocument/2006/relationships" xmlns:p="http://schemas.openxmlformats.org/presentationml/2006/main">
   <p:cSld>
     <p:spTree>
@@ -1120,7 +1387,7 @@
             <a:fld id="{3E34B2BB-D99F-43B8-B4D6-3941E275349C}" type="slidenum">
               <a:rPr lang="en-US"/>
               <a:pPr/>
-              <a:t>6</a:t>
+              <a:t>8</a:t>
             </a:fld>
             <a:endParaRPr lang="en-US"/>
           </a:p>
@@ -1171,7 +1438,7 @@
 </p:notes>
 </file>
 
-<file path=ppt/notesSlides/notesSlide7.xml><?xml version="1.0" encoding="utf-8"?>
+<file path=ppt/notesSlides/notesSlide9.xml><?xml version="1.0" encoding="utf-8"?>
 <p:notes xmlns:a="http://schemas.openxmlformats.org/drawingml/2006/main" xmlns:r="http://schemas.openxmlformats.org/officeDocument/2006/relationships" xmlns:p="http://schemas.openxmlformats.org/presentationml/2006/main">
   <p:cSld>
     <p:spTree>
@@ -1208,7 +1475,7 @@
             <a:fld id="{3E34B2BB-D99F-43B8-B4D6-3941E275349C}" type="slidenum">
               <a:rPr lang="en-US"/>
               <a:pPr/>
-              <a:t>7</a:t>
+              <a:t>9</a:t>
             </a:fld>
             <a:endParaRPr lang="en-US"/>
           </a:p>
@@ -2493,17 +2760,17 @@
           <a:p>
             <a:pPr eaLnBrk="1" hangingPunct="1"/>
             <a:r>
-              <a:rPr lang="en-US" sz="11000" dirty="0" smtClean="0"/>
+              <a:rPr lang="en-US" sz="11000" b="0" dirty="0" smtClean="0"/>
               <a:t>Bogus</a:t>
             </a:r>
             <a:br>
-              <a:rPr lang="en-US" sz="11000" dirty="0" smtClean="0"/>
+              <a:rPr lang="en-US" sz="11000" b="0" dirty="0" smtClean="0"/>
             </a:br>
             <a:r>
-              <a:rPr lang="en-US" sz="11000" dirty="0" smtClean="0"/>
+              <a:rPr lang="en-US" sz="11000" b="0" dirty="0" smtClean="0"/>
               <a:t>Induction</a:t>
             </a:r>
-            <a:endParaRPr lang="en-US" sz="11000" baseline="-25000" dirty="0" smtClean="0"/>
+            <a:endParaRPr lang="en-US" sz="11000" b="0" baseline="-25000" dirty="0" smtClean="0"/>
           </a:p>
         </p:txBody>
       </p:sp>
@@ -2518,6 +2785,543 @@
         <p:cTn xmlns:p14="http://schemas.microsoft.com/office/powerpoint/2010/main" id="1" dur="indefinite" restart="never" nodeType="tmRoot"/>
       </p:par>
     </p:tnLst>
+  </p:timing>
+</p:sld>
+</file>
+
+<file path=ppt/slides/slide10.xml><?xml version="1.0" encoding="utf-8"?>
+<p:sld xmlns:a="http://schemas.openxmlformats.org/drawingml/2006/main" xmlns:r="http://schemas.openxmlformats.org/officeDocument/2006/relationships" xmlns:p="http://schemas.openxmlformats.org/presentationml/2006/main">
+  <p:cSld>
+    <p:spTree>
+      <p:nvGrpSpPr>
+        <p:cNvPr id="1" name=""/>
+        <p:cNvGrpSpPr/>
+        <p:nvPr/>
+      </p:nvGrpSpPr>
+      <p:grpSpPr>
+        <a:xfrm>
+          <a:off x="0" y="0"/>
+          <a:ext cx="0" cy="0"/>
+          <a:chOff x="0" y="0"/>
+          <a:chExt cx="0" cy="0"/>
+        </a:xfrm>
+      </p:grpSpPr>
+      <p:sp>
+        <p:nvSpPr>
+          <p:cNvPr id="98308" name="Text Box 4"/>
+          <p:cNvSpPr txBox="1">
+            <a:spLocks noChangeArrowheads="1"/>
+          </p:cNvSpPr>
+          <p:nvPr/>
+        </p:nvSpPr>
+        <p:spPr bwMode="auto">
+          <a:xfrm>
+            <a:off x="457200" y="2427288"/>
+            <a:ext cx="8238153" cy="1477328"/>
+          </a:xfrm>
+          <a:prstGeom prst="rect">
+            <a:avLst/>
+          </a:prstGeom>
+          <a:noFill/>
+          <a:ln w="9525">
+            <a:noFill/>
+            <a:miter lim="800000"/>
+            <a:headEnd/>
+            <a:tailEnd type="none" w="lg" len="lg"/>
+          </a:ln>
+        </p:spPr>
+        <p:txBody>
+          <a:bodyPr wrap="none">
+            <a:spAutoFit/>
+          </a:bodyPr>
+          <a:lstStyle/>
+          <a:p>
+            <a:r>
+              <a:rPr lang="en-US" sz="4000" dirty="0">
+                <a:latin typeface="Comic Sans MS" pitchFamily="66" charset="0"/>
+              </a:rPr>
+              <a:t>Proof that </a:t>
+            </a:r>
+            <a:r>
+              <a:rPr lang="en-US" sz="4000" dirty="0">
+                <a:solidFill>
+                  <a:srgbClr val="0000FF"/>
+                </a:solidFill>
+                <a:latin typeface="Comic Sans MS" pitchFamily="66" charset="0"/>
+              </a:rPr>
+              <a:t>P</a:t>
+            </a:r>
+            <a:r>
+              <a:rPr lang="en-US" sz="4000" dirty="0">
+                <a:latin typeface="Comic Sans MS" pitchFamily="66" charset="0"/>
+              </a:rPr>
+              <a:t>(</a:t>
+            </a:r>
+            <a:r>
+              <a:rPr lang="en-US" sz="4000" dirty="0">
+                <a:solidFill>
+                  <a:srgbClr val="029C27"/>
+                </a:solidFill>
+                <a:latin typeface="Comic Sans MS" pitchFamily="66" charset="0"/>
+              </a:rPr>
+              <a:t>n</a:t>
+            </a:r>
+            <a:r>
+              <a:rPr lang="en-US" sz="4000" dirty="0">
+                <a:latin typeface="Comic Sans MS" pitchFamily="66" charset="0"/>
+              </a:rPr>
+              <a:t>) </a:t>
+            </a:r>
+            <a:r>
+              <a:rPr lang="en-US" sz="4000" dirty="0">
+                <a:latin typeface="Comic Sans MS" pitchFamily="66" charset="0"/>
+                <a:cs typeface="Times New Roman" pitchFamily="18" charset="0"/>
+              </a:rPr>
+              <a:t>→ </a:t>
+            </a:r>
+            <a:r>
+              <a:rPr lang="en-US" sz="4000" dirty="0">
+                <a:solidFill>
+                  <a:srgbClr val="0000FF"/>
+                </a:solidFill>
+                <a:latin typeface="Comic Sans MS" pitchFamily="66" charset="0"/>
+              </a:rPr>
+              <a:t>P</a:t>
+            </a:r>
+            <a:r>
+              <a:rPr lang="en-US" sz="4000" dirty="0">
+                <a:latin typeface="Comic Sans MS" pitchFamily="66" charset="0"/>
+              </a:rPr>
+              <a:t>(</a:t>
+            </a:r>
+            <a:r>
+              <a:rPr lang="en-US" sz="4000" dirty="0">
+                <a:solidFill>
+                  <a:srgbClr val="029C27"/>
+                </a:solidFill>
+                <a:latin typeface="Comic Sans MS" pitchFamily="66" charset="0"/>
+              </a:rPr>
+              <a:t>n+1</a:t>
+            </a:r>
+            <a:r>
+              <a:rPr lang="en-US" sz="4000" dirty="0">
+                <a:latin typeface="Comic Sans MS" pitchFamily="66" charset="0"/>
+              </a:rPr>
+              <a:t>) </a:t>
+            </a:r>
+            <a:r>
+              <a:rPr lang="en-US" sz="4000" dirty="0" smtClean="0">
+                <a:latin typeface="Comic Sans MS" pitchFamily="66" charset="0"/>
+              </a:rPr>
+              <a:t> is </a:t>
+            </a:r>
+            <a:r>
+              <a:rPr lang="en-US" sz="4000" dirty="0" smtClean="0">
+                <a:solidFill>
+                  <a:srgbClr val="FF0000"/>
+                </a:solidFill>
+                <a:latin typeface="Comic Sans MS" pitchFamily="66" charset="0"/>
+              </a:rPr>
+              <a:t>wrong</a:t>
+            </a:r>
+          </a:p>
+          <a:p>
+            <a:pPr>
+              <a:spcBef>
+                <a:spcPts val="1200"/>
+              </a:spcBef>
+            </a:pPr>
+            <a:r>
+              <a:rPr lang="en-US" sz="4000" dirty="0" smtClean="0">
+                <a:latin typeface="Comic Sans MS" pitchFamily="66" charset="0"/>
+              </a:rPr>
+              <a:t>if</a:t>
+            </a:r>
+            <a:r>
+              <a:rPr lang="en-US" sz="4000" dirty="0" smtClean="0">
+                <a:solidFill>
+                  <a:schemeClr val="accent2"/>
+                </a:solidFill>
+                <a:latin typeface="Comic Sans MS" pitchFamily="66" charset="0"/>
+              </a:rPr>
+              <a:t> </a:t>
+            </a:r>
+            <a:r>
+              <a:rPr lang="en-US" sz="4000" dirty="0" smtClean="0">
+                <a:solidFill>
+                  <a:srgbClr val="029C27"/>
+                </a:solidFill>
+                <a:latin typeface="Comic Sans MS" pitchFamily="66" charset="0"/>
+              </a:rPr>
+              <a:t>n</a:t>
+            </a:r>
+            <a:r>
+              <a:rPr lang="en-US" sz="4000" dirty="0" smtClean="0">
+                <a:solidFill>
+                  <a:srgbClr val="FF0000"/>
+                </a:solidFill>
+                <a:latin typeface="Comic Sans MS" pitchFamily="66" charset="0"/>
+              </a:rPr>
+              <a:t> </a:t>
+            </a:r>
+            <a:r>
+              <a:rPr lang="en-US" sz="4000" dirty="0">
+                <a:latin typeface="Comic Sans MS" pitchFamily="66" charset="0"/>
+              </a:rPr>
+              <a:t>=</a:t>
+            </a:r>
+            <a:r>
+              <a:rPr lang="en-US" sz="4000" dirty="0">
+                <a:solidFill>
+                  <a:srgbClr val="FF0000"/>
+                </a:solidFill>
+                <a:latin typeface="Comic Sans MS" pitchFamily="66" charset="0"/>
+              </a:rPr>
+              <a:t> </a:t>
+            </a:r>
+            <a:r>
+              <a:rPr lang="en-US" sz="4000" dirty="0" smtClean="0">
+                <a:solidFill>
+                  <a:srgbClr val="FF0000"/>
+                </a:solidFill>
+                <a:latin typeface="Comic Sans MS" pitchFamily="66" charset="0"/>
+              </a:rPr>
+              <a:t>1</a:t>
+            </a:r>
+            <a:endParaRPr lang="en-US" sz="4000" dirty="0">
+              <a:latin typeface="Comic Sans MS" pitchFamily="66" charset="0"/>
+            </a:endParaRPr>
+          </a:p>
+        </p:txBody>
+      </p:sp>
+      <p:sp>
+        <p:nvSpPr>
+          <p:cNvPr id="22" name="Text Box 3"/>
+          <p:cNvSpPr txBox="1">
+            <a:spLocks noChangeArrowheads="1"/>
+          </p:cNvSpPr>
+          <p:nvPr/>
+        </p:nvSpPr>
+        <p:spPr bwMode="auto">
+          <a:xfrm>
+            <a:off x="304800" y="4818063"/>
+            <a:ext cx="8744702" cy="830997"/>
+          </a:xfrm>
+          <a:prstGeom prst="rect">
+            <a:avLst/>
+          </a:prstGeom>
+          <a:noFill/>
+          <a:ln w="9525">
+            <a:noFill/>
+            <a:miter lim="800000"/>
+            <a:headEnd/>
+            <a:tailEnd type="none" w="lg" len="lg"/>
+          </a:ln>
+        </p:spPr>
+        <p:txBody>
+          <a:bodyPr wrap="none">
+            <a:spAutoFit/>
+          </a:bodyPr>
+          <a:lstStyle/>
+          <a:p>
+            <a:r>
+              <a:rPr lang="en-US" sz="4800" dirty="0">
+                <a:solidFill>
+                  <a:srgbClr val="009900"/>
+                </a:solidFill>
+                <a:latin typeface="Comic Sans MS" pitchFamily="66" charset="0"/>
+              </a:rPr>
+              <a:t>(But proof works for all n </a:t>
+            </a:r>
+            <a:r>
+              <a:rPr lang="en-US" sz="4800" b="1" dirty="0">
+                <a:solidFill>
+                  <a:srgbClr val="009900"/>
+                </a:solidFill>
+                <a:latin typeface="Comic Sans MS" pitchFamily="66" charset="0"/>
+                <a:cs typeface="Times New Roman" pitchFamily="18" charset="0"/>
+              </a:rPr>
+              <a:t>≠</a:t>
+            </a:r>
+            <a:r>
+              <a:rPr lang="en-US" sz="4800" dirty="0">
+                <a:solidFill>
+                  <a:srgbClr val="009900"/>
+                </a:solidFill>
+                <a:latin typeface="Comic Sans MS" pitchFamily="66" charset="0"/>
+                <a:sym typeface="Comic Sans MS" pitchFamily="66" charset="0"/>
+              </a:rPr>
+              <a:t> </a:t>
+            </a:r>
+            <a:r>
+              <a:rPr lang="en-US" sz="4800" dirty="0">
+                <a:solidFill>
+                  <a:srgbClr val="009900"/>
+                </a:solidFill>
+                <a:latin typeface="Comic Sans MS" pitchFamily="66" charset="0"/>
+              </a:rPr>
+              <a:t>1)</a:t>
+            </a:r>
+            <a:endParaRPr lang="en-US" sz="4000" dirty="0">
+              <a:solidFill>
+                <a:srgbClr val="009900"/>
+              </a:solidFill>
+              <a:latin typeface="Comic Sans MS" pitchFamily="66" charset="0"/>
+            </a:endParaRPr>
+          </a:p>
+        </p:txBody>
+      </p:sp>
+      <p:sp>
+        <p:nvSpPr>
+          <p:cNvPr id="6" name="TextBox 5"/>
+          <p:cNvSpPr txBox="1"/>
+          <p:nvPr/>
+        </p:nvSpPr>
+        <p:spPr>
+          <a:xfrm>
+            <a:off x="533400" y="3195697"/>
+            <a:ext cx="6518031" cy="1323439"/>
+          </a:xfrm>
+          <a:prstGeom prst="rect">
+            <a:avLst/>
+          </a:prstGeom>
+          <a:noFill/>
+        </p:spPr>
+        <p:txBody>
+          <a:bodyPr wrap="none" rtlCol="0">
+            <a:spAutoFit/>
+          </a:bodyPr>
+          <a:lstStyle/>
+          <a:p>
+            <a:pPr lvl="0"/>
+            <a:r>
+              <a:rPr lang="en-US" sz="4000" dirty="0" smtClean="0">
+                <a:solidFill>
+                  <a:prstClr val="black"/>
+                </a:solidFill>
+                <a:latin typeface="Comic Sans MS" pitchFamily="66" charset="0"/>
+              </a:rPr>
+              <a:t>          , because there are</a:t>
+            </a:r>
+          </a:p>
+          <a:p>
+            <a:pPr lvl="0"/>
+            <a:r>
+              <a:rPr lang="en-US" sz="4000" dirty="0" smtClean="0">
+                <a:solidFill>
+                  <a:prstClr val="black"/>
+                </a:solidFill>
+                <a:latin typeface="Comic Sans MS" pitchFamily="66" charset="0"/>
+              </a:rPr>
+              <a:t>       </a:t>
+            </a:r>
+            <a:r>
+              <a:rPr lang="en-US" sz="4000" dirty="0" smtClean="0">
+                <a:solidFill>
+                  <a:srgbClr val="FF0000"/>
+                </a:solidFill>
+                <a:latin typeface="Comic Sans MS" pitchFamily="66" charset="0"/>
+              </a:rPr>
+              <a:t>no “middle” horses!</a:t>
+            </a:r>
+            <a:endParaRPr lang="en-US" sz="4800" dirty="0" smtClean="0">
+              <a:solidFill>
+                <a:srgbClr val="FF0000"/>
+              </a:solidFill>
+              <a:latin typeface="Comic Sans MS" pitchFamily="66" charset="0"/>
+            </a:endParaRPr>
+          </a:p>
+        </p:txBody>
+      </p:sp>
+      <p:sp>
+        <p:nvSpPr>
+          <p:cNvPr id="7" name="Text Box 3"/>
+          <p:cNvSpPr txBox="1">
+            <a:spLocks noChangeArrowheads="1"/>
+          </p:cNvSpPr>
+          <p:nvPr/>
+        </p:nvSpPr>
+        <p:spPr bwMode="auto">
+          <a:xfrm>
+            <a:off x="1219200" y="1558925"/>
+            <a:ext cx="4156907" cy="769441"/>
+          </a:xfrm>
+          <a:prstGeom prst="rect">
+            <a:avLst/>
+          </a:prstGeom>
+          <a:noFill/>
+          <a:ln w="9525">
+            <a:noFill/>
+            <a:miter lim="800000"/>
+            <a:headEnd/>
+            <a:tailEnd type="none" w="lg" len="lg"/>
+          </a:ln>
+        </p:spPr>
+        <p:txBody>
+          <a:bodyPr wrap="none">
+            <a:spAutoFit/>
+          </a:bodyPr>
+          <a:lstStyle/>
+          <a:p>
+            <a:r>
+              <a:rPr lang="en-US" sz="4400" dirty="0" smtClean="0">
+                <a:latin typeface="Comic Sans MS" pitchFamily="66" charset="0"/>
+              </a:rPr>
+              <a:t>What’s </a:t>
+            </a:r>
+            <a:r>
+              <a:rPr lang="en-US" sz="4400" dirty="0">
+                <a:latin typeface="Comic Sans MS" pitchFamily="66" charset="0"/>
+              </a:rPr>
+              <a:t>wrong?</a:t>
+            </a:r>
+            <a:endParaRPr lang="en-US" sz="4400" dirty="0">
+              <a:solidFill>
+                <a:schemeClr val="accent2"/>
+              </a:solidFill>
+              <a:latin typeface="Comic Sans MS" pitchFamily="66" charset="0"/>
+            </a:endParaRPr>
+          </a:p>
+        </p:txBody>
+      </p:sp>
+      <p:sp>
+        <p:nvSpPr>
+          <p:cNvPr id="8" name="Rectangle 2"/>
+          <p:cNvSpPr>
+            <a:spLocks noGrp="1" noChangeArrowheads="1"/>
+          </p:cNvSpPr>
+          <p:nvPr>
+            <p:ph type="title"/>
+          </p:nvPr>
+        </p:nvSpPr>
+        <p:spPr>
+          <a:xfrm>
+            <a:off x="1447800" y="274638"/>
+            <a:ext cx="6400800" cy="1173162"/>
+          </a:xfrm>
+        </p:spPr>
+        <p:txBody>
+          <a:bodyPr/>
+          <a:lstStyle/>
+          <a:p>
+            <a:pPr eaLnBrk="1" hangingPunct="1"/>
+            <a:r>
+              <a:rPr lang="en-US" sz="4800" dirty="0" smtClean="0"/>
+              <a:t>A Bogus Proof</a:t>
+            </a:r>
+          </a:p>
+        </p:txBody>
+      </p:sp>
+    </p:spTree>
+    <p:extLst>
+      <p:ext uri="{BB962C8B-B14F-4D97-AF65-F5344CB8AC3E}">
+        <p14:creationId xmlns:p14="http://schemas.microsoft.com/office/powerpoint/2010/main" val="868293923"/>
+      </p:ext>
+    </p:extLst>
+  </p:cSld>
+  <p:clrMapOvr>
+    <a:masterClrMapping/>
+  </p:clrMapOvr>
+  <mc:AlternateContent xmlns:mc="http://schemas.openxmlformats.org/markup-compatibility/2006" xmlns:p14="http://schemas.microsoft.com/office/powerpoint/2010/main">
+    <mc:Choice Requires="p14">
+      <p:transition spd="med" p14:dur="700">
+        <p:fade/>
+      </p:transition>
+    </mc:Choice>
+    <mc:Fallback xmlns="">
+      <p:transition xmlns:p14="http://schemas.microsoft.com/office/powerpoint/2010/main" spd="med">
+        <p:fade/>
+      </p:transition>
+    </mc:Fallback>
+  </mc:AlternateContent>
+  <p:timing>
+    <p:tnLst>
+      <p:par>
+        <p:cTn xmlns:p14="http://schemas.microsoft.com/office/powerpoint/2010/main" id="1" dur="indefinite" restart="never" nodeType="tmRoot">
+          <p:childTnLst>
+            <p:seq concurrent="1" nextAc="seek">
+              <p:cTn id="2" dur="indefinite" nodeType="mainSeq">
+                <p:childTnLst>
+                  <p:par>
+                    <p:cTn id="3" fill="hold">
+                      <p:stCondLst>
+                        <p:cond delay="indefinite"/>
+                        <p:cond evt="onBegin" delay="0">
+                          <p:tn val="2"/>
+                        </p:cond>
+                      </p:stCondLst>
+                      <p:childTnLst>
+                        <p:par>
+                          <p:cTn id="4" fill="hold">
+                            <p:stCondLst>
+                              <p:cond delay="0"/>
+                            </p:stCondLst>
+                            <p:childTnLst>
+                              <p:par>
+                                <p:cTn id="5" presetID="10" presetClass="entr" presetSubtype="0" fill="hold" grpId="0" nodeType="withEffect">
+                                  <p:stCondLst>
+                                    <p:cond delay="0"/>
+                                  </p:stCondLst>
+                                  <p:childTnLst>
+                                    <p:set>
+                                      <p:cBhvr>
+                                        <p:cTn id="6" dur="1" fill="hold">
+                                          <p:stCondLst>
+                                            <p:cond delay="0"/>
+                                          </p:stCondLst>
+                                        </p:cTn>
+                                        <p:tgtEl>
+                                          <p:spTgt spid="22"/>
+                                        </p:tgtEl>
+                                        <p:attrNameLst>
+                                          <p:attrName>style.visibility</p:attrName>
+                                        </p:attrNameLst>
+                                      </p:cBhvr>
+                                      <p:to>
+                                        <p:strVal val="visible"/>
+                                      </p:to>
+                                    </p:set>
+                                    <p:animEffect transition="in" filter="fade">
+                                      <p:cBhvr>
+                                        <p:cTn id="7" dur="1000"/>
+                                        <p:tgtEl>
+                                          <p:spTgt spid="22"/>
+                                        </p:tgtEl>
+                                      </p:cBhvr>
+                                    </p:animEffect>
+                                  </p:childTnLst>
+                                </p:cTn>
+                              </p:par>
+                            </p:childTnLst>
+                          </p:cTn>
+                        </p:par>
+                      </p:childTnLst>
+                    </p:cTn>
+                  </p:par>
+                </p:childTnLst>
+              </p:cTn>
+              <p:prevCondLst>
+                <p:cond evt="onPrev" delay="0">
+                  <p:tgtEl>
+                    <p:sldTgt/>
+                  </p:tgtEl>
+                </p:cond>
+              </p:prevCondLst>
+              <p:nextCondLst>
+                <p:cond evt="onNext" delay="0">
+                  <p:tgtEl>
+                    <p:sldTgt/>
+                  </p:tgtEl>
+                </p:cond>
+              </p:nextCondLst>
+            </p:seq>
+          </p:childTnLst>
+        </p:cTn>
+      </p:par>
+    </p:tnLst>
+    <p:bldLst>
+      <p:bldP spid="22" grpId="0"/>
+    </p:bldLst>
   </p:timing>
 </p:sld>
 </file>
@@ -2557,15 +3361,7 @@
             <a:pPr eaLnBrk="1" hangingPunct="1"/>
             <a:r>
               <a:rPr lang="en-US" sz="4800" dirty="0" smtClean="0"/>
-              <a:t>A </a:t>
-            </a:r>
-            <a:r>
-              <a:rPr lang="en-US" sz="4800" dirty="0" smtClean="0"/>
-              <a:t>Bogus </a:t>
-            </a:r>
-            <a:r>
-              <a:rPr lang="en-US" sz="4800" dirty="0" smtClean="0"/>
-              <a:t>Proof</a:t>
+              <a:t>A Bogus Proof</a:t>
             </a:r>
           </a:p>
         </p:txBody>
@@ -2581,7 +3377,7 @@
         <p:spPr bwMode="auto">
           <a:xfrm>
             <a:off x="567154" y="1396425"/>
-            <a:ext cx="7967246" cy="584775"/>
+            <a:ext cx="7591767" cy="584776"/>
           </a:xfrm>
           <a:prstGeom prst="rect">
             <a:avLst/>
@@ -2601,9 +3397,9 @@
           <a:lstStyle/>
           <a:p>
             <a:r>
-              <a:rPr lang="en-US" sz="3200" dirty="0">
-                <a:solidFill>
-                  <a:srgbClr val="BC34CA"/>
+              <a:rPr lang="en-US" sz="2800" dirty="0">
+                <a:solidFill>
+                  <a:srgbClr val="000000"/>
                 </a:solidFill>
                 <a:latin typeface="Comic Sans MS" pitchFamily="66" charset="0"/>
               </a:rPr>
@@ -2629,7 +3425,7 @@
         <p:spPr bwMode="auto">
           <a:xfrm>
             <a:off x="304800" y="2020431"/>
-            <a:ext cx="8534400" cy="2246769"/>
+            <a:ext cx="8534400" cy="2308324"/>
           </a:xfrm>
           <a:prstGeom prst="rect">
             <a:avLst/>
@@ -2649,22 +3445,22 @@
           <a:lstStyle/>
           <a:p>
             <a:r>
-              <a:rPr lang="en-US" sz="2800" dirty="0">
-                <a:solidFill>
-                  <a:srgbClr val="BC34CA"/>
+              <a:rPr lang="en-US" sz="3600" dirty="0">
+                <a:solidFill>
+                  <a:srgbClr val="FF33CC"/>
                 </a:solidFill>
                 <a:latin typeface="Comic Sans MS" pitchFamily="66" charset="0"/>
               </a:rPr>
               <a:t>Proof:</a:t>
             </a:r>
             <a:r>
-              <a:rPr lang="en-US" sz="2800" dirty="0">
+              <a:rPr lang="en-US" sz="3600" dirty="0">
                 <a:latin typeface="Comic Sans MS" pitchFamily="66" charset="0"/>
               </a:rPr>
               <a:t> (by induction on</a:t>
             </a:r>
             <a:r>
-              <a:rPr lang="en-US" sz="2800" i="1" dirty="0">
+              <a:rPr lang="en-US" sz="3600" i="1" dirty="0">
                 <a:solidFill>
                   <a:srgbClr val="008000"/>
                 </a:solidFill>
@@ -2673,7 +3469,7 @@
               <a:t> </a:t>
             </a:r>
             <a:r>
-              <a:rPr lang="en-US" sz="2800" dirty="0">
+              <a:rPr lang="en-US" sz="3600" dirty="0">
                 <a:solidFill>
                   <a:srgbClr val="008000"/>
                 </a:solidFill>
@@ -2682,7 +3478,7 @@
               <a:t>n</a:t>
             </a:r>
             <a:r>
-              <a:rPr lang="en-US" sz="2800" dirty="0">
+              <a:rPr lang="en-US" sz="3600" dirty="0">
                 <a:latin typeface="Comic Sans MS" pitchFamily="66" charset="0"/>
               </a:rPr>
               <a:t>)</a:t>
@@ -2690,16 +3486,15 @@
           </a:p>
           <a:p>
             <a:r>
-              <a:rPr lang="en-US" sz="2800" dirty="0">
+              <a:rPr lang="en-US" sz="3600" dirty="0">
                 <a:latin typeface="Comic Sans MS" pitchFamily="66" charset="0"/>
               </a:rPr>
               <a:t>Induction hypothesis:</a:t>
             </a:r>
           </a:p>
           <a:p>
-            <a:pPr algn="ctr"/>
-            <a:r>
-              <a:rPr lang="en-US" sz="2800" dirty="0">
+            <a:r>
+              <a:rPr lang="en-US" sz="3600" dirty="0">
                 <a:solidFill>
                   <a:srgbClr val="0000FF"/>
                 </a:solidFill>
@@ -2708,13 +3503,13 @@
               <a:t>P</a:t>
             </a:r>
             <a:r>
-              <a:rPr lang="en-US" sz="2800" dirty="0">
+              <a:rPr lang="en-US" sz="3600" dirty="0">
                 <a:latin typeface="Comic Sans MS" pitchFamily="66" charset="0"/>
               </a:rPr>
               <a:t>(</a:t>
             </a:r>
             <a:r>
-              <a:rPr lang="en-US" sz="2800" dirty="0">
+              <a:rPr lang="en-US" sz="3600" dirty="0">
                 <a:solidFill>
                   <a:srgbClr val="028822"/>
                 </a:solidFill>
@@ -2723,13 +3518,13 @@
               <a:t>n</a:t>
             </a:r>
             <a:r>
-              <a:rPr lang="en-US" sz="2800" dirty="0">
+              <a:rPr lang="en-US" sz="3600" dirty="0">
                 <a:latin typeface="Comic Sans MS" pitchFamily="66" charset="0"/>
               </a:rPr>
               <a:t>) ::=</a:t>
             </a:r>
             <a:r>
-              <a:rPr lang="en-US" sz="2800" dirty="0">
+              <a:rPr lang="en-US" sz="3600" dirty="0">
                 <a:solidFill>
                   <a:srgbClr val="0000FF"/>
                 </a:solidFill>
@@ -2738,7 +3533,7 @@
               <a:t> </a:t>
             </a:r>
             <a:r>
-              <a:rPr lang="en-US" sz="2800" dirty="0" smtClean="0">
+              <a:rPr lang="en-US" sz="3600" dirty="0" smtClean="0">
                 <a:solidFill>
                   <a:srgbClr val="0000FF"/>
                 </a:solidFill>
@@ -2747,7 +3542,7 @@
               <a:t>any </a:t>
             </a:r>
             <a:r>
-              <a:rPr lang="en-US" sz="2800" dirty="0">
+              <a:rPr lang="en-US" sz="3600" dirty="0">
                 <a:solidFill>
                   <a:srgbClr val="0000FF"/>
                 </a:solidFill>
@@ -2756,7 +3551,7 @@
               <a:t>set of </a:t>
             </a:r>
             <a:r>
-              <a:rPr lang="en-US" sz="2800" dirty="0">
+              <a:rPr lang="en-US" sz="3600" dirty="0">
                 <a:solidFill>
                   <a:srgbClr val="029C27"/>
                 </a:solidFill>
@@ -2765,67 +3560,47 @@
               <a:t>n</a:t>
             </a:r>
             <a:r>
-              <a:rPr lang="en-US" sz="2800" dirty="0">
+              <a:rPr lang="en-US" sz="3600" dirty="0">
                 <a:solidFill>
                   <a:srgbClr val="0000FF"/>
                 </a:solidFill>
                 <a:latin typeface="Comic Sans MS" pitchFamily="66" charset="0"/>
               </a:rPr>
-              <a:t> horses have the same color</a:t>
+              <a:t> </a:t>
+            </a:r>
+            <a:r>
+              <a:rPr lang="en-US" sz="3600" dirty="0" smtClean="0">
+                <a:solidFill>
+                  <a:srgbClr val="0000FF"/>
+                </a:solidFill>
+                <a:latin typeface="Comic Sans MS" pitchFamily="66" charset="0"/>
+              </a:rPr>
+              <a:t>horses are</a:t>
             </a:r>
           </a:p>
           <a:p>
             <a:r>
-              <a:rPr lang="en-US" sz="2800" dirty="0">
-                <a:latin typeface="Comic Sans MS" pitchFamily="66" charset="0"/>
-              </a:rPr>
-              <a:t>Base case</a:t>
-            </a:r>
-            <a:r>
-              <a:rPr lang="en-US" sz="2800" dirty="0">
-                <a:solidFill>
-                  <a:srgbClr val="008000"/>
+              <a:rPr lang="en-US" sz="3600" dirty="0">
+                <a:solidFill>
+                  <a:srgbClr val="0000FF"/>
                 </a:solidFill>
                 <a:latin typeface="Comic Sans MS" pitchFamily="66" charset="0"/>
               </a:rPr>
               <a:t> </a:t>
             </a:r>
             <a:r>
-              <a:rPr lang="en-US" sz="2800" dirty="0">
-                <a:latin typeface="Comic Sans MS" pitchFamily="66" charset="0"/>
-              </a:rPr>
-              <a:t>(</a:t>
-            </a:r>
-            <a:r>
-              <a:rPr lang="en-US" sz="2800" dirty="0" err="1">
-                <a:solidFill>
-                  <a:srgbClr val="008000"/>
-                </a:solidFill>
-                <a:latin typeface="Comic Sans MS" pitchFamily="66" charset="0"/>
-              </a:rPr>
-              <a:t>n</a:t>
-            </a:r>
-            <a:r>
-              <a:rPr lang="en-US" sz="2800" dirty="0" smtClean="0">
-                <a:latin typeface="Comic Sans MS" pitchFamily="66" charset="0"/>
-              </a:rPr>
-              <a:t>=1)</a:t>
-            </a:r>
-            <a:r>
-              <a:rPr lang="en-US" sz="2800" dirty="0">
-                <a:latin typeface="Comic Sans MS" pitchFamily="66" charset="0"/>
-              </a:rPr>
-              <a:t>:</a:t>
-            </a:r>
-          </a:p>
-          <a:p>
-            <a:r>
-              <a:rPr lang="en-US" sz="2800" dirty="0" smtClean="0">
-                <a:latin typeface="Comic Sans MS" pitchFamily="66" charset="0"/>
-              </a:rPr>
-              <a:t>	horse is same color as itself!</a:t>
-            </a:r>
-            <a:endParaRPr lang="en-US" sz="2800" dirty="0">
+              <a:rPr lang="en-US" sz="3600" dirty="0" smtClean="0">
+                <a:solidFill>
+                  <a:srgbClr val="0000FF"/>
+                </a:solidFill>
+                <a:latin typeface="Comic Sans MS" pitchFamily="66" charset="0"/>
+              </a:rPr>
+              <a:t>           the same color</a:t>
+            </a:r>
+            <a:endParaRPr lang="en-US" sz="3600" dirty="0">
+              <a:solidFill>
+                <a:srgbClr val="0000FF"/>
+              </a:solidFill>
               <a:latin typeface="Comic Sans MS" pitchFamily="66" charset="0"/>
             </a:endParaRPr>
           </a:p>
@@ -3079,38 +3854,6 @@
           </p:spPr>
         </p:pic>
       </p:grpSp>
-      <p:pic>
-        <p:nvPicPr>
-          <p:cNvPr id="13" name="Picture 5" descr="MCj01051920000[1]"/>
-          <p:cNvPicPr>
-            <a:picLocks noChangeAspect="1" noChangeArrowheads="1"/>
-          </p:cNvPicPr>
-          <p:nvPr/>
-        </p:nvPicPr>
-        <p:blipFill>
-          <a:blip r:embed="rId4" cstate="print"/>
-          <a:srcRect/>
-          <a:stretch>
-            <a:fillRect/>
-          </a:stretch>
-        </p:blipFill>
-        <p:spPr bwMode="auto">
-          <a:xfrm>
-            <a:off x="6629400" y="3429000"/>
-            <a:ext cx="1289050" cy="977900"/>
-          </a:xfrm>
-          <a:prstGeom prst="rect">
-            <a:avLst/>
-          </a:prstGeom>
-          <a:noFill/>
-          <a:ln w="9525">
-            <a:noFill/>
-            <a:miter lim="800000"/>
-            <a:headEnd/>
-            <a:tailEnd/>
-          </a:ln>
-        </p:spPr>
-      </p:pic>
     </p:spTree>
   </p:cSld>
   <p:clrMapOvr>
@@ -3369,15 +4112,33 @@
                                   </p:childTnLst>
                                 </p:cTn>
                               </p:par>
+                            </p:childTnLst>
+                          </p:cTn>
+                        </p:par>
+                      </p:childTnLst>
+                    </p:cTn>
+                  </p:par>
+                  <p:par>
+                    <p:cTn id="21" fill="hold">
+                      <p:stCondLst>
+                        <p:cond delay="indefinite"/>
+                      </p:stCondLst>
+                      <p:childTnLst>
+                        <p:par>
+                          <p:cTn id="22" fill="hold">
+                            <p:stCondLst>
+                              <p:cond delay="0"/>
+                            </p:stCondLst>
+                            <p:childTnLst>
                               <p:par>
-                                <p:cTn id="21" presetID="9" presetClass="entr" presetSubtype="0" fill="hold" nodeType="withEffect">
+                                <p:cTn id="23" presetID="9" presetClass="entr" presetSubtype="0" fill="hold" nodeType="clickEffect">
                                   <p:stCondLst>
                                     <p:cond delay="0"/>
                                   </p:stCondLst>
                                   <p:childTnLst>
                                     <p:set>
                                       <p:cBhvr>
-                                        <p:cTn id="22" dur="1" fill="hold">
+                                        <p:cTn id="24" dur="1" fill="hold">
                                           <p:stCondLst>
                                             <p:cond delay="0"/>
                                           </p:stCondLst>
@@ -3399,7 +4160,7 @@
                                     </p:set>
                                     <p:animEffect transition="in" filter="dissolve">
                                       <p:cBhvr>
-                                        <p:cTn id="23" dur="500"/>
+                                        <p:cTn id="25" dur="500"/>
                                         <p:tgtEl>
                                           <p:spTgt spid="94212">
                                             <p:txEl>
@@ -3412,26 +4173,8 @@
                                   </p:childTnLst>
                                 </p:cTn>
                               </p:par>
-                            </p:childTnLst>
-                          </p:cTn>
-                        </p:par>
-                      </p:childTnLst>
-                    </p:cTn>
-                  </p:par>
-                  <p:par>
-                    <p:cTn id="24" fill="hold">
-                      <p:stCondLst>
-                        <p:cond delay="indefinite"/>
-                      </p:stCondLst>
-                      <p:childTnLst>
-                        <p:par>
-                          <p:cTn id="25" fill="hold">
-                            <p:stCondLst>
-                              <p:cond delay="0"/>
-                            </p:stCondLst>
-                            <p:childTnLst>
                               <p:par>
-                                <p:cTn id="26" presetID="9" presetClass="entr" presetSubtype="0" fill="hold" nodeType="clickEffect">
+                                <p:cTn id="26" presetID="9" presetClass="entr" presetSubtype="0" fill="hold" nodeType="withEffect">
                                   <p:stCondLst>
                                     <p:cond delay="0"/>
                                   </p:stCondLst>
@@ -3470,171 +4213,6 @@
                                         </p:tgtEl>
                                       </p:cBhvr>
                                     </p:animEffect>
-                                  </p:childTnLst>
-                                </p:cTn>
-                              </p:par>
-                              <p:par>
-                                <p:cTn id="29" presetID="9" presetClass="entr" presetSubtype="0" fill="hold" nodeType="withEffect">
-                                  <p:stCondLst>
-                                    <p:cond delay="0"/>
-                                  </p:stCondLst>
-                                  <p:childTnLst>
-                                    <p:set>
-                                      <p:cBhvr>
-                                        <p:cTn id="30" dur="1" fill="hold">
-                                          <p:stCondLst>
-                                            <p:cond delay="0"/>
-                                          </p:stCondLst>
-                                        </p:cTn>
-                                        <p:tgtEl>
-                                          <p:spTgt spid="94212">
-                                            <p:txEl>
-                                              <p:pRg st="4" end="4"/>
-                                            </p:txEl>
-                                          </p:spTgt>
-                                        </p:tgtEl>
-                                        <p:attrNameLst>
-                                          <p:attrName>style.visibility</p:attrName>
-                                        </p:attrNameLst>
-                                      </p:cBhvr>
-                                      <p:to>
-                                        <p:strVal val="visible"/>
-                                      </p:to>
-                                    </p:set>
-                                    <p:animEffect transition="in" filter="dissolve">
-                                      <p:cBhvr>
-                                        <p:cTn id="31" dur="500"/>
-                                        <p:tgtEl>
-                                          <p:spTgt spid="94212">
-                                            <p:txEl>
-                                              <p:pRg st="4" end="4"/>
-                                            </p:txEl>
-                                          </p:spTgt>
-                                        </p:tgtEl>
-                                      </p:cBhvr>
-                                    </p:animEffect>
-                                  </p:childTnLst>
-                                </p:cTn>
-                              </p:par>
-                            </p:childTnLst>
-                          </p:cTn>
-                        </p:par>
-                      </p:childTnLst>
-                    </p:cTn>
-                  </p:par>
-                  <p:par>
-                    <p:cTn id="32" fill="hold">
-                      <p:stCondLst>
-                        <p:cond delay="indefinite"/>
-                      </p:stCondLst>
-                      <p:childTnLst>
-                        <p:par>
-                          <p:cTn id="33" fill="hold">
-                            <p:stCondLst>
-                              <p:cond delay="0"/>
-                            </p:stCondLst>
-                            <p:childTnLst>
-                              <p:par>
-                                <p:cTn id="34" presetID="35" presetClass="entr" presetSubtype="0" fill="hold" nodeType="clickEffect">
-                                  <p:stCondLst>
-                                    <p:cond delay="0"/>
-                                  </p:stCondLst>
-                                  <p:childTnLst>
-                                    <p:set>
-                                      <p:cBhvr>
-                                        <p:cTn id="35" dur="1" fill="hold">
-                                          <p:stCondLst>
-                                            <p:cond delay="0"/>
-                                          </p:stCondLst>
-                                        </p:cTn>
-                                        <p:tgtEl>
-                                          <p:spTgt spid="13"/>
-                                        </p:tgtEl>
-                                        <p:attrNameLst>
-                                          <p:attrName>style.visibility</p:attrName>
-                                        </p:attrNameLst>
-                                      </p:cBhvr>
-                                      <p:to>
-                                        <p:strVal val="visible"/>
-                                      </p:to>
-                                    </p:set>
-                                    <p:animEffect transition="in" filter="fade">
-                                      <p:cBhvr>
-                                        <p:cTn id="36" dur="500"/>
-                                        <p:tgtEl>
-                                          <p:spTgt spid="13"/>
-                                        </p:tgtEl>
-                                      </p:cBhvr>
-                                    </p:animEffect>
-                                    <p:anim calcmode="lin" valueType="num">
-                                      <p:cBhvr>
-                                        <p:cTn id="37" dur="500" fill="hold"/>
-                                        <p:tgtEl>
-                                          <p:spTgt spid="13"/>
-                                        </p:tgtEl>
-                                        <p:attrNameLst>
-                                          <p:attrName>style.rotation</p:attrName>
-                                        </p:attrNameLst>
-                                      </p:cBhvr>
-                                      <p:tavLst>
-                                        <p:tav tm="0">
-                                          <p:val>
-                                            <p:fltVal val="720"/>
-                                          </p:val>
-                                        </p:tav>
-                                        <p:tav tm="100000">
-                                          <p:val>
-                                            <p:fltVal val="0"/>
-                                          </p:val>
-                                        </p:tav>
-                                      </p:tavLst>
-                                    </p:anim>
-                                    <p:anim calcmode="lin" valueType="num">
-                                      <p:cBhvr>
-                                        <p:cTn id="38" dur="500" fill="hold"/>
-                                        <p:tgtEl>
-                                          <p:spTgt spid="13"/>
-                                        </p:tgtEl>
-                                        <p:attrNameLst>
-                                          <p:attrName>ppt_h</p:attrName>
-                                        </p:attrNameLst>
-                                      </p:cBhvr>
-                                      <p:tavLst>
-                                        <p:tav tm="0">
-                                          <p:val>
-                                            <p:fltVal val="0"/>
-                                          </p:val>
-                                        </p:tav>
-                                        <p:tav tm="100000">
-                                          <p:val>
-                                            <p:strVal val="#ppt_h"/>
-                                          </p:val>
-                                        </p:tav>
-                                      </p:tavLst>
-                                    </p:anim>
-                                    <p:anim calcmode="lin" valueType="num">
-                                      <p:cBhvr>
-                                        <p:cTn id="39" dur="500" fill="hold"/>
-                                        <p:tgtEl>
-                                          <p:spTgt spid="13"/>
-                                        </p:tgtEl>
-                                        <p:attrNameLst>
-                                          <p:attrName>ppt_w</p:attrName>
-                                        </p:attrNameLst>
-                                      </p:cBhvr>
-                                      <p:tavLst>
-                                        <p:tav tm="0">
-                                          <p:val>
-                                            <p:fltVal val="0"/>
-                                          </p:val>
-                                        </p:tav>
-                                        <p:tav tm="100000">
-                                          <p:val>
-                                            <p:strVal val="#ppt_w"/>
-                                          </p:val>
-                                        </p:tav>
-                                      </p:tavLst>
-                                    </p:anim>
                                   </p:childTnLst>
                                 </p:cTn>
                               </p:par>
@@ -3688,7 +4266,30 @@
       </p:grpSpPr>
       <p:sp>
         <p:nvSpPr>
-          <p:cNvPr id="95235" name="Text Box 3"/>
+          <p:cNvPr id="35842" name="Rectangle 2"/>
+          <p:cNvSpPr>
+            <a:spLocks noGrp="1" noChangeArrowheads="1"/>
+          </p:cNvSpPr>
+          <p:nvPr>
+            <p:ph type="title"/>
+          </p:nvPr>
+        </p:nvSpPr>
+        <p:spPr/>
+        <p:txBody>
+          <a:bodyPr/>
+          <a:lstStyle/>
+          <a:p>
+            <a:pPr eaLnBrk="1" hangingPunct="1"/>
+            <a:r>
+              <a:rPr lang="en-US" sz="4800" dirty="0" smtClean="0"/>
+              <a:t>A Bogus Proof</a:t>
+            </a:r>
+          </a:p>
+        </p:txBody>
+      </p:sp>
+      <p:sp>
+        <p:nvSpPr>
+          <p:cNvPr id="35843" name="Text Box 3"/>
           <p:cNvSpPr txBox="1">
             <a:spLocks noChangeArrowheads="1"/>
           </p:cNvSpPr>
@@ -3696,8 +4297,8 @@
         </p:nvSpPr>
         <p:spPr bwMode="auto">
           <a:xfrm>
-            <a:off x="685800" y="1631950"/>
-            <a:ext cx="7989688" cy="1384995"/>
+            <a:off x="567154" y="1396425"/>
+            <a:ext cx="7607096" cy="584776"/>
           </a:xfrm>
           <a:prstGeom prst="rect">
             <a:avLst/>
@@ -3720,41 +4321,802 @@
               <a:rPr lang="en-US" sz="2800" dirty="0">
                 <a:latin typeface="Comic Sans MS" pitchFamily="66" charset="0"/>
               </a:rPr>
-              <a:t>(Inductive case) </a:t>
+              <a:t>Theorem:</a:t>
+            </a:r>
+            <a:r>
+              <a:rPr lang="en-US" sz="3200" dirty="0">
+                <a:solidFill>
+                  <a:srgbClr val="BC34CA"/>
+                </a:solidFill>
+                <a:latin typeface="Comic Sans MS" pitchFamily="66" charset="0"/>
+              </a:rPr>
+              <a:t> </a:t>
+            </a:r>
+            <a:r>
+              <a:rPr lang="en-US" sz="3200" dirty="0">
+                <a:latin typeface="Comic Sans MS" pitchFamily="66" charset="0"/>
+              </a:rPr>
+              <a:t>All horses are the same color. </a:t>
+            </a:r>
+          </a:p>
+        </p:txBody>
+      </p:sp>
+      <p:sp>
+        <p:nvSpPr>
+          <p:cNvPr id="94212" name="Text Box 4"/>
+          <p:cNvSpPr txBox="1">
+            <a:spLocks noChangeArrowheads="1"/>
+          </p:cNvSpPr>
+          <p:nvPr/>
+        </p:nvSpPr>
+        <p:spPr bwMode="auto">
+          <a:xfrm>
+            <a:off x="304800" y="2020431"/>
+            <a:ext cx="8534400" cy="2308324"/>
+          </a:xfrm>
+          <a:prstGeom prst="rect">
+            <a:avLst/>
+          </a:prstGeom>
+          <a:noFill/>
+          <a:ln w="9525">
+            <a:noFill/>
+            <a:miter lim="800000"/>
+            <a:headEnd/>
+            <a:tailEnd type="none" w="lg" len="lg"/>
+          </a:ln>
+        </p:spPr>
+        <p:txBody>
+          <a:bodyPr>
+            <a:spAutoFit/>
+          </a:bodyPr>
+          <a:lstStyle/>
+          <a:p>
+            <a:r>
+              <a:rPr lang="en-US" sz="3600" dirty="0">
+                <a:solidFill>
+                  <a:srgbClr val="FF33CC"/>
+                </a:solidFill>
+                <a:latin typeface="Comic Sans MS" pitchFamily="66" charset="0"/>
+              </a:rPr>
+              <a:t>Proof:</a:t>
+            </a:r>
+            <a:r>
+              <a:rPr lang="en-US" sz="3600" dirty="0">
+                <a:latin typeface="Comic Sans MS" pitchFamily="66" charset="0"/>
+              </a:rPr>
+              <a:t> (by induction on</a:t>
+            </a:r>
+            <a:r>
+              <a:rPr lang="en-US" sz="3600" i="1" dirty="0">
+                <a:solidFill>
+                  <a:srgbClr val="008000"/>
+                </a:solidFill>
+                <a:latin typeface="Comic Sans MS" pitchFamily="66" charset="0"/>
+              </a:rPr>
+              <a:t> </a:t>
+            </a:r>
+            <a:r>
+              <a:rPr lang="en-US" sz="3600" dirty="0">
+                <a:solidFill>
+                  <a:srgbClr val="008000"/>
+                </a:solidFill>
+                <a:latin typeface="Comic Sans MS" pitchFamily="66" charset="0"/>
+              </a:rPr>
+              <a:t>n</a:t>
+            </a:r>
+            <a:r>
+              <a:rPr lang="en-US" sz="3600" dirty="0">
+                <a:latin typeface="Comic Sans MS" pitchFamily="66" charset="0"/>
+              </a:rPr>
+              <a:t>)</a:t>
             </a:r>
           </a:p>
           <a:p>
             <a:r>
-              <a:rPr lang="en-US" sz="2800" dirty="0">
-                <a:latin typeface="Comic Sans MS" pitchFamily="66" charset="0"/>
-              </a:rPr>
-              <a:t>Assume any </a:t>
-            </a:r>
-            <a:r>
-              <a:rPr lang="en-US" sz="2800" dirty="0">
-                <a:solidFill>
-                  <a:srgbClr val="029C27"/>
-                </a:solidFill>
-                <a:latin typeface="Comic Sans MS" pitchFamily="66" charset="0"/>
-              </a:rPr>
-              <a:t>n </a:t>
-            </a:r>
-            <a:r>
-              <a:rPr lang="en-US" sz="2800" dirty="0">
-                <a:latin typeface="Comic Sans MS" pitchFamily="66" charset="0"/>
-              </a:rPr>
-              <a:t>horses have the same color.</a:t>
+              <a:rPr lang="en-US" sz="3600" dirty="0">
+                <a:latin typeface="Comic Sans MS" pitchFamily="66" charset="0"/>
+              </a:rPr>
+              <a:t>Induction hypothesis:</a:t>
             </a:r>
           </a:p>
           <a:p>
             <a:r>
-              <a:rPr lang="en-US" sz="2800" dirty="0">
+              <a:rPr lang="en-US" sz="3600" dirty="0">
+                <a:solidFill>
+                  <a:srgbClr val="0000FF"/>
+                </a:solidFill>
+                <a:latin typeface="Comic Sans MS" pitchFamily="66" charset="0"/>
+              </a:rPr>
+              <a:t>P</a:t>
+            </a:r>
+            <a:r>
+              <a:rPr lang="en-US" sz="3600" dirty="0">
+                <a:latin typeface="Comic Sans MS" pitchFamily="66" charset="0"/>
+              </a:rPr>
+              <a:t>(</a:t>
+            </a:r>
+            <a:r>
+              <a:rPr lang="en-US" sz="3600" dirty="0">
+                <a:solidFill>
+                  <a:srgbClr val="028822"/>
+                </a:solidFill>
+                <a:latin typeface="Comic Sans MS" pitchFamily="66" charset="0"/>
+              </a:rPr>
+              <a:t>n</a:t>
+            </a:r>
+            <a:r>
+              <a:rPr lang="en-US" sz="3600" dirty="0">
+                <a:latin typeface="Comic Sans MS" pitchFamily="66" charset="0"/>
+              </a:rPr>
+              <a:t>) ::=</a:t>
+            </a:r>
+            <a:r>
+              <a:rPr lang="en-US" sz="3600" dirty="0">
+                <a:solidFill>
+                  <a:srgbClr val="0000FF"/>
+                </a:solidFill>
+                <a:latin typeface="Comic Sans MS" pitchFamily="66" charset="0"/>
+              </a:rPr>
+              <a:t> </a:t>
+            </a:r>
+            <a:r>
+              <a:rPr lang="en-US" sz="3600" dirty="0" smtClean="0">
+                <a:solidFill>
+                  <a:srgbClr val="0000FF"/>
+                </a:solidFill>
+                <a:latin typeface="Comic Sans MS" pitchFamily="66" charset="0"/>
+              </a:rPr>
+              <a:t>any </a:t>
+            </a:r>
+            <a:r>
+              <a:rPr lang="en-US" sz="3600" dirty="0">
+                <a:solidFill>
+                  <a:srgbClr val="0000FF"/>
+                </a:solidFill>
+                <a:latin typeface="Comic Sans MS" pitchFamily="66" charset="0"/>
+              </a:rPr>
+              <a:t>set of </a:t>
+            </a:r>
+            <a:r>
+              <a:rPr lang="en-US" sz="3600" dirty="0">
+                <a:solidFill>
+                  <a:srgbClr val="029C27"/>
+                </a:solidFill>
+                <a:latin typeface="Comic Sans MS" pitchFamily="66" charset="0"/>
+              </a:rPr>
+              <a:t>n</a:t>
+            </a:r>
+            <a:r>
+              <a:rPr lang="en-US" sz="3600" dirty="0">
+                <a:solidFill>
+                  <a:srgbClr val="0000FF"/>
+                </a:solidFill>
+                <a:latin typeface="Comic Sans MS" pitchFamily="66" charset="0"/>
+              </a:rPr>
+              <a:t> </a:t>
+            </a:r>
+            <a:r>
+              <a:rPr lang="en-US" sz="3600" dirty="0" smtClean="0">
+                <a:solidFill>
+                  <a:srgbClr val="0000FF"/>
+                </a:solidFill>
+                <a:latin typeface="Comic Sans MS" pitchFamily="66" charset="0"/>
+              </a:rPr>
+              <a:t>horses are</a:t>
+            </a:r>
+          </a:p>
+          <a:p>
+            <a:r>
+              <a:rPr lang="en-US" sz="3600" dirty="0">
+                <a:solidFill>
+                  <a:srgbClr val="0000FF"/>
+                </a:solidFill>
+                <a:latin typeface="Comic Sans MS" pitchFamily="66" charset="0"/>
+              </a:rPr>
+              <a:t> </a:t>
+            </a:r>
+            <a:r>
+              <a:rPr lang="en-US" sz="3600" dirty="0" smtClean="0">
+                <a:solidFill>
+                  <a:srgbClr val="0000FF"/>
+                </a:solidFill>
+                <a:latin typeface="Comic Sans MS" pitchFamily="66" charset="0"/>
+              </a:rPr>
+              <a:t>           the same color</a:t>
+            </a:r>
+            <a:endParaRPr lang="en-US" sz="3600" dirty="0">
+              <a:solidFill>
+                <a:srgbClr val="0000FF"/>
+              </a:solidFill>
+              <a:latin typeface="Comic Sans MS" pitchFamily="66" charset="0"/>
+            </a:endParaRPr>
+          </a:p>
+        </p:txBody>
+      </p:sp>
+      <p:sp>
+        <p:nvSpPr>
+          <p:cNvPr id="3" name="Rectangle 2"/>
+          <p:cNvSpPr/>
+          <p:nvPr/>
+        </p:nvSpPr>
+        <p:spPr>
+          <a:xfrm>
+            <a:off x="381000" y="4191000"/>
+            <a:ext cx="7772400" cy="1200329"/>
+          </a:xfrm>
+          <a:prstGeom prst="rect">
+            <a:avLst/>
+          </a:prstGeom>
+        </p:spPr>
+        <p:txBody>
+          <a:bodyPr wrap="square">
+            <a:spAutoFit/>
+          </a:bodyPr>
+          <a:lstStyle/>
+          <a:p>
+            <a:r>
+              <a:rPr lang="en-US" sz="3600" dirty="0">
+                <a:solidFill>
+                  <a:srgbClr val="FF33CC"/>
+                </a:solidFill>
+                <a:latin typeface="Comic Sans MS" pitchFamily="66" charset="0"/>
+              </a:rPr>
+              <a:t>Base case</a:t>
+            </a:r>
+            <a:r>
+              <a:rPr lang="en-US" sz="3600" dirty="0">
+                <a:solidFill>
+                  <a:srgbClr val="008000"/>
+                </a:solidFill>
+                <a:latin typeface="Comic Sans MS" pitchFamily="66" charset="0"/>
+              </a:rPr>
+              <a:t> </a:t>
+            </a:r>
+            <a:r>
+              <a:rPr lang="en-US" sz="3600" dirty="0">
+                <a:latin typeface="Comic Sans MS" pitchFamily="66" charset="0"/>
+              </a:rPr>
+              <a:t>(</a:t>
+            </a:r>
+            <a:r>
+              <a:rPr lang="en-US" sz="3600" dirty="0">
+                <a:solidFill>
+                  <a:srgbClr val="008000"/>
+                </a:solidFill>
+                <a:latin typeface="Comic Sans MS" pitchFamily="66" charset="0"/>
+              </a:rPr>
+              <a:t>n</a:t>
+            </a:r>
+            <a:r>
+              <a:rPr lang="en-US" sz="3600" dirty="0">
+                <a:latin typeface="Comic Sans MS" pitchFamily="66" charset="0"/>
+              </a:rPr>
+              <a:t>=1):</a:t>
+            </a:r>
+          </a:p>
+          <a:p>
+            <a:r>
+              <a:rPr lang="en-US" sz="3600" dirty="0">
+                <a:latin typeface="Comic Sans MS" pitchFamily="66" charset="0"/>
+              </a:rPr>
+              <a:t>	horse is same color as itself!</a:t>
+            </a:r>
+          </a:p>
+        </p:txBody>
+      </p:sp>
+      <p:pic>
+        <p:nvPicPr>
+          <p:cNvPr id="14" name="Picture 8" descr="AN02479_"/>
+          <p:cNvPicPr>
+            <a:picLocks noChangeAspect="1" noChangeArrowheads="1"/>
+          </p:cNvPicPr>
+          <p:nvPr/>
+        </p:nvPicPr>
+        <p:blipFill>
+          <a:blip r:embed="rId3" cstate="print"/>
+          <a:srcRect/>
+          <a:stretch>
+            <a:fillRect/>
+          </a:stretch>
+        </p:blipFill>
+        <p:spPr bwMode="auto">
+          <a:xfrm>
+            <a:off x="3886200" y="5410200"/>
+            <a:ext cx="947738" cy="847725"/>
+          </a:xfrm>
+          <a:prstGeom prst="rect">
+            <a:avLst/>
+          </a:prstGeom>
+          <a:noFill/>
+          <a:ln w="9525">
+            <a:noFill/>
+            <a:miter lim="800000"/>
+            <a:headEnd/>
+            <a:tailEnd/>
+          </a:ln>
+        </p:spPr>
+      </p:pic>
+      <p:pic>
+        <p:nvPicPr>
+          <p:cNvPr id="15" name="Picture 5" descr="MCj01051920000[1]"/>
+          <p:cNvPicPr>
+            <a:picLocks noChangeAspect="1" noChangeArrowheads="1"/>
+          </p:cNvPicPr>
+          <p:nvPr/>
+        </p:nvPicPr>
+        <p:blipFill>
+          <a:blip r:embed="rId4" cstate="print"/>
+          <a:srcRect/>
+          <a:stretch>
+            <a:fillRect/>
+          </a:stretch>
+        </p:blipFill>
+        <p:spPr bwMode="auto">
+          <a:xfrm>
+            <a:off x="6400800" y="3962400"/>
+            <a:ext cx="1289050" cy="977900"/>
+          </a:xfrm>
+          <a:prstGeom prst="rect">
+            <a:avLst/>
+          </a:prstGeom>
+          <a:noFill/>
+          <a:ln w="9525">
+            <a:noFill/>
+            <a:miter lim="800000"/>
+            <a:headEnd/>
+            <a:tailEnd/>
+          </a:ln>
+        </p:spPr>
+      </p:pic>
+    </p:spTree>
+    <p:extLst>
+      <p:ext uri="{BB962C8B-B14F-4D97-AF65-F5344CB8AC3E}">
+        <p14:creationId xmlns:p14="http://schemas.microsoft.com/office/powerpoint/2010/main" val="1006316244"/>
+      </p:ext>
+    </p:extLst>
+  </p:cSld>
+  <p:clrMapOvr>
+    <a:masterClrMapping/>
+  </p:clrMapOvr>
+  <mc:AlternateContent xmlns:mc="http://schemas.openxmlformats.org/markup-compatibility/2006" xmlns:p14="http://schemas.microsoft.com/office/powerpoint/2010/main">
+    <mc:Choice Requires="p14">
+      <p:transition spd="med" p14:dur="700">
+        <p:fade/>
+      </p:transition>
+    </mc:Choice>
+    <mc:Fallback xmlns="">
+      <p:transition xmlns:p14="http://schemas.microsoft.com/office/powerpoint/2010/main" spd="med">
+        <p:fade/>
+      </p:transition>
+    </mc:Fallback>
+  </mc:AlternateContent>
+  <p:timing>
+    <p:tnLst>
+      <p:par>
+        <p:cTn xmlns:p14="http://schemas.microsoft.com/office/powerpoint/2010/main" id="1" dur="indefinite" restart="never" nodeType="tmRoot">
+          <p:childTnLst>
+            <p:seq concurrent="1" nextAc="seek">
+              <p:cTn id="2" dur="indefinite" nodeType="mainSeq">
+                <p:childTnLst>
+                  <p:par>
+                    <p:cTn id="3" fill="hold">
+                      <p:stCondLst>
+                        <p:cond delay="indefinite"/>
+                      </p:stCondLst>
+                      <p:childTnLst>
+                        <p:par>
+                          <p:cTn id="4" fill="hold">
+                            <p:stCondLst>
+                              <p:cond delay="0"/>
+                            </p:stCondLst>
+                            <p:childTnLst>
+                              <p:par>
+                                <p:cTn id="5" presetID="52" presetClass="entr" presetSubtype="0" fill="hold" nodeType="clickEffect">
+                                  <p:stCondLst>
+                                    <p:cond delay="0"/>
+                                  </p:stCondLst>
+                                  <p:childTnLst>
+                                    <p:set>
+                                      <p:cBhvr>
+                                        <p:cTn id="6" dur="1" fill="hold">
+                                          <p:stCondLst>
+                                            <p:cond delay="0"/>
+                                          </p:stCondLst>
+                                        </p:cTn>
+                                        <p:tgtEl>
+                                          <p:spTgt spid="14"/>
+                                        </p:tgtEl>
+                                        <p:attrNameLst>
+                                          <p:attrName>style.visibility</p:attrName>
+                                        </p:attrNameLst>
+                                      </p:cBhvr>
+                                      <p:to>
+                                        <p:strVal val="visible"/>
+                                      </p:to>
+                                    </p:set>
+                                    <p:animScale>
+                                      <p:cBhvr>
+                                        <p:cTn id="7" dur="500" decel="50000" fill="hold">
+                                          <p:stCondLst>
+                                            <p:cond delay="0"/>
+                                          </p:stCondLst>
+                                        </p:cTn>
+                                        <p:tgtEl>
+                                          <p:spTgt spid="14"/>
+                                        </p:tgtEl>
+                                      </p:cBhvr>
+                                      <p:from x="250000" y="250000"/>
+                                      <p:to x="100000" y="100000"/>
+                                    </p:animScale>
+                                    <p:animMotion origin="layout" path="M -0.46736 0.92887  C -0.37517 0.88508  -0.02552 0.75279  0.0908 0.66613  C  0.20747 0.57948  0.21649 0.50394  0.23177 0.40825  C 0.24705 0.31256  0.22118 0.15964   0.18264 0.09152  C 0.1441 0.02341  0.03802 0.0  0.0 0.0  " pathEditMode="relative" ptsTypes="">
+                                      <p:cBhvr>
+                                        <p:cTn id="8" dur="500" decel="50000" fill="hold">
+                                          <p:stCondLst>
+                                            <p:cond delay="0"/>
+                                          </p:stCondLst>
+                                        </p:cTn>
+                                        <p:tgtEl>
+                                          <p:spTgt spid="14"/>
+                                        </p:tgtEl>
+                                        <p:attrNameLst>
+                                          <p:attrName>ppt_x</p:attrName>
+                                          <p:attrName>ppt_y</p:attrName>
+                                        </p:attrNameLst>
+                                      </p:cBhvr>
+                                    </p:animMotion>
+                                    <p:animEffect transition="in" filter="fade">
+                                      <p:cBhvr>
+                                        <p:cTn id="9" dur="500"/>
+                                        <p:tgtEl>
+                                          <p:spTgt spid="14"/>
+                                        </p:tgtEl>
+                                      </p:cBhvr>
+                                    </p:animEffect>
+                                  </p:childTnLst>
+                                </p:cTn>
+                              </p:par>
+                            </p:childTnLst>
+                          </p:cTn>
+                        </p:par>
+                      </p:childTnLst>
+                    </p:cTn>
+                  </p:par>
+                  <p:par>
+                    <p:cTn id="10" fill="hold">
+                      <p:stCondLst>
+                        <p:cond delay="indefinite"/>
+                      </p:stCondLst>
+                      <p:childTnLst>
+                        <p:par>
+                          <p:cTn id="11" fill="hold">
+                            <p:stCondLst>
+                              <p:cond delay="0"/>
+                            </p:stCondLst>
+                            <p:childTnLst>
+                              <p:par>
+                                <p:cTn id="12" presetID="9" presetClass="entr" presetSubtype="0" fill="hold" grpId="0" nodeType="clickEffect">
+                                  <p:stCondLst>
+                                    <p:cond delay="0"/>
+                                  </p:stCondLst>
+                                  <p:childTnLst>
+                                    <p:set>
+                                      <p:cBhvr>
+                                        <p:cTn id="13" dur="1" fill="hold">
+                                          <p:stCondLst>
+                                            <p:cond delay="0"/>
+                                          </p:stCondLst>
+                                        </p:cTn>
+                                        <p:tgtEl>
+                                          <p:spTgt spid="3">
+                                            <p:txEl>
+                                              <p:pRg st="1" end="1"/>
+                                            </p:txEl>
+                                          </p:spTgt>
+                                        </p:tgtEl>
+                                        <p:attrNameLst>
+                                          <p:attrName>style.visibility</p:attrName>
+                                        </p:attrNameLst>
+                                      </p:cBhvr>
+                                      <p:to>
+                                        <p:strVal val="visible"/>
+                                      </p:to>
+                                    </p:set>
+                                    <p:animEffect transition="in" filter="dissolve">
+                                      <p:cBhvr>
+                                        <p:cTn id="14" dur="500"/>
+                                        <p:tgtEl>
+                                          <p:spTgt spid="3">
+                                            <p:txEl>
+                                              <p:pRg st="1" end="1"/>
+                                            </p:txEl>
+                                          </p:spTgt>
+                                        </p:tgtEl>
+                                      </p:cBhvr>
+                                    </p:animEffect>
+                                  </p:childTnLst>
+                                </p:cTn>
+                              </p:par>
+                            </p:childTnLst>
+                          </p:cTn>
+                        </p:par>
+                      </p:childTnLst>
+                    </p:cTn>
+                  </p:par>
+                  <p:par>
+                    <p:cTn id="15" fill="hold">
+                      <p:stCondLst>
+                        <p:cond delay="indefinite"/>
+                      </p:stCondLst>
+                      <p:childTnLst>
+                        <p:par>
+                          <p:cTn id="16" fill="hold">
+                            <p:stCondLst>
+                              <p:cond delay="0"/>
+                            </p:stCondLst>
+                            <p:childTnLst>
+                              <p:par>
+                                <p:cTn id="17" presetID="35" presetClass="entr" presetSubtype="0" fill="hold" nodeType="clickEffect">
+                                  <p:stCondLst>
+                                    <p:cond delay="0"/>
+                                  </p:stCondLst>
+                                  <p:childTnLst>
+                                    <p:set>
+                                      <p:cBhvr>
+                                        <p:cTn id="18" dur="1" fill="hold">
+                                          <p:stCondLst>
+                                            <p:cond delay="0"/>
+                                          </p:stCondLst>
+                                        </p:cTn>
+                                        <p:tgtEl>
+                                          <p:spTgt spid="15"/>
+                                        </p:tgtEl>
+                                        <p:attrNameLst>
+                                          <p:attrName>style.visibility</p:attrName>
+                                        </p:attrNameLst>
+                                      </p:cBhvr>
+                                      <p:to>
+                                        <p:strVal val="visible"/>
+                                      </p:to>
+                                    </p:set>
+                                    <p:animEffect transition="in" filter="fade">
+                                      <p:cBhvr>
+                                        <p:cTn id="19" dur="500"/>
+                                        <p:tgtEl>
+                                          <p:spTgt spid="15"/>
+                                        </p:tgtEl>
+                                      </p:cBhvr>
+                                    </p:animEffect>
+                                    <p:anim calcmode="lin" valueType="num">
+                                      <p:cBhvr>
+                                        <p:cTn id="20" dur="500" fill="hold"/>
+                                        <p:tgtEl>
+                                          <p:spTgt spid="15"/>
+                                        </p:tgtEl>
+                                        <p:attrNameLst>
+                                          <p:attrName>style.rotation</p:attrName>
+                                        </p:attrNameLst>
+                                      </p:cBhvr>
+                                      <p:tavLst>
+                                        <p:tav tm="0">
+                                          <p:val>
+                                            <p:fltVal val="720"/>
+                                          </p:val>
+                                        </p:tav>
+                                        <p:tav tm="100000">
+                                          <p:val>
+                                            <p:fltVal val="0"/>
+                                          </p:val>
+                                        </p:tav>
+                                      </p:tavLst>
+                                    </p:anim>
+                                    <p:anim calcmode="lin" valueType="num">
+                                      <p:cBhvr>
+                                        <p:cTn id="21" dur="500" fill="hold"/>
+                                        <p:tgtEl>
+                                          <p:spTgt spid="15"/>
+                                        </p:tgtEl>
+                                        <p:attrNameLst>
+                                          <p:attrName>ppt_h</p:attrName>
+                                        </p:attrNameLst>
+                                      </p:cBhvr>
+                                      <p:tavLst>
+                                        <p:tav tm="0">
+                                          <p:val>
+                                            <p:fltVal val="0"/>
+                                          </p:val>
+                                        </p:tav>
+                                        <p:tav tm="100000">
+                                          <p:val>
+                                            <p:strVal val="#ppt_h"/>
+                                          </p:val>
+                                        </p:tav>
+                                      </p:tavLst>
+                                    </p:anim>
+                                    <p:anim calcmode="lin" valueType="num">
+                                      <p:cBhvr>
+                                        <p:cTn id="22" dur="500" fill="hold"/>
+                                        <p:tgtEl>
+                                          <p:spTgt spid="15"/>
+                                        </p:tgtEl>
+                                        <p:attrNameLst>
+                                          <p:attrName>ppt_w</p:attrName>
+                                        </p:attrNameLst>
+                                      </p:cBhvr>
+                                      <p:tavLst>
+                                        <p:tav tm="0">
+                                          <p:val>
+                                            <p:fltVal val="0"/>
+                                          </p:val>
+                                        </p:tav>
+                                        <p:tav tm="100000">
+                                          <p:val>
+                                            <p:strVal val="#ppt_w"/>
+                                          </p:val>
+                                        </p:tav>
+                                      </p:tavLst>
+                                    </p:anim>
+                                  </p:childTnLst>
+                                </p:cTn>
+                              </p:par>
+                            </p:childTnLst>
+                          </p:cTn>
+                        </p:par>
+                      </p:childTnLst>
+                    </p:cTn>
+                  </p:par>
+                </p:childTnLst>
+              </p:cTn>
+              <p:prevCondLst>
+                <p:cond evt="onPrev" delay="0">
+                  <p:tgtEl>
+                    <p:sldTgt/>
+                  </p:tgtEl>
+                </p:cond>
+              </p:prevCondLst>
+              <p:nextCondLst>
+                <p:cond evt="onNext" delay="0">
+                  <p:tgtEl>
+                    <p:sldTgt/>
+                  </p:tgtEl>
+                </p:cond>
+              </p:nextCondLst>
+            </p:seq>
+          </p:childTnLst>
+        </p:cTn>
+      </p:par>
+    </p:tnLst>
+    <p:bldLst>
+      <p:bldP spid="3" grpId="0" uiExpand="1" build="p"/>
+    </p:bldLst>
+  </p:timing>
+</p:sld>
+</file>
+
+<file path=ppt/slides/slide4.xml><?xml version="1.0" encoding="utf-8"?>
+<p:sld xmlns:a="http://schemas.openxmlformats.org/drawingml/2006/main" xmlns:r="http://schemas.openxmlformats.org/officeDocument/2006/relationships" xmlns:p="http://schemas.openxmlformats.org/presentationml/2006/main">
+  <p:cSld>
+    <p:spTree>
+      <p:nvGrpSpPr>
+        <p:cNvPr id="1" name=""/>
+        <p:cNvGrpSpPr/>
+        <p:nvPr/>
+      </p:nvGrpSpPr>
+      <p:grpSpPr>
+        <a:xfrm>
+          <a:off x="0" y="0"/>
+          <a:ext cx="0" cy="0"/>
+          <a:chOff x="0" y="0"/>
+          <a:chExt cx="0" cy="0"/>
+        </a:xfrm>
+      </p:grpSpPr>
+      <p:sp>
+        <p:nvSpPr>
+          <p:cNvPr id="95235" name="Text Box 3"/>
+          <p:cNvSpPr txBox="1">
+            <a:spLocks noChangeArrowheads="1"/>
+          </p:cNvSpPr>
+          <p:nvPr/>
+        </p:nvSpPr>
+        <p:spPr bwMode="auto">
+          <a:xfrm>
+            <a:off x="381000" y="1447800"/>
+            <a:ext cx="8362235" cy="2677656"/>
+          </a:xfrm>
+          <a:prstGeom prst="rect">
+            <a:avLst/>
+          </a:prstGeom>
+          <a:noFill/>
+          <a:ln w="9525">
+            <a:noFill/>
+            <a:miter lim="800000"/>
+            <a:headEnd/>
+            <a:tailEnd type="none" w="lg" len="lg"/>
+          </a:ln>
+        </p:spPr>
+        <p:txBody>
+          <a:bodyPr wrap="none">
+            <a:spAutoFit/>
+          </a:bodyPr>
+          <a:lstStyle/>
+          <a:p>
+            <a:r>
+              <a:rPr lang="en-US" sz="4000" dirty="0">
+                <a:solidFill>
+                  <a:srgbClr val="FF33CC"/>
+                </a:solidFill>
+                <a:latin typeface="Comic Sans MS" pitchFamily="66" charset="0"/>
+              </a:rPr>
+              <a:t>(Inductive case</a:t>
+            </a:r>
+            <a:r>
+              <a:rPr lang="en-US" sz="4000" dirty="0" smtClean="0">
+                <a:solidFill>
+                  <a:srgbClr val="FF33CC"/>
+                </a:solidFill>
+                <a:latin typeface="Comic Sans MS" pitchFamily="66" charset="0"/>
+              </a:rPr>
+              <a:t>)</a:t>
+            </a:r>
+            <a:r>
+              <a:rPr lang="en-US" sz="4000" dirty="0" smtClean="0">
+                <a:latin typeface="Comic Sans MS" pitchFamily="66" charset="0"/>
+              </a:rPr>
+              <a:t>:</a:t>
+            </a:r>
+            <a:r>
+              <a:rPr lang="en-US" sz="4000" dirty="0" smtClean="0">
+                <a:solidFill>
+                  <a:srgbClr val="FF33CC"/>
+                </a:solidFill>
+                <a:latin typeface="Comic Sans MS" pitchFamily="66" charset="0"/>
+              </a:rPr>
+              <a:t> </a:t>
+            </a:r>
+            <a:r>
+              <a:rPr lang="en-US" sz="4000" dirty="0" smtClean="0">
+                <a:latin typeface="Comic Sans MS" pitchFamily="66" charset="0"/>
+              </a:rPr>
+              <a:t>Assume </a:t>
+            </a:r>
+            <a:r>
+              <a:rPr lang="en-US" sz="4000" dirty="0" smtClean="0">
+                <a:solidFill>
+                  <a:srgbClr val="029C27"/>
+                </a:solidFill>
+                <a:latin typeface="Comic Sans MS" pitchFamily="66" charset="0"/>
+              </a:rPr>
+              <a:t>n </a:t>
+            </a:r>
+            <a:r>
+              <a:rPr lang="en-US" sz="4000" dirty="0" smtClean="0">
+                <a:latin typeface="Comic Sans MS" pitchFamily="66" charset="0"/>
+              </a:rPr>
+              <a:t>horses</a:t>
+            </a:r>
+          </a:p>
+          <a:p>
+            <a:r>
+              <a:rPr lang="en-US" sz="4000" dirty="0" smtClean="0">
+                <a:latin typeface="Comic Sans MS" pitchFamily="66" charset="0"/>
+              </a:rPr>
+              <a:t>have </a:t>
+            </a:r>
+            <a:r>
+              <a:rPr lang="en-US" sz="4000" dirty="0">
+                <a:latin typeface="Comic Sans MS" pitchFamily="66" charset="0"/>
+              </a:rPr>
+              <a:t>the same color.</a:t>
+            </a:r>
+          </a:p>
+          <a:p>
+            <a:r>
+              <a:rPr lang="en-US" sz="4400" dirty="0">
                 <a:latin typeface="Comic Sans MS" pitchFamily="66" charset="0"/>
               </a:rPr>
               <a:t>Prove that any </a:t>
             </a:r>
             <a:r>
-              <a:rPr lang="en-US" sz="2800" dirty="0">
+              <a:rPr lang="en-US" sz="4400" dirty="0">
                 <a:solidFill>
                   <a:srgbClr val="029C27"/>
                 </a:solidFill>
@@ -3763,10 +5125,27 @@
               <a:t>n+1</a:t>
             </a:r>
             <a:r>
-              <a:rPr lang="en-US" sz="2800" dirty="0">
-                <a:latin typeface="Comic Sans MS" pitchFamily="66" charset="0"/>
-              </a:rPr>
-              <a:t> horses have the same color.</a:t>
+              <a:rPr lang="en-US" sz="4400" dirty="0">
+                <a:latin typeface="Comic Sans MS" pitchFamily="66" charset="0"/>
+              </a:rPr>
+              <a:t> horses have </a:t>
+            </a:r>
+            <a:endParaRPr lang="en-US" sz="4400" dirty="0" smtClean="0">
+              <a:latin typeface="Comic Sans MS" pitchFamily="66" charset="0"/>
+            </a:endParaRPr>
+          </a:p>
+          <a:p>
+            <a:r>
+              <a:rPr lang="en-US" sz="4400" dirty="0" smtClean="0">
+                <a:latin typeface="Comic Sans MS" pitchFamily="66" charset="0"/>
+              </a:rPr>
+              <a:t>the </a:t>
+            </a:r>
+            <a:r>
+              <a:rPr lang="en-US" sz="4400" dirty="0">
+                <a:latin typeface="Comic Sans MS" pitchFamily="66" charset="0"/>
+              </a:rPr>
+              <a:t>same color.</a:t>
             </a:r>
           </a:p>
         </p:txBody>
@@ -4237,15 +5616,7 @@
             <a:pPr eaLnBrk="1" hangingPunct="1"/>
             <a:r>
               <a:rPr lang="en-US" sz="4800" dirty="0" smtClean="0"/>
-              <a:t>A </a:t>
-            </a:r>
-            <a:r>
-              <a:rPr lang="en-US" sz="4800" dirty="0" smtClean="0"/>
-              <a:t>Bogus </a:t>
-            </a:r>
-            <a:r>
-              <a:rPr lang="en-US" sz="4800" dirty="0" smtClean="0"/>
-              <a:t>Proof</a:t>
+              <a:t>A Bogus Proof</a:t>
             </a:r>
           </a:p>
         </p:txBody>
@@ -4321,24 +5692,111 @@
                                   </p:childTnLst>
                                 </p:cTn>
                               </p:par>
+                              <p:par>
+                                <p:cTn id="8" presetID="9" presetClass="entr" presetSubtype="0" fill="hold" nodeType="withEffect">
+                                  <p:stCondLst>
+                                    <p:cond delay="0"/>
+                                  </p:stCondLst>
+                                  <p:childTnLst>
+                                    <p:set>
+                                      <p:cBhvr>
+                                        <p:cTn id="9" dur="1" fill="hold">
+                                          <p:stCondLst>
+                                            <p:cond delay="0"/>
+                                          </p:stCondLst>
+                                        </p:cTn>
+                                        <p:tgtEl>
+                                          <p:spTgt spid="95235">
+                                            <p:txEl>
+                                              <p:pRg st="3" end="3"/>
+                                            </p:txEl>
+                                          </p:spTgt>
+                                        </p:tgtEl>
+                                        <p:attrNameLst>
+                                          <p:attrName>style.visibility</p:attrName>
+                                        </p:attrNameLst>
+                                      </p:cBhvr>
+                                      <p:to>
+                                        <p:strVal val="visible"/>
+                                      </p:to>
+                                    </p:set>
+                                    <p:animEffect transition="in" filter="dissolve">
+                                      <p:cBhvr>
+                                        <p:cTn id="10" dur="500"/>
+                                        <p:tgtEl>
+                                          <p:spTgt spid="95235">
+                                            <p:txEl>
+                                              <p:pRg st="3" end="3"/>
+                                            </p:txEl>
+                                          </p:spTgt>
+                                        </p:tgtEl>
+                                      </p:cBhvr>
+                                    </p:animEffect>
+                                  </p:childTnLst>
+                                </p:cTn>
+                              </p:par>
                             </p:childTnLst>
                           </p:cTn>
                         </p:par>
+                      </p:childTnLst>
+                    </p:cTn>
+                  </p:par>
+                  <p:par>
+                    <p:cTn id="11" fill="hold">
+                      <p:stCondLst>
+                        <p:cond delay="indefinite"/>
+                      </p:stCondLst>
+                      <p:childTnLst>
                         <p:par>
-                          <p:cTn id="8" fill="hold">
+                          <p:cTn id="12" fill="hold">
                             <p:stCondLst>
-                              <p:cond delay="500"/>
+                              <p:cond delay="0"/>
                             </p:stCondLst>
                             <p:childTnLst>
                               <p:par>
-                                <p:cTn id="9" presetID="22" presetClass="entr" presetSubtype="8" fill="hold" nodeType="afterEffect">
+                                <p:cTn id="13" presetID="22" presetClass="entr" presetSubtype="8" fill="hold" nodeType="clickEffect">
+                                  <p:stCondLst>
+                                    <p:cond delay="0"/>
+                                  </p:stCondLst>
+                                  <p:childTnLst>
+                                    <p:set>
+                                      <p:cBhvr>
+                                        <p:cTn id="14" dur="1" fill="hold">
+                                          <p:stCondLst>
+                                            <p:cond delay="0"/>
+                                          </p:stCondLst>
+                                        </p:cTn>
+                                        <p:tgtEl>
+                                          <p:spTgt spid="2"/>
+                                        </p:tgtEl>
+                                        <p:attrNameLst>
+                                          <p:attrName>style.visibility</p:attrName>
+                                        </p:attrNameLst>
+                                      </p:cBhvr>
+                                      <p:to>
+                                        <p:strVal val="visible"/>
+                                      </p:to>
+                                    </p:set>
+                                    <p:animEffect transition="in" filter="wipe(left)">
+                                      <p:cBhvr>
+                                        <p:cTn id="15" dur="1000"/>
+                                        <p:tgtEl>
+                                          <p:spTgt spid="2"/>
+                                        </p:tgtEl>
+                                      </p:cBhvr>
+                                    </p:animEffect>
+                                  </p:childTnLst>
+                                </p:cTn>
+                              </p:par>
+                              <p:par>
+                                <p:cTn id="16" presetID="22" presetClass="entr" presetSubtype="8" fill="hold" nodeType="withEffect">
                                   <p:stCondLst>
                                     <p:cond delay="500"/>
                                   </p:stCondLst>
                                   <p:childTnLst>
                                     <p:set>
                                       <p:cBhvr>
-                                        <p:cTn id="10" dur="1" fill="hold">
+                                        <p:cTn id="17" dur="1" fill="hold">
                                           <p:stCondLst>
                                             <p:cond delay="0"/>
                                           </p:stCondLst>
@@ -4356,7 +5814,7 @@
                                     </p:set>
                                     <p:animEffect transition="in" filter="wipe(left)">
                                       <p:cBhvr>
-                                        <p:cTn id="11" dur="500"/>
+                                        <p:cTn id="18" dur="500"/>
                                         <p:tgtEl>
                                           <p:spTgt spid="3"/>
                                         </p:tgtEl>
@@ -4396,7 +5854,7 @@
 </p:sld>
 </file>
 
-<file path=ppt/slides/slide4.xml><?xml version="1.0" encoding="utf-8"?>
+<file path=ppt/slides/slide5.xml><?xml version="1.0" encoding="utf-8"?>
 <p:sld xmlns:a="http://schemas.openxmlformats.org/drawingml/2006/main" xmlns:r="http://schemas.openxmlformats.org/officeDocument/2006/relationships" xmlns:p="http://schemas.openxmlformats.org/presentationml/2006/main">
   <p:cSld>
     <p:spTree>
@@ -4868,10 +6326,10 @@
         </p:nvGrpSpPr>
         <p:grpSpPr bwMode="auto">
           <a:xfrm>
-            <a:off x="1752600" y="3810000"/>
-            <a:ext cx="6884988" cy="762000"/>
-            <a:chOff x="1104" y="2400"/>
-            <a:chExt cx="4337" cy="480"/>
+            <a:off x="1725613" y="3895725"/>
+            <a:ext cx="6884988" cy="676275"/>
+            <a:chOff x="1087" y="2454"/>
+            <a:chExt cx="4337" cy="426"/>
           </a:xfrm>
         </p:grpSpPr>
         <p:sp>
@@ -4952,7 +6410,7 @@
           </p:nvSpPr>
           <p:spPr bwMode="auto">
             <a:xfrm>
-              <a:off x="1104" y="2400"/>
+              <a:off x="1087" y="2454"/>
               <a:ext cx="4337" cy="330"/>
             </a:xfrm>
             <a:prstGeom prst="rect">
@@ -5048,91 +6506,6 @@
       </p:grpSp>
       <p:sp>
         <p:nvSpPr>
-          <p:cNvPr id="22" name="Text Box 3"/>
-          <p:cNvSpPr txBox="1">
-            <a:spLocks noChangeArrowheads="1"/>
-          </p:cNvSpPr>
-          <p:nvPr/>
-        </p:nvSpPr>
-        <p:spPr bwMode="auto">
-          <a:xfrm>
-            <a:off x="685800" y="1631950"/>
-            <a:ext cx="7989688" cy="1384995"/>
-          </a:xfrm>
-          <a:prstGeom prst="rect">
-            <a:avLst/>
-          </a:prstGeom>
-          <a:noFill/>
-          <a:ln w="9525">
-            <a:noFill/>
-            <a:miter lim="800000"/>
-            <a:headEnd/>
-            <a:tailEnd type="none" w="lg" len="lg"/>
-          </a:ln>
-        </p:spPr>
-        <p:txBody>
-          <a:bodyPr wrap="none">
-            <a:spAutoFit/>
-          </a:bodyPr>
-          <a:lstStyle/>
-          <a:p>
-            <a:r>
-              <a:rPr lang="en-US" sz="2800" dirty="0">
-                <a:latin typeface="Comic Sans MS" pitchFamily="66" charset="0"/>
-              </a:rPr>
-              <a:t>(Inductive case) </a:t>
-            </a:r>
-          </a:p>
-          <a:p>
-            <a:r>
-              <a:rPr lang="en-US" sz="2800" dirty="0">
-                <a:latin typeface="Comic Sans MS" pitchFamily="66" charset="0"/>
-              </a:rPr>
-              <a:t>Assume any</a:t>
-            </a:r>
-            <a:r>
-              <a:rPr lang="en-US" sz="2800" dirty="0">
-                <a:solidFill>
-                  <a:srgbClr val="029C27"/>
-                </a:solidFill>
-                <a:latin typeface="Comic Sans MS" pitchFamily="66" charset="0"/>
-              </a:rPr>
-              <a:t> n</a:t>
-            </a:r>
-            <a:r>
-              <a:rPr lang="en-US" sz="2800" dirty="0">
-                <a:latin typeface="Comic Sans MS" pitchFamily="66" charset="0"/>
-              </a:rPr>
-              <a:t> horses have the same color.</a:t>
-            </a:r>
-          </a:p>
-          <a:p>
-            <a:r>
-              <a:rPr lang="en-US" sz="2800" dirty="0">
-                <a:latin typeface="Comic Sans MS" pitchFamily="66" charset="0"/>
-              </a:rPr>
-              <a:t>Prove that any </a:t>
-            </a:r>
-            <a:r>
-              <a:rPr lang="en-US" sz="2800" dirty="0">
-                <a:solidFill>
-                  <a:srgbClr val="029C27"/>
-                </a:solidFill>
-                <a:latin typeface="Comic Sans MS" pitchFamily="66" charset="0"/>
-              </a:rPr>
-              <a:t>n+1</a:t>
-            </a:r>
-            <a:r>
-              <a:rPr lang="en-US" sz="2800" dirty="0">
-                <a:latin typeface="Comic Sans MS" pitchFamily="66" charset="0"/>
-              </a:rPr>
-              <a:t> horses have the same color.</a:t>
-            </a:r>
-          </a:p>
-        </p:txBody>
-      </p:sp>
-      <p:sp>
-        <p:nvSpPr>
           <p:cNvPr id="23" name="Rectangle 2"/>
           <p:cNvSpPr>
             <a:spLocks noGrp="1" noChangeArrowheads="1"/>
@@ -5154,15 +6527,148 @@
             <a:pPr eaLnBrk="1" hangingPunct="1"/>
             <a:r>
               <a:rPr lang="en-US" sz="4800" dirty="0" smtClean="0"/>
-              <a:t>A </a:t>
-            </a:r>
-            <a:r>
-              <a:rPr lang="en-US" sz="4800" dirty="0" smtClean="0"/>
-              <a:t>Bogus </a:t>
-            </a:r>
-            <a:r>
-              <a:rPr lang="en-US" sz="4800" dirty="0" smtClean="0"/>
-              <a:t>Proof</a:t>
+              <a:t>A Bogus Proof</a:t>
+            </a:r>
+          </a:p>
+        </p:txBody>
+      </p:sp>
+      <p:sp>
+        <p:nvSpPr>
+          <p:cNvPr id="24" name="Text Box 3"/>
+          <p:cNvSpPr txBox="1">
+            <a:spLocks noChangeArrowheads="1"/>
+          </p:cNvSpPr>
+          <p:nvPr/>
+        </p:nvSpPr>
+        <p:spPr bwMode="auto">
+          <a:xfrm>
+            <a:off x="381000" y="1447800"/>
+            <a:ext cx="8362235" cy="2677656"/>
+          </a:xfrm>
+          <a:prstGeom prst="rect">
+            <a:avLst/>
+          </a:prstGeom>
+          <a:noFill/>
+          <a:ln w="9525">
+            <a:noFill/>
+            <a:miter lim="800000"/>
+            <a:headEnd/>
+            <a:tailEnd type="none" w="lg" len="lg"/>
+          </a:ln>
+        </p:spPr>
+        <p:txBody>
+          <a:bodyPr wrap="none">
+            <a:spAutoFit/>
+          </a:bodyPr>
+          <a:lstStyle/>
+          <a:p>
+            <a:r>
+              <a:rPr lang="en-US" sz="4000" dirty="0">
+                <a:solidFill>
+                  <a:srgbClr val="FF33CC"/>
+                </a:solidFill>
+                <a:latin typeface="Comic Sans MS" pitchFamily="66" charset="0"/>
+              </a:rPr>
+              <a:t>(Inductive case</a:t>
+            </a:r>
+            <a:r>
+              <a:rPr lang="en-US" sz="4000" dirty="0" smtClean="0">
+                <a:solidFill>
+                  <a:srgbClr val="FF33CC"/>
+                </a:solidFill>
+                <a:latin typeface="Comic Sans MS" pitchFamily="66" charset="0"/>
+              </a:rPr>
+              <a:t>)</a:t>
+            </a:r>
+            <a:r>
+              <a:rPr lang="en-US" sz="4000" dirty="0" smtClean="0">
+                <a:latin typeface="Comic Sans MS" pitchFamily="66" charset="0"/>
+              </a:rPr>
+              <a:t>:</a:t>
+            </a:r>
+            <a:r>
+              <a:rPr lang="en-US" sz="4000" dirty="0" smtClean="0">
+                <a:solidFill>
+                  <a:srgbClr val="FF33CC"/>
+                </a:solidFill>
+                <a:latin typeface="Comic Sans MS" pitchFamily="66" charset="0"/>
+              </a:rPr>
+              <a:t> </a:t>
+            </a:r>
+            <a:r>
+              <a:rPr lang="en-US" sz="4000" dirty="0" smtClean="0">
+                <a:latin typeface="Comic Sans MS" pitchFamily="66" charset="0"/>
+              </a:rPr>
+              <a:t>Assume </a:t>
+            </a:r>
+            <a:r>
+              <a:rPr lang="en-US" sz="4000" dirty="0" smtClean="0">
+                <a:solidFill>
+                  <a:srgbClr val="029C27"/>
+                </a:solidFill>
+                <a:latin typeface="Comic Sans MS" pitchFamily="66" charset="0"/>
+              </a:rPr>
+              <a:t>n </a:t>
+            </a:r>
+            <a:r>
+              <a:rPr lang="en-US" sz="4000" dirty="0" smtClean="0">
+                <a:latin typeface="Comic Sans MS" pitchFamily="66" charset="0"/>
+              </a:rPr>
+              <a:t>horses</a:t>
+            </a:r>
+          </a:p>
+          <a:p>
+            <a:r>
+              <a:rPr lang="en-US" sz="4000" dirty="0" smtClean="0">
+                <a:latin typeface="Comic Sans MS" pitchFamily="66" charset="0"/>
+              </a:rPr>
+              <a:t>have </a:t>
+            </a:r>
+            <a:r>
+              <a:rPr lang="en-US" sz="4000" dirty="0">
+                <a:latin typeface="Comic Sans MS" pitchFamily="66" charset="0"/>
+              </a:rPr>
+              <a:t>the same color.</a:t>
+            </a:r>
+          </a:p>
+          <a:p>
+            <a:r>
+              <a:rPr lang="en-US" sz="4400" dirty="0">
+                <a:latin typeface="Comic Sans MS" pitchFamily="66" charset="0"/>
+              </a:rPr>
+              <a:t>Prove that any </a:t>
+            </a:r>
+            <a:r>
+              <a:rPr lang="en-US" sz="4400" dirty="0">
+                <a:solidFill>
+                  <a:srgbClr val="029C27"/>
+                </a:solidFill>
+                <a:latin typeface="Comic Sans MS" pitchFamily="66" charset="0"/>
+              </a:rPr>
+              <a:t>n+1</a:t>
+            </a:r>
+            <a:r>
+              <a:rPr lang="en-US" sz="4400" dirty="0">
+                <a:latin typeface="Comic Sans MS" pitchFamily="66" charset="0"/>
+              </a:rPr>
+              <a:t> horses have </a:t>
+            </a:r>
+            <a:endParaRPr lang="en-US" sz="4400" dirty="0" smtClean="0">
+              <a:latin typeface="Comic Sans MS" pitchFamily="66" charset="0"/>
+            </a:endParaRPr>
+          </a:p>
+          <a:p>
+            <a:r>
+              <a:rPr lang="en-US" sz="4400" dirty="0" smtClean="0">
+                <a:latin typeface="Comic Sans MS" pitchFamily="66" charset="0"/>
+              </a:rPr>
+              <a:t>the </a:t>
+            </a:r>
+            <a:r>
+              <a:rPr lang="en-US" sz="4400" dirty="0">
+                <a:latin typeface="Comic Sans MS" pitchFamily="66" charset="0"/>
+              </a:rPr>
+              <a:t>same color.</a:t>
             </a:r>
           </a:p>
         </p:txBody>
@@ -5196,7 +6702,7 @@
                             </p:stCondLst>
                             <p:childTnLst>
                               <p:par>
-                                <p:cTn id="5" presetID="2" presetClass="entr" presetSubtype="8" fill="hold" nodeType="afterEffect">
+                                <p:cTn id="5" presetID="2" presetClass="entr" presetSubtype="4" fill="hold" nodeType="afterEffect">
                                   <p:stCondLst>
                                     <p:cond delay="0"/>
                                   </p:stCondLst>
@@ -5221,7 +6727,7 @@
                                     </p:set>
                                     <p:anim calcmode="lin" valueType="num">
                                       <p:cBhvr additive="base">
-                                        <p:cTn id="7" dur="500" fill="hold"/>
+                                        <p:cTn id="7" dur="1000" fill="hold"/>
                                         <p:tgtEl>
                                           <p:spTgt spid="3"/>
                                         </p:tgtEl>
@@ -5232,7 +6738,7 @@
                                       <p:tavLst>
                                         <p:tav tm="0">
                                           <p:val>
-                                            <p:strVal val="0-#ppt_w/2"/>
+                                            <p:strVal val="#ppt_x"/>
                                           </p:val>
                                         </p:tav>
                                         <p:tav tm="100000">
@@ -5244,7 +6750,7 @@
                                     </p:anim>
                                     <p:anim calcmode="lin" valueType="num">
                                       <p:cBhvr additive="base">
-                                        <p:cTn id="8" dur="500" fill="hold"/>
+                                        <p:cTn id="8" dur="1000" fill="hold"/>
                                         <p:tgtEl>
                                           <p:spTgt spid="3"/>
                                         </p:tgtEl>
@@ -5255,7 +6761,7 @@
                                       <p:tavLst>
                                         <p:tav tm="0">
                                           <p:val>
-                                            <p:strVal val="#ppt_y"/>
+                                            <p:strVal val="1+#ppt_h/2"/>
                                           </p:val>
                                         </p:tav>
                                         <p:tav tm="100000">
@@ -5303,7 +6809,7 @@
                             </p:stCondLst>
                             <p:childTnLst>
                               <p:par>
-                                <p:cTn id="11" presetID="2" presetClass="entr" presetSubtype="2" fill="hold" nodeType="clickEffect">
+                                <p:cTn id="11" presetID="2" presetClass="entr" presetSubtype="1" fill="hold" nodeType="clickEffect">
                                   <p:stCondLst>
                                     <p:cond delay="0"/>
                                   </p:stCondLst>
@@ -5339,7 +6845,7 @@
                                       <p:tavLst>
                                         <p:tav tm="0">
                                           <p:val>
-                                            <p:strVal val="1+#ppt_w/2"/>
+                                            <p:strVal val="#ppt_x"/>
                                           </p:val>
                                         </p:tav>
                                         <p:tav tm="100000">
@@ -5362,7 +6868,7 @@
                                       <p:tavLst>
                                         <p:tav tm="0">
                                           <p:val>
-                                            <p:strVal val="#ppt_y"/>
+                                            <p:strVal val="0-#ppt_h/2"/>
                                           </p:val>
                                         </p:tav>
                                         <p:tav tm="100000">
@@ -5406,7 +6912,1058 @@
 </p:sld>
 </file>
 
-<file path=ppt/slides/slide5.xml><?xml version="1.0" encoding="utf-8"?>
+<file path=ppt/slides/slide6.xml><?xml version="1.0" encoding="utf-8"?>
+<p:sld xmlns:a="http://schemas.openxmlformats.org/drawingml/2006/main" xmlns:r="http://schemas.openxmlformats.org/officeDocument/2006/relationships" xmlns:p="http://schemas.openxmlformats.org/presentationml/2006/main">
+  <p:cSld>
+    <p:spTree>
+      <p:nvGrpSpPr>
+        <p:cNvPr id="1" name=""/>
+        <p:cNvGrpSpPr/>
+        <p:nvPr/>
+      </p:nvGrpSpPr>
+      <p:grpSpPr>
+        <a:xfrm>
+          <a:off x="0" y="0"/>
+          <a:ext cx="0" cy="0"/>
+          <a:chOff x="0" y="0"/>
+          <a:chExt cx="0" cy="0"/>
+        </a:xfrm>
+      </p:grpSpPr>
+      <p:grpSp>
+        <p:nvGrpSpPr>
+          <p:cNvPr id="2" name="Group 3"/>
+          <p:cNvGrpSpPr>
+            <a:grpSpLocks/>
+          </p:cNvGrpSpPr>
+          <p:nvPr/>
+        </p:nvGrpSpPr>
+        <p:grpSpPr bwMode="auto">
+          <a:xfrm>
+            <a:off x="990600" y="4495800"/>
+            <a:ext cx="6662738" cy="914400"/>
+            <a:chOff x="624" y="2832"/>
+            <a:chExt cx="4197" cy="576"/>
+          </a:xfrm>
+        </p:grpSpPr>
+        <p:pic>
+          <p:nvPicPr>
+            <p:cNvPr id="37903" name="Picture 4" descr="AN02479_"/>
+            <p:cNvPicPr>
+              <a:picLocks noChangeAspect="1" noChangeArrowheads="1"/>
+            </p:cNvPicPr>
+            <p:nvPr/>
+          </p:nvPicPr>
+          <p:blipFill>
+            <a:blip r:embed="rId3" cstate="print"/>
+            <a:srcRect/>
+            <a:stretch>
+              <a:fillRect/>
+            </a:stretch>
+          </p:blipFill>
+          <p:spPr bwMode="auto">
+            <a:xfrm>
+              <a:off x="624" y="2832"/>
+              <a:ext cx="597" cy="534"/>
+            </a:xfrm>
+            <a:prstGeom prst="rect">
+              <a:avLst/>
+            </a:prstGeom>
+            <a:noFill/>
+            <a:ln w="9525">
+              <a:noFill/>
+              <a:miter lim="800000"/>
+              <a:headEnd/>
+              <a:tailEnd/>
+            </a:ln>
+          </p:spPr>
+        </p:pic>
+        <p:pic>
+          <p:nvPicPr>
+            <p:cNvPr id="37904" name="Picture 5" descr="AN02479_"/>
+            <p:cNvPicPr>
+              <a:picLocks noChangeAspect="1" noChangeArrowheads="1"/>
+            </p:cNvPicPr>
+            <p:nvPr/>
+          </p:nvPicPr>
+          <p:blipFill>
+            <a:blip r:embed="rId3" cstate="print"/>
+            <a:srcRect/>
+            <a:stretch>
+              <a:fillRect/>
+            </a:stretch>
+          </p:blipFill>
+          <p:spPr bwMode="auto">
+            <a:xfrm>
+              <a:off x="1872" y="2832"/>
+              <a:ext cx="597" cy="534"/>
+            </a:xfrm>
+            <a:prstGeom prst="rect">
+              <a:avLst/>
+            </a:prstGeom>
+            <a:noFill/>
+            <a:ln w="9525">
+              <a:noFill/>
+              <a:miter lim="800000"/>
+              <a:headEnd/>
+              <a:tailEnd/>
+            </a:ln>
+          </p:spPr>
+        </p:pic>
+        <p:pic>
+          <p:nvPicPr>
+            <p:cNvPr id="37905" name="Picture 6" descr="AN02479_"/>
+            <p:cNvPicPr>
+              <a:picLocks noChangeAspect="1" noChangeArrowheads="1"/>
+            </p:cNvPicPr>
+            <p:nvPr/>
+          </p:nvPicPr>
+          <p:blipFill>
+            <a:blip r:embed="rId3" cstate="print"/>
+            <a:srcRect/>
+            <a:stretch>
+              <a:fillRect/>
+            </a:stretch>
+          </p:blipFill>
+          <p:spPr bwMode="auto">
+            <a:xfrm>
+              <a:off x="2448" y="2832"/>
+              <a:ext cx="597" cy="534"/>
+            </a:xfrm>
+            <a:prstGeom prst="rect">
+              <a:avLst/>
+            </a:prstGeom>
+            <a:noFill/>
+            <a:ln w="9525">
+              <a:noFill/>
+              <a:miter lim="800000"/>
+              <a:headEnd/>
+              <a:tailEnd/>
+            </a:ln>
+          </p:spPr>
+        </p:pic>
+        <p:pic>
+          <p:nvPicPr>
+            <p:cNvPr id="37906" name="Picture 7" descr="AN02479_"/>
+            <p:cNvPicPr>
+              <a:picLocks noChangeAspect="1" noChangeArrowheads="1"/>
+            </p:cNvPicPr>
+            <p:nvPr/>
+          </p:nvPicPr>
+          <p:blipFill>
+            <a:blip r:embed="rId3" cstate="print"/>
+            <a:srcRect/>
+            <a:stretch>
+              <a:fillRect/>
+            </a:stretch>
+          </p:blipFill>
+          <p:spPr bwMode="auto">
+            <a:xfrm>
+              <a:off x="3600" y="2832"/>
+              <a:ext cx="597" cy="534"/>
+            </a:xfrm>
+            <a:prstGeom prst="rect">
+              <a:avLst/>
+            </a:prstGeom>
+            <a:noFill/>
+            <a:ln w="9525">
+              <a:noFill/>
+              <a:miter lim="800000"/>
+              <a:headEnd/>
+              <a:tailEnd/>
+            </a:ln>
+          </p:spPr>
+        </p:pic>
+        <p:sp>
+          <p:nvSpPr>
+            <p:cNvPr id="37907" name="Text Box 8"/>
+            <p:cNvSpPr txBox="1">
+              <a:spLocks noChangeArrowheads="1"/>
+            </p:cNvSpPr>
+            <p:nvPr/>
+          </p:nvSpPr>
+          <p:spPr bwMode="auto">
+            <a:xfrm>
+              <a:off x="3024" y="2832"/>
+              <a:ext cx="548" cy="576"/>
+            </a:xfrm>
+            <a:prstGeom prst="rect">
+              <a:avLst/>
+            </a:prstGeom>
+            <a:noFill/>
+            <a:ln w="9525">
+              <a:noFill/>
+              <a:miter lim="800000"/>
+              <a:headEnd/>
+              <a:tailEnd type="none" w="lg" len="lg"/>
+            </a:ln>
+          </p:spPr>
+          <p:txBody>
+            <a:bodyPr wrap="none">
+              <a:spAutoFit/>
+            </a:bodyPr>
+            <a:lstStyle/>
+            <a:p>
+              <a:r>
+                <a:rPr lang="en-US" sz="5400">
+                  <a:latin typeface="Times New Roman" pitchFamily="18" charset="0"/>
+                </a:rPr>
+                <a:t>…</a:t>
+              </a:r>
+            </a:p>
+          </p:txBody>
+        </p:sp>
+        <p:pic>
+          <p:nvPicPr>
+            <p:cNvPr id="37908" name="Picture 9" descr="AN02479_"/>
+            <p:cNvPicPr>
+              <a:picLocks noChangeAspect="1" noChangeArrowheads="1"/>
+            </p:cNvPicPr>
+            <p:nvPr/>
+          </p:nvPicPr>
+          <p:blipFill>
+            <a:blip r:embed="rId3" cstate="print"/>
+            <a:srcRect/>
+            <a:stretch>
+              <a:fillRect/>
+            </a:stretch>
+          </p:blipFill>
+          <p:spPr bwMode="auto">
+            <a:xfrm>
+              <a:off x="1248" y="2832"/>
+              <a:ext cx="597" cy="534"/>
+            </a:xfrm>
+            <a:prstGeom prst="rect">
+              <a:avLst/>
+            </a:prstGeom>
+            <a:noFill/>
+            <a:ln w="9525">
+              <a:noFill/>
+              <a:miter lim="800000"/>
+              <a:headEnd/>
+              <a:tailEnd/>
+            </a:ln>
+          </p:spPr>
+        </p:pic>
+        <p:pic>
+          <p:nvPicPr>
+            <p:cNvPr id="37909" name="Picture 10" descr="AN02479_"/>
+            <p:cNvPicPr>
+              <a:picLocks noChangeAspect="1" noChangeArrowheads="1"/>
+            </p:cNvPicPr>
+            <p:nvPr/>
+          </p:nvPicPr>
+          <p:blipFill>
+            <a:blip r:embed="rId3" cstate="print"/>
+            <a:srcRect/>
+            <a:stretch>
+              <a:fillRect/>
+            </a:stretch>
+          </p:blipFill>
+          <p:spPr bwMode="auto">
+            <a:xfrm>
+              <a:off x="4224" y="2832"/>
+              <a:ext cx="597" cy="534"/>
+            </a:xfrm>
+            <a:prstGeom prst="rect">
+              <a:avLst/>
+            </a:prstGeom>
+            <a:noFill/>
+            <a:ln w="9525">
+              <a:noFill/>
+              <a:miter lim="800000"/>
+              <a:headEnd/>
+              <a:tailEnd/>
+            </a:ln>
+          </p:spPr>
+        </p:pic>
+      </p:grpSp>
+      <p:grpSp>
+        <p:nvGrpSpPr>
+          <p:cNvPr id="3" name="Group 11"/>
+          <p:cNvGrpSpPr>
+            <a:grpSpLocks/>
+          </p:cNvGrpSpPr>
+          <p:nvPr/>
+        </p:nvGrpSpPr>
+        <p:grpSpPr bwMode="auto">
+          <a:xfrm>
+            <a:off x="990600" y="5486404"/>
+            <a:ext cx="7102475" cy="752476"/>
+            <a:chOff x="624" y="3456"/>
+            <a:chExt cx="4474" cy="474"/>
+          </a:xfrm>
+        </p:grpSpPr>
+        <p:sp>
+          <p:nvSpPr>
+            <p:cNvPr id="37899" name="Text Box 12"/>
+            <p:cNvSpPr txBox="1">
+              <a:spLocks noChangeArrowheads="1"/>
+            </p:cNvSpPr>
+            <p:nvPr/>
+          </p:nvSpPr>
+          <p:spPr bwMode="auto">
+            <a:xfrm>
+              <a:off x="624" y="3600"/>
+              <a:ext cx="4474" cy="330"/>
+            </a:xfrm>
+            <a:prstGeom prst="rect">
+              <a:avLst/>
+            </a:prstGeom>
+            <a:noFill/>
+            <a:ln w="9525">
+              <a:noFill/>
+              <a:miter lim="800000"/>
+              <a:headEnd/>
+              <a:tailEnd type="none" w="lg" len="lg"/>
+            </a:ln>
+          </p:spPr>
+          <p:txBody>
+            <a:bodyPr wrap="none">
+              <a:spAutoFit/>
+            </a:bodyPr>
+            <a:lstStyle/>
+            <a:p>
+              <a:r>
+                <a:rPr lang="en-US" sz="2800" dirty="0">
+                  <a:solidFill>
+                    <a:srgbClr val="0000FF"/>
+                  </a:solidFill>
+                  <a:latin typeface="Comic Sans MS" pitchFamily="66" charset="0"/>
+                </a:rPr>
+                <a:t>f</a:t>
+              </a:r>
+              <a:r>
+                <a:rPr lang="en-US" sz="2800" dirty="0" smtClean="0">
+                  <a:solidFill>
+                    <a:srgbClr val="0000FF"/>
+                  </a:solidFill>
+                  <a:latin typeface="Comic Sans MS" pitchFamily="66" charset="0"/>
+                </a:rPr>
+                <a:t>irst </a:t>
+              </a:r>
+              <a:r>
+                <a:rPr lang="en-US" sz="2800" dirty="0">
+                  <a:solidFill>
+                    <a:srgbClr val="0000FF"/>
+                  </a:solidFill>
+                  <a:latin typeface="Comic Sans MS" pitchFamily="66" charset="0"/>
+                </a:rPr>
+                <a:t>set of</a:t>
+              </a:r>
+              <a:r>
+                <a:rPr lang="en-US" sz="2800" dirty="0">
+                  <a:solidFill>
+                    <a:srgbClr val="029C27"/>
+                  </a:solidFill>
+                  <a:latin typeface="Comic Sans MS" pitchFamily="66" charset="0"/>
+                </a:rPr>
+                <a:t> n</a:t>
+              </a:r>
+              <a:r>
+                <a:rPr lang="en-US" sz="2800" dirty="0">
+                  <a:solidFill>
+                    <a:srgbClr val="0000FF"/>
+                  </a:solidFill>
+                  <a:latin typeface="Comic Sans MS" pitchFamily="66" charset="0"/>
+                </a:rPr>
+                <a:t> horses have the same color</a:t>
+              </a:r>
+            </a:p>
+          </p:txBody>
+        </p:sp>
+        <p:sp>
+          <p:nvSpPr>
+            <p:cNvPr id="37900" name="Line 13"/>
+            <p:cNvSpPr>
+              <a:spLocks noChangeShapeType="1"/>
+            </p:cNvSpPr>
+            <p:nvPr/>
+          </p:nvSpPr>
+          <p:spPr bwMode="auto">
+            <a:xfrm>
+              <a:off x="672" y="3552"/>
+              <a:ext cx="3456" cy="0"/>
+            </a:xfrm>
+            <a:prstGeom prst="line">
+              <a:avLst/>
+            </a:prstGeom>
+            <a:noFill/>
+            <a:ln w="9525">
+              <a:solidFill>
+                <a:schemeClr val="tx1"/>
+              </a:solidFill>
+              <a:round/>
+              <a:headEnd/>
+              <a:tailEnd type="none" w="lg" len="lg"/>
+            </a:ln>
+          </p:spPr>
+          <p:txBody>
+            <a:bodyPr/>
+            <a:lstStyle/>
+            <a:p>
+              <a:endParaRPr lang="en-US"/>
+            </a:p>
+          </p:txBody>
+        </p:sp>
+        <p:sp>
+          <p:nvSpPr>
+            <p:cNvPr id="37901" name="Line 14"/>
+            <p:cNvSpPr>
+              <a:spLocks noChangeShapeType="1"/>
+            </p:cNvSpPr>
+            <p:nvPr/>
+          </p:nvSpPr>
+          <p:spPr bwMode="auto">
+            <a:xfrm>
+              <a:off x="672" y="3456"/>
+              <a:ext cx="0" cy="192"/>
+            </a:xfrm>
+            <a:prstGeom prst="line">
+              <a:avLst/>
+            </a:prstGeom>
+            <a:noFill/>
+            <a:ln w="9525">
+              <a:solidFill>
+                <a:schemeClr val="tx1"/>
+              </a:solidFill>
+              <a:round/>
+              <a:headEnd/>
+              <a:tailEnd type="none" w="lg" len="lg"/>
+            </a:ln>
+          </p:spPr>
+          <p:txBody>
+            <a:bodyPr/>
+            <a:lstStyle/>
+            <a:p>
+              <a:endParaRPr lang="en-US"/>
+            </a:p>
+          </p:txBody>
+        </p:sp>
+        <p:sp>
+          <p:nvSpPr>
+            <p:cNvPr id="37902" name="Line 15"/>
+            <p:cNvSpPr>
+              <a:spLocks noChangeShapeType="1"/>
+            </p:cNvSpPr>
+            <p:nvPr/>
+          </p:nvSpPr>
+          <p:spPr bwMode="auto">
+            <a:xfrm>
+              <a:off x="4128" y="3456"/>
+              <a:ext cx="0" cy="192"/>
+            </a:xfrm>
+            <a:prstGeom prst="line">
+              <a:avLst/>
+            </a:prstGeom>
+            <a:noFill/>
+            <a:ln w="9525">
+              <a:solidFill>
+                <a:schemeClr val="tx1"/>
+              </a:solidFill>
+              <a:round/>
+              <a:headEnd/>
+              <a:tailEnd type="none" w="lg" len="lg"/>
+            </a:ln>
+          </p:spPr>
+          <p:txBody>
+            <a:bodyPr/>
+            <a:lstStyle/>
+            <a:p>
+              <a:endParaRPr lang="en-US"/>
+            </a:p>
+          </p:txBody>
+        </p:sp>
+      </p:grpSp>
+      <p:grpSp>
+        <p:nvGrpSpPr>
+          <p:cNvPr id="4" name="Group 16"/>
+          <p:cNvGrpSpPr>
+            <a:grpSpLocks/>
+          </p:cNvGrpSpPr>
+          <p:nvPr/>
+        </p:nvGrpSpPr>
+        <p:grpSpPr bwMode="auto">
+          <a:xfrm>
+            <a:off x="1725613" y="3895725"/>
+            <a:ext cx="6884988" cy="676275"/>
+            <a:chOff x="1087" y="2454"/>
+            <a:chExt cx="4337" cy="426"/>
+          </a:xfrm>
+        </p:grpSpPr>
+        <p:sp>
+          <p:nvSpPr>
+            <p:cNvPr id="37895" name="Line 17"/>
+            <p:cNvSpPr>
+              <a:spLocks noChangeShapeType="1"/>
+            </p:cNvSpPr>
+            <p:nvPr/>
+          </p:nvSpPr>
+          <p:spPr bwMode="auto">
+            <a:xfrm>
+              <a:off x="1296" y="2688"/>
+              <a:ext cx="0" cy="192"/>
+            </a:xfrm>
+            <a:prstGeom prst="line">
+              <a:avLst/>
+            </a:prstGeom>
+            <a:noFill/>
+            <a:ln w="9525">
+              <a:solidFill>
+                <a:schemeClr val="tx1"/>
+              </a:solidFill>
+              <a:round/>
+              <a:headEnd/>
+              <a:tailEnd type="none" w="lg" len="lg"/>
+            </a:ln>
+          </p:spPr>
+          <p:txBody>
+            <a:bodyPr/>
+            <a:lstStyle/>
+            <a:p>
+              <a:endParaRPr lang="en-US"/>
+            </a:p>
+          </p:txBody>
+        </p:sp>
+        <p:sp>
+          <p:nvSpPr>
+            <p:cNvPr id="37896" name="Line 18"/>
+            <p:cNvSpPr>
+              <a:spLocks noChangeShapeType="1"/>
+            </p:cNvSpPr>
+            <p:nvPr/>
+          </p:nvSpPr>
+          <p:spPr bwMode="auto">
+            <a:xfrm>
+              <a:off x="4752" y="2688"/>
+              <a:ext cx="0" cy="192"/>
+            </a:xfrm>
+            <a:prstGeom prst="line">
+              <a:avLst/>
+            </a:prstGeom>
+            <a:noFill/>
+            <a:ln w="9525">
+              <a:solidFill>
+                <a:schemeClr val="tx1"/>
+              </a:solidFill>
+              <a:round/>
+              <a:headEnd/>
+              <a:tailEnd type="none" w="lg" len="lg"/>
+            </a:ln>
+          </p:spPr>
+          <p:txBody>
+            <a:bodyPr/>
+            <a:lstStyle/>
+            <a:p>
+              <a:endParaRPr lang="en-US"/>
+            </a:p>
+          </p:txBody>
+        </p:sp>
+        <p:sp>
+          <p:nvSpPr>
+            <p:cNvPr id="37897" name="Text Box 19"/>
+            <p:cNvSpPr txBox="1">
+              <a:spLocks noChangeArrowheads="1"/>
+            </p:cNvSpPr>
+            <p:nvPr/>
+          </p:nvSpPr>
+          <p:spPr bwMode="auto">
+            <a:xfrm>
+              <a:off x="1087" y="2454"/>
+              <a:ext cx="4337" cy="330"/>
+            </a:xfrm>
+            <a:prstGeom prst="rect">
+              <a:avLst/>
+            </a:prstGeom>
+            <a:noFill/>
+            <a:ln w="9525">
+              <a:noFill/>
+              <a:miter lim="800000"/>
+              <a:headEnd/>
+              <a:tailEnd type="none" w="lg" len="lg"/>
+            </a:ln>
+          </p:spPr>
+          <p:txBody>
+            <a:bodyPr wrap="none">
+              <a:spAutoFit/>
+            </a:bodyPr>
+            <a:lstStyle/>
+            <a:p>
+              <a:r>
+                <a:rPr lang="en-US" sz="2800" dirty="0" smtClean="0">
+                  <a:solidFill>
+                    <a:srgbClr val="0000FF"/>
+                  </a:solidFill>
+                  <a:latin typeface="Comic Sans MS" pitchFamily="66" charset="0"/>
+                </a:rPr>
+                <a:t>2nd </a:t>
+              </a:r>
+              <a:r>
+                <a:rPr lang="en-US" sz="2800" dirty="0">
+                  <a:solidFill>
+                    <a:srgbClr val="0000FF"/>
+                  </a:solidFill>
+                  <a:latin typeface="Comic Sans MS" pitchFamily="66" charset="0"/>
+                </a:rPr>
+                <a:t>set of </a:t>
+              </a:r>
+              <a:r>
+                <a:rPr lang="en-US" sz="2800" dirty="0">
+                  <a:solidFill>
+                    <a:srgbClr val="029C27"/>
+                  </a:solidFill>
+                  <a:latin typeface="Comic Sans MS" pitchFamily="66" charset="0"/>
+                </a:rPr>
+                <a:t>n</a:t>
+              </a:r>
+              <a:r>
+                <a:rPr lang="en-US" sz="2800" dirty="0">
+                  <a:solidFill>
+                    <a:srgbClr val="0000FF"/>
+                  </a:solidFill>
+                  <a:latin typeface="Comic Sans MS" pitchFamily="66" charset="0"/>
+                </a:rPr>
+                <a:t> horses have the same color</a:t>
+              </a:r>
+            </a:p>
+          </p:txBody>
+        </p:sp>
+        <p:sp>
+          <p:nvSpPr>
+            <p:cNvPr id="37898" name="Line 20"/>
+            <p:cNvSpPr>
+              <a:spLocks noChangeShapeType="1"/>
+            </p:cNvSpPr>
+            <p:nvPr/>
+          </p:nvSpPr>
+          <p:spPr bwMode="auto">
+            <a:xfrm>
+              <a:off x="1296" y="2784"/>
+              <a:ext cx="3456" cy="0"/>
+            </a:xfrm>
+            <a:prstGeom prst="line">
+              <a:avLst/>
+            </a:prstGeom>
+            <a:noFill/>
+            <a:ln w="9525">
+              <a:solidFill>
+                <a:schemeClr val="tx1"/>
+              </a:solidFill>
+              <a:round/>
+              <a:headEnd/>
+              <a:tailEnd type="none" w="lg" len="lg"/>
+            </a:ln>
+          </p:spPr>
+          <p:txBody>
+            <a:bodyPr/>
+            <a:lstStyle/>
+            <a:p>
+              <a:endParaRPr lang="en-US"/>
+            </a:p>
+          </p:txBody>
+        </p:sp>
+      </p:grpSp>
+      <p:sp>
+        <p:nvSpPr>
+          <p:cNvPr id="23" name="Rectangle 2"/>
+          <p:cNvSpPr>
+            <a:spLocks noGrp="1" noChangeArrowheads="1"/>
+          </p:cNvSpPr>
+          <p:nvPr>
+            <p:ph type="title"/>
+          </p:nvPr>
+        </p:nvSpPr>
+        <p:spPr>
+          <a:xfrm>
+            <a:off x="1447800" y="274638"/>
+            <a:ext cx="6400800" cy="1173162"/>
+          </a:xfrm>
+        </p:spPr>
+        <p:txBody>
+          <a:bodyPr/>
+          <a:lstStyle/>
+          <a:p>
+            <a:pPr eaLnBrk="1" hangingPunct="1"/>
+            <a:r>
+              <a:rPr lang="en-US" sz="4800" dirty="0" smtClean="0"/>
+              <a:t>A Bogus Proof</a:t>
+            </a:r>
+          </a:p>
+        </p:txBody>
+      </p:sp>
+      <p:sp>
+        <p:nvSpPr>
+          <p:cNvPr id="24" name="Text Box 3"/>
+          <p:cNvSpPr txBox="1">
+            <a:spLocks noChangeArrowheads="1"/>
+          </p:cNvSpPr>
+          <p:nvPr/>
+        </p:nvSpPr>
+        <p:spPr bwMode="auto">
+          <a:xfrm>
+            <a:off x="381000" y="1447800"/>
+            <a:ext cx="8362235" cy="2677656"/>
+          </a:xfrm>
+          <a:prstGeom prst="rect">
+            <a:avLst/>
+          </a:prstGeom>
+          <a:noFill/>
+          <a:ln w="9525">
+            <a:noFill/>
+            <a:miter lim="800000"/>
+            <a:headEnd/>
+            <a:tailEnd type="none" w="lg" len="lg"/>
+          </a:ln>
+        </p:spPr>
+        <p:txBody>
+          <a:bodyPr wrap="none">
+            <a:spAutoFit/>
+          </a:bodyPr>
+          <a:lstStyle/>
+          <a:p>
+            <a:r>
+              <a:rPr lang="en-US" sz="4000" dirty="0">
+                <a:solidFill>
+                  <a:srgbClr val="FF33CC"/>
+                </a:solidFill>
+                <a:latin typeface="Comic Sans MS" pitchFamily="66" charset="0"/>
+              </a:rPr>
+              <a:t>(Inductive case</a:t>
+            </a:r>
+            <a:r>
+              <a:rPr lang="en-US" sz="4000" dirty="0" smtClean="0">
+                <a:solidFill>
+                  <a:srgbClr val="FF33CC"/>
+                </a:solidFill>
+                <a:latin typeface="Comic Sans MS" pitchFamily="66" charset="0"/>
+              </a:rPr>
+              <a:t>)</a:t>
+            </a:r>
+            <a:r>
+              <a:rPr lang="en-US" sz="4000" dirty="0" smtClean="0">
+                <a:latin typeface="Comic Sans MS" pitchFamily="66" charset="0"/>
+              </a:rPr>
+              <a:t>:</a:t>
+            </a:r>
+            <a:r>
+              <a:rPr lang="en-US" sz="4000" dirty="0" smtClean="0">
+                <a:solidFill>
+                  <a:srgbClr val="FF33CC"/>
+                </a:solidFill>
+                <a:latin typeface="Comic Sans MS" pitchFamily="66" charset="0"/>
+              </a:rPr>
+              <a:t> </a:t>
+            </a:r>
+            <a:r>
+              <a:rPr lang="en-US" sz="4000" dirty="0" smtClean="0">
+                <a:latin typeface="Comic Sans MS" pitchFamily="66" charset="0"/>
+              </a:rPr>
+              <a:t>Assume </a:t>
+            </a:r>
+            <a:r>
+              <a:rPr lang="en-US" sz="4000" dirty="0" smtClean="0">
+                <a:solidFill>
+                  <a:srgbClr val="029C27"/>
+                </a:solidFill>
+                <a:latin typeface="Comic Sans MS" pitchFamily="66" charset="0"/>
+              </a:rPr>
+              <a:t>n </a:t>
+            </a:r>
+            <a:r>
+              <a:rPr lang="en-US" sz="4000" dirty="0" smtClean="0">
+                <a:latin typeface="Comic Sans MS" pitchFamily="66" charset="0"/>
+              </a:rPr>
+              <a:t>horses</a:t>
+            </a:r>
+          </a:p>
+          <a:p>
+            <a:r>
+              <a:rPr lang="en-US" sz="4000" dirty="0" smtClean="0">
+                <a:latin typeface="Comic Sans MS" pitchFamily="66" charset="0"/>
+              </a:rPr>
+              <a:t>have </a:t>
+            </a:r>
+            <a:r>
+              <a:rPr lang="en-US" sz="4000" dirty="0">
+                <a:latin typeface="Comic Sans MS" pitchFamily="66" charset="0"/>
+              </a:rPr>
+              <a:t>the same color.</a:t>
+            </a:r>
+          </a:p>
+          <a:p>
+            <a:r>
+              <a:rPr lang="en-US" sz="4400" dirty="0">
+                <a:latin typeface="Comic Sans MS" pitchFamily="66" charset="0"/>
+              </a:rPr>
+              <a:t>Prove that any </a:t>
+            </a:r>
+            <a:r>
+              <a:rPr lang="en-US" sz="4400" dirty="0">
+                <a:solidFill>
+                  <a:srgbClr val="029C27"/>
+                </a:solidFill>
+                <a:latin typeface="Comic Sans MS" pitchFamily="66" charset="0"/>
+              </a:rPr>
+              <a:t>n+1</a:t>
+            </a:r>
+            <a:r>
+              <a:rPr lang="en-US" sz="4400" dirty="0">
+                <a:latin typeface="Comic Sans MS" pitchFamily="66" charset="0"/>
+              </a:rPr>
+              <a:t> horses have </a:t>
+            </a:r>
+            <a:endParaRPr lang="en-US" sz="4400" dirty="0" smtClean="0">
+              <a:latin typeface="Comic Sans MS" pitchFamily="66" charset="0"/>
+            </a:endParaRPr>
+          </a:p>
+          <a:p>
+            <a:r>
+              <a:rPr lang="en-US" sz="4400" dirty="0" smtClean="0">
+                <a:latin typeface="Comic Sans MS" pitchFamily="66" charset="0"/>
+              </a:rPr>
+              <a:t>the </a:t>
+            </a:r>
+            <a:r>
+              <a:rPr lang="en-US" sz="4400" dirty="0">
+                <a:latin typeface="Comic Sans MS" pitchFamily="66" charset="0"/>
+              </a:rPr>
+              <a:t>same color.</a:t>
+            </a:r>
+          </a:p>
+        </p:txBody>
+      </p:sp>
+    </p:spTree>
+    <p:extLst>
+      <p:ext uri="{BB962C8B-B14F-4D97-AF65-F5344CB8AC3E}">
+        <p14:creationId xmlns:p14="http://schemas.microsoft.com/office/powerpoint/2010/main" val="4053736025"/>
+      </p:ext>
+    </p:extLst>
+  </p:cSld>
+  <p:clrMapOvr>
+    <a:masterClrMapping/>
+  </p:clrMapOvr>
+  <p:timing>
+    <p:tnLst>
+      <p:par>
+        <p:cTn xmlns:p14="http://schemas.microsoft.com/office/powerpoint/2010/main" id="1" dur="indefinite" restart="never" nodeType="tmRoot">
+          <p:childTnLst>
+            <p:seq concurrent="1" nextAc="seek">
+              <p:cTn id="2" dur="indefinite" nodeType="mainSeq">
+                <p:childTnLst>
+                  <p:par>
+                    <p:cTn id="3" fill="hold">
+                      <p:stCondLst>
+                        <p:cond delay="indefinite"/>
+                      </p:stCondLst>
+                      <p:childTnLst>
+                        <p:par>
+                          <p:cTn id="4" fill="hold">
+                            <p:stCondLst>
+                              <p:cond delay="0"/>
+                            </p:stCondLst>
+                            <p:childTnLst>
+                              <p:par>
+                                <p:cTn id="5" presetID="2" presetClass="entr" presetSubtype="1" fill="hold" nodeType="clickEffect">
+                                  <p:stCondLst>
+                                    <p:cond delay="0"/>
+                                  </p:stCondLst>
+                                  <p:childTnLst>
+                                    <p:set>
+                                      <p:cBhvr>
+                                        <p:cTn id="6" dur="1" fill="hold">
+                                          <p:stCondLst>
+                                            <p:cond delay="0"/>
+                                          </p:stCondLst>
+                                        </p:cTn>
+                                        <p:tgtEl>
+                                          <p:spTgt spid="4"/>
+                                        </p:tgtEl>
+                                        <p:attrNameLst>
+                                          <p:attrName>style.visibility</p:attrName>
+                                        </p:attrNameLst>
+                                      </p:cBhvr>
+                                      <p:to>
+                                        <p:strVal val="visible"/>
+                                      </p:to>
+                                    </p:set>
+                                    <p:anim calcmode="lin" valueType="num">
+                                      <p:cBhvr additive="base">
+                                        <p:cTn id="7" dur="500" fill="hold"/>
+                                        <p:tgtEl>
+                                          <p:spTgt spid="4"/>
+                                        </p:tgtEl>
+                                        <p:attrNameLst>
+                                          <p:attrName>ppt_x</p:attrName>
+                                        </p:attrNameLst>
+                                      </p:cBhvr>
+                                      <p:tavLst>
+                                        <p:tav tm="0">
+                                          <p:val>
+                                            <p:strVal val="#ppt_x"/>
+                                          </p:val>
+                                        </p:tav>
+                                        <p:tav tm="100000">
+                                          <p:val>
+                                            <p:strVal val="#ppt_x"/>
+                                          </p:val>
+                                        </p:tav>
+                                      </p:tavLst>
+                                    </p:anim>
+                                    <p:anim calcmode="lin" valueType="num">
+                                      <p:cBhvr additive="base">
+                                        <p:cTn id="8" dur="500" fill="hold"/>
+                                        <p:tgtEl>
+                                          <p:spTgt spid="4"/>
+                                        </p:tgtEl>
+                                        <p:attrNameLst>
+                                          <p:attrName>ppt_y</p:attrName>
+                                        </p:attrNameLst>
+                                      </p:cBhvr>
+                                      <p:tavLst>
+                                        <p:tav tm="0">
+                                          <p:val>
+                                            <p:strVal val="0-#ppt_h/2"/>
+                                          </p:val>
+                                        </p:tav>
+                                        <p:tav tm="100000">
+                                          <p:val>
+                                            <p:strVal val="#ppt_y"/>
+                                          </p:val>
+                                        </p:tav>
+                                      </p:tavLst>
+                                    </p:anim>
+                                  </p:childTnLst>
+                                </p:cTn>
+                              </p:par>
+                            </p:childTnLst>
+                          </p:cTn>
+                        </p:par>
+                        <p:par>
+                          <p:cTn id="9" fill="hold">
+                            <p:stCondLst>
+                              <p:cond delay="500"/>
+                            </p:stCondLst>
+                            <p:childTnLst>
+                              <p:par>
+                                <p:cTn id="10" presetID="2" presetClass="entr" presetSubtype="3" fill="hold" nodeType="afterEffect">
+                                  <p:stCondLst>
+                                    <p:cond delay="0"/>
+                                  </p:stCondLst>
+                                  <p:childTnLst>
+                                    <p:set>
+                                      <p:cBhvr>
+                                        <p:cTn id="11" dur="1" fill="hold">
+                                          <p:stCondLst>
+                                            <p:cond delay="0"/>
+                                          </p:stCondLst>
+                                        </p:cTn>
+                                        <p:tgtEl>
+                                          <p:spTgt spid="3"/>
+                                        </p:tgtEl>
+                                        <p:attrNameLst>
+                                          <p:attrName>style.visibility</p:attrName>
+                                        </p:attrNameLst>
+                                      </p:cBhvr>
+                                      <p:to>
+                                        <p:strVal val="visible"/>
+                                      </p:to>
+                                    </p:set>
+                                    <p:anim calcmode="lin" valueType="num">
+                                      <p:cBhvr additive="base">
+                                        <p:cTn id="12" dur="1000" fill="hold"/>
+                                        <p:tgtEl>
+                                          <p:spTgt spid="3"/>
+                                        </p:tgtEl>
+                                        <p:attrNameLst>
+                                          <p:attrName>ppt_x</p:attrName>
+                                        </p:attrNameLst>
+                                      </p:cBhvr>
+                                      <p:tavLst>
+                                        <p:tav tm="0">
+                                          <p:val>
+                                            <p:strVal val="1+#ppt_w/2"/>
+                                          </p:val>
+                                        </p:tav>
+                                        <p:tav tm="100000">
+                                          <p:val>
+                                            <p:strVal val="#ppt_x"/>
+                                          </p:val>
+                                        </p:tav>
+                                      </p:tavLst>
+                                    </p:anim>
+                                    <p:anim calcmode="lin" valueType="num">
+                                      <p:cBhvr additive="base">
+                                        <p:cTn id="13" dur="1000" fill="hold"/>
+                                        <p:tgtEl>
+                                          <p:spTgt spid="3"/>
+                                        </p:tgtEl>
+                                        <p:attrNameLst>
+                                          <p:attrName>ppt_y</p:attrName>
+                                        </p:attrNameLst>
+                                      </p:cBhvr>
+                                      <p:tavLst>
+                                        <p:tav tm="0">
+                                          <p:val>
+                                            <p:strVal val="0-#ppt_h/2"/>
+                                          </p:val>
+                                        </p:tav>
+                                        <p:tav tm="100000">
+                                          <p:val>
+                                            <p:strVal val="#ppt_y"/>
+                                          </p:val>
+                                        </p:tav>
+                                      </p:tavLst>
+                                    </p:anim>
+                                  </p:childTnLst>
+                                  <p:subTnLst>
+                                    <p:animClr clrSpc="rgb" dir="cw">
+                                      <p:cBhvr override="childStyle">
+                                        <p:cTn dur="1" fill="hold" display="0" masterRel="nextClick" afterEffect="1"/>
+                                        <p:tgtEl>
+                                          <p:spTgt spid="3"/>
+                                        </p:tgtEl>
+                                        <p:attrNameLst>
+                                          <p:attrName>ppt_c</p:attrName>
+                                        </p:attrNameLst>
+                                      </p:cBhvr>
+                                      <p:to>
+                                        <a:schemeClr val="bg2"/>
+                                      </p:to>
+                                    </p:animClr>
+                                  </p:subTnLst>
+                                </p:cTn>
+                              </p:par>
+                            </p:childTnLst>
+                          </p:cTn>
+                        </p:par>
+                      </p:childTnLst>
+                    </p:cTn>
+                  </p:par>
+                </p:childTnLst>
+              </p:cTn>
+              <p:prevCondLst>
+                <p:cond evt="onPrev" delay="0">
+                  <p:tgtEl>
+                    <p:sldTgt/>
+                  </p:tgtEl>
+                </p:cond>
+              </p:prevCondLst>
+              <p:nextCondLst>
+                <p:cond evt="onNext" delay="0">
+                  <p:tgtEl>
+                    <p:sldTgt/>
+                  </p:tgtEl>
+                </p:cond>
+              </p:nextCondLst>
+            </p:seq>
+          </p:childTnLst>
+        </p:cTn>
+      </p:par>
+    </p:tnLst>
+  </p:timing>
+</p:sld>
+</file>
+
+<file path=ppt/slides/slide7.xml><?xml version="1.0" encoding="utf-8"?>
 <p:sld xmlns:a="http://schemas.openxmlformats.org/drawingml/2006/main" xmlns:r="http://schemas.openxmlformats.org/officeDocument/2006/relationships" xmlns:p="http://schemas.openxmlformats.org/presentationml/2006/main">
   <p:cSld>
     <p:spTree>
@@ -5671,100 +8228,89 @@
           </p:spPr>
         </p:pic>
       </p:grpSp>
+      <p:sp>
+        <p:nvSpPr>
+          <p:cNvPr id="38918" name="Text Box 12"/>
+          <p:cNvSpPr txBox="1">
+            <a:spLocks noChangeArrowheads="1"/>
+          </p:cNvSpPr>
+          <p:nvPr/>
+        </p:nvSpPr>
+        <p:spPr bwMode="auto">
+          <a:xfrm>
+            <a:off x="457200" y="3429000"/>
+            <a:ext cx="7432669" cy="646331"/>
+          </a:xfrm>
+          <a:prstGeom prst="rect">
+            <a:avLst/>
+          </a:prstGeom>
+          <a:noFill/>
+          <a:ln w="9525">
+            <a:noFill/>
+            <a:miter lim="800000"/>
+            <a:headEnd/>
+            <a:tailEnd type="none" w="lg" len="lg"/>
+          </a:ln>
+        </p:spPr>
+        <p:txBody>
+          <a:bodyPr wrap="none">
+            <a:spAutoFit/>
+          </a:bodyPr>
+          <a:lstStyle/>
+          <a:p>
+            <a:r>
+              <a:rPr lang="en-US" sz="3600" dirty="0" smtClean="0">
+                <a:solidFill>
+                  <a:srgbClr val="0000FF"/>
+                </a:solidFill>
+                <a:latin typeface="Comic Sans MS" pitchFamily="66" charset="0"/>
+              </a:rPr>
+              <a:t>so set </a:t>
+            </a:r>
+            <a:r>
+              <a:rPr lang="en-US" sz="3600" dirty="0">
+                <a:solidFill>
+                  <a:srgbClr val="0000FF"/>
+                </a:solidFill>
+                <a:latin typeface="Comic Sans MS" pitchFamily="66" charset="0"/>
+              </a:rPr>
+              <a:t>of </a:t>
+            </a:r>
+            <a:r>
+              <a:rPr lang="en-US" sz="3600" dirty="0">
+                <a:solidFill>
+                  <a:srgbClr val="029C27"/>
+                </a:solidFill>
+                <a:latin typeface="Comic Sans MS" pitchFamily="66" charset="0"/>
+              </a:rPr>
+              <a:t>n+1</a:t>
+            </a:r>
+            <a:r>
+              <a:rPr lang="en-US" sz="3600" dirty="0">
+                <a:solidFill>
+                  <a:srgbClr val="0000FF"/>
+                </a:solidFill>
+                <a:latin typeface="Comic Sans MS" pitchFamily="66" charset="0"/>
+              </a:rPr>
+              <a:t> have the same color!</a:t>
+            </a:r>
+          </a:p>
+        </p:txBody>
+      </p:sp>
       <p:grpSp>
         <p:nvGrpSpPr>
-          <p:cNvPr id="3" name="Group 11"/>
-          <p:cNvGrpSpPr>
-            <a:grpSpLocks/>
-          </p:cNvGrpSpPr>
+          <p:cNvPr id="4" name="Group 3"/>
+          <p:cNvGrpSpPr/>
           <p:nvPr/>
         </p:nvGrpSpPr>
-        <p:grpSpPr bwMode="auto">
+        <p:grpSpPr>
           <a:xfrm>
-            <a:off x="887413" y="5486404"/>
-            <a:ext cx="7904161" cy="752476"/>
-            <a:chOff x="559" y="3456"/>
-            <a:chExt cx="4979" cy="474"/>
+            <a:off x="990600" y="4038600"/>
+            <a:ext cx="6439694" cy="319915"/>
+            <a:chOff x="799306" y="3413885"/>
+            <a:chExt cx="6439694" cy="319915"/>
           </a:xfrm>
         </p:grpSpPr>
-        <p:sp>
-          <p:nvSpPr>
-            <p:cNvPr id="38918" name="Text Box 12"/>
-            <p:cNvSpPr txBox="1">
-              <a:spLocks noChangeArrowheads="1"/>
-            </p:cNvSpPr>
-            <p:nvPr/>
-          </p:nvSpPr>
-          <p:spPr bwMode="auto">
-            <a:xfrm>
-              <a:off x="559" y="3600"/>
-              <a:ext cx="4979" cy="330"/>
-            </a:xfrm>
-            <a:prstGeom prst="rect">
-              <a:avLst/>
-            </a:prstGeom>
-            <a:noFill/>
-            <a:ln w="9525">
-              <a:noFill/>
-              <a:miter lim="800000"/>
-              <a:headEnd/>
-              <a:tailEnd type="none" w="lg" len="lg"/>
-            </a:ln>
-          </p:spPr>
-          <p:txBody>
-            <a:bodyPr wrap="none">
-              <a:spAutoFit/>
-            </a:bodyPr>
-            <a:lstStyle/>
-            <a:p>
-              <a:r>
-                <a:rPr lang="en-US" sz="2800" dirty="0">
-                  <a:solidFill>
-                    <a:srgbClr val="0000FF"/>
-                  </a:solidFill>
-                  <a:latin typeface="Comic Sans MS" pitchFamily="66" charset="0"/>
-                </a:rPr>
-                <a:t>t</a:t>
-              </a:r>
-              <a:r>
-                <a:rPr lang="en-US" sz="2800" dirty="0" smtClean="0">
-                  <a:solidFill>
-                    <a:srgbClr val="0000FF"/>
-                  </a:solidFill>
-                  <a:latin typeface="Comic Sans MS" pitchFamily="66" charset="0"/>
-                </a:rPr>
-                <a:t>herefore </a:t>
-              </a:r>
-              <a:r>
-                <a:rPr lang="en-US" sz="2800" dirty="0">
-                  <a:solidFill>
-                    <a:srgbClr val="0000FF"/>
-                  </a:solidFill>
-                  <a:latin typeface="Comic Sans MS" pitchFamily="66" charset="0"/>
-                </a:rPr>
-                <a:t>the set of </a:t>
-              </a:r>
-              <a:r>
-                <a:rPr lang="en-US" sz="2800" dirty="0">
-                  <a:solidFill>
-                    <a:srgbClr val="029C27"/>
-                  </a:solidFill>
-                  <a:latin typeface="Comic Sans MS" pitchFamily="66" charset="0"/>
-                </a:rPr>
-                <a:t>n+1</a:t>
-              </a:r>
-              <a:r>
-                <a:rPr lang="en-US" sz="2800" dirty="0">
-                  <a:solidFill>
-                    <a:srgbClr val="0000FF"/>
-                  </a:solidFill>
-                  <a:latin typeface="Comic Sans MS" pitchFamily="66" charset="0"/>
-                </a:rPr>
-                <a:t> have the same color!</a:t>
-              </a:r>
-            </a:p>
-          </p:txBody>
-        </p:sp>
         <p:sp>
           <p:nvSpPr>
             <p:cNvPr id="38919" name="Line 13"/>
@@ -5775,8 +8321,8 @@
           </p:nvSpPr>
           <p:spPr bwMode="auto">
             <a:xfrm>
-              <a:off x="672" y="3552"/>
-              <a:ext cx="3984" cy="0"/>
+              <a:off x="799306" y="3566284"/>
+              <a:ext cx="6439694" cy="15116"/>
             </a:xfrm>
             <a:prstGeom prst="line">
               <a:avLst/>
@@ -5809,8 +8355,8 @@
           </p:nvSpPr>
           <p:spPr bwMode="auto">
             <a:xfrm>
-              <a:off x="4656" y="3456"/>
-              <a:ext cx="0" cy="192"/>
+              <a:off x="7239000" y="3429000"/>
+              <a:ext cx="0" cy="304800"/>
             </a:xfrm>
             <a:prstGeom prst="line">
               <a:avLst/>
@@ -5843,8 +8389,8 @@
           </p:nvSpPr>
           <p:spPr bwMode="auto">
             <a:xfrm>
-              <a:off x="672" y="3456"/>
-              <a:ext cx="0" cy="192"/>
+              <a:off x="799306" y="3413885"/>
+              <a:ext cx="0" cy="304800"/>
             </a:xfrm>
             <a:prstGeom prst="line">
               <a:avLst/>
@@ -5870,99 +8416,14 @@
       </p:grpSp>
       <p:sp>
         <p:nvSpPr>
-          <p:cNvPr id="17" name="Text Box 3"/>
-          <p:cNvSpPr txBox="1">
-            <a:spLocks noChangeArrowheads="1"/>
-          </p:cNvSpPr>
-          <p:nvPr/>
-        </p:nvSpPr>
-        <p:spPr bwMode="auto">
-          <a:xfrm>
-            <a:off x="685800" y="1631950"/>
-            <a:ext cx="7989688" cy="1384995"/>
-          </a:xfrm>
-          <a:prstGeom prst="rect">
-            <a:avLst/>
-          </a:prstGeom>
-          <a:noFill/>
-          <a:ln w="9525">
-            <a:noFill/>
-            <a:miter lim="800000"/>
-            <a:headEnd/>
-            <a:tailEnd type="none" w="lg" len="lg"/>
-          </a:ln>
-        </p:spPr>
-        <p:txBody>
-          <a:bodyPr wrap="none">
-            <a:spAutoFit/>
-          </a:bodyPr>
-          <a:lstStyle/>
-          <a:p>
-            <a:r>
-              <a:rPr lang="en-US" sz="2800" dirty="0">
-                <a:latin typeface="Comic Sans MS" pitchFamily="66" charset="0"/>
-              </a:rPr>
-              <a:t>(Inductive case) </a:t>
-            </a:r>
-          </a:p>
-          <a:p>
-            <a:r>
-              <a:rPr lang="en-US" sz="2800" dirty="0">
-                <a:latin typeface="Comic Sans MS" pitchFamily="66" charset="0"/>
-              </a:rPr>
-              <a:t>Assume any </a:t>
-            </a:r>
-            <a:r>
-              <a:rPr lang="en-US" sz="2800" dirty="0">
-                <a:solidFill>
-                  <a:srgbClr val="029C27"/>
-                </a:solidFill>
-                <a:latin typeface="Comic Sans MS" pitchFamily="66" charset="0"/>
-              </a:rPr>
-              <a:t>n</a:t>
-            </a:r>
-            <a:r>
-              <a:rPr lang="en-US" sz="2800" dirty="0">
-                <a:latin typeface="Comic Sans MS" pitchFamily="66" charset="0"/>
-              </a:rPr>
-              <a:t> horses have the same color.</a:t>
-            </a:r>
-          </a:p>
-          <a:p>
-            <a:r>
-              <a:rPr lang="en-US" sz="2800" dirty="0">
-                <a:latin typeface="Comic Sans MS" pitchFamily="66" charset="0"/>
-              </a:rPr>
-              <a:t>Prove that any </a:t>
-            </a:r>
-            <a:r>
-              <a:rPr lang="en-US" sz="2800" dirty="0">
-                <a:solidFill>
-                  <a:srgbClr val="029C27"/>
-                </a:solidFill>
-                <a:latin typeface="Comic Sans MS" pitchFamily="66" charset="0"/>
-              </a:rPr>
-              <a:t>n+1 </a:t>
-            </a:r>
-            <a:r>
-              <a:rPr lang="en-US" sz="2800" dirty="0">
-                <a:latin typeface="Comic Sans MS" pitchFamily="66" charset="0"/>
-              </a:rPr>
-              <a:t>horses have the same color.</a:t>
-            </a:r>
-          </a:p>
-        </p:txBody>
-      </p:sp>
-      <p:sp>
-        <p:nvSpPr>
           <p:cNvPr id="18" name="TextBox 17"/>
           <p:cNvSpPr txBox="1"/>
           <p:nvPr/>
         </p:nvSpPr>
         <p:spPr>
           <a:xfrm>
-            <a:off x="838200" y="3124200"/>
-            <a:ext cx="7848600" cy="1200329"/>
+            <a:off x="647700" y="1524000"/>
+            <a:ext cx="7848600" cy="1323439"/>
           </a:xfrm>
           <a:prstGeom prst="rect">
             <a:avLst/>
@@ -5976,19 +8437,19 @@
           <a:lstStyle/>
           <a:p>
             <a:r>
-              <a:rPr lang="en-US" sz="3600" dirty="0" smtClean="0">
+              <a:rPr lang="en-US" sz="4000" dirty="0" smtClean="0">
                 <a:latin typeface="Comic Sans MS" pitchFamily="66" charset="0"/>
               </a:rPr>
               <a:t>1</a:t>
             </a:r>
             <a:r>
-              <a:rPr lang="en-US" sz="3600" baseline="30000" dirty="0" smtClean="0">
+              <a:rPr lang="en-US" sz="4000" baseline="30000" dirty="0" smtClean="0">
                 <a:latin typeface="Comic Sans MS" pitchFamily="66" charset="0"/>
               </a:rPr>
               <a:t>st</a:t>
             </a:r>
             <a:r>
-              <a:rPr lang="en-US" sz="3600" dirty="0" smtClean="0">
+              <a:rPr lang="en-US" sz="4000" dirty="0" smtClean="0">
                 <a:latin typeface="Comic Sans MS" pitchFamily="66" charset="0"/>
               </a:rPr>
               <a:t> and last       same color as </a:t>
@@ -5996,7 +8457,7 @@
           </a:p>
           <a:p>
             <a:r>
-              <a:rPr lang="en-US" sz="3600" dirty="0" smtClean="0">
+              <a:rPr lang="en-US" sz="4000" dirty="0" smtClean="0">
                 <a:latin typeface="Comic Sans MS" pitchFamily="66" charset="0"/>
               </a:rPr>
               <a:t>the middle ones</a:t>
@@ -6021,7 +8482,7 @@
         </p:blipFill>
         <p:spPr bwMode="auto">
           <a:xfrm>
-            <a:off x="3352800" y="3048000"/>
+            <a:off x="3429000" y="1524000"/>
             <a:ext cx="722832" cy="646557"/>
           </a:xfrm>
           <a:prstGeom prst="rect">
@@ -6059,15 +8520,41 @@
             <a:pPr eaLnBrk="1" hangingPunct="1"/>
             <a:r>
               <a:rPr lang="en-US" sz="4800" dirty="0" smtClean="0"/>
-              <a:t>A </a:t>
-            </a:r>
-            <a:r>
-              <a:rPr lang="en-US" sz="4800" dirty="0" smtClean="0"/>
-              <a:t>Bogus </a:t>
-            </a:r>
-            <a:r>
-              <a:rPr lang="en-US" sz="4800" dirty="0" smtClean="0"/>
-              <a:t>Proof</a:t>
+              <a:t>A Bogus Proof</a:t>
+            </a:r>
+          </a:p>
+        </p:txBody>
+      </p:sp>
+      <p:sp>
+        <p:nvSpPr>
+          <p:cNvPr id="5" name="TextBox 4"/>
+          <p:cNvSpPr txBox="1"/>
+          <p:nvPr/>
+        </p:nvSpPr>
+        <p:spPr>
+          <a:xfrm>
+            <a:off x="5486400" y="2438400"/>
+            <a:ext cx="2528156" cy="830997"/>
+          </a:xfrm>
+          <a:prstGeom prst="rect">
+            <a:avLst/>
+          </a:prstGeom>
+          <a:noFill/>
+        </p:spPr>
+        <p:txBody>
+          <a:bodyPr wrap="none" rtlCol="0">
+            <a:spAutoFit/>
+          </a:bodyPr>
+          <a:lstStyle/>
+          <a:p>
+            <a:r>
+              <a:rPr lang="en-US" sz="4800" dirty="0" smtClean="0">
+                <a:solidFill>
+                  <a:srgbClr val="FF0000"/>
+                </a:solidFill>
+                <a:latin typeface="Comic Sans MS" pitchFamily="66" charset="0"/>
+              </a:rPr>
+              <a:t>QED ?!?</a:t>
             </a:r>
           </a:p>
         </p:txBody>
@@ -6101,7 +8588,7 @@
                             </p:stCondLst>
                             <p:childTnLst>
                               <p:par>
-                                <p:cTn id="5" presetID="1" presetClass="entr" presetSubtype="0" fill="hold" nodeType="clickEffect">
+                                <p:cTn id="5" presetID="2" presetClass="entr" presetSubtype="3" fill="hold" grpId="0" nodeType="clickEffect">
                                   <p:stCondLst>
                                     <p:cond delay="0"/>
                                   </p:stCondLst>
@@ -6114,7 +8601,7 @@
                                           </p:stCondLst>
                                         </p:cTn>
                                         <p:tgtEl>
-                                          <p:spTgt spid="3"/>
+                                          <p:spTgt spid="38918"/>
                                         </p:tgtEl>
                                         <p:attrNameLst>
                                           <p:attrName>style.visibility</p:attrName>
@@ -6124,6 +8611,247 @@
                                         <p:strVal val="visible"/>
                                       </p:to>
                                     </p:set>
+                                    <p:anim calcmode="lin" valueType="num">
+                                      <p:cBhvr additive="base">
+                                        <p:cTn id="7" dur="500" fill="hold"/>
+                                        <p:tgtEl>
+                                          <p:spTgt spid="38918"/>
+                                        </p:tgtEl>
+                                        <p:attrNameLst>
+                                          <p:attrName>ppt_x</p:attrName>
+                                        </p:attrNameLst>
+                                      </p:cBhvr>
+                                      <p:tavLst>
+                                        <p:tav tm="0">
+                                          <p:val>
+                                            <p:strVal val="1+#ppt_w/2"/>
+                                          </p:val>
+                                        </p:tav>
+                                        <p:tav tm="100000">
+                                          <p:val>
+                                            <p:strVal val="#ppt_x"/>
+                                          </p:val>
+                                        </p:tav>
+                                      </p:tavLst>
+                                    </p:anim>
+                                    <p:anim calcmode="lin" valueType="num">
+                                      <p:cBhvr additive="base">
+                                        <p:cTn id="8" dur="500" fill="hold"/>
+                                        <p:tgtEl>
+                                          <p:spTgt spid="38918"/>
+                                        </p:tgtEl>
+                                        <p:attrNameLst>
+                                          <p:attrName>ppt_y</p:attrName>
+                                        </p:attrNameLst>
+                                      </p:cBhvr>
+                                      <p:tavLst>
+                                        <p:tav tm="0">
+                                          <p:val>
+                                            <p:strVal val="0-#ppt_h/2"/>
+                                          </p:val>
+                                        </p:tav>
+                                        <p:tav tm="100000">
+                                          <p:val>
+                                            <p:strVal val="#ppt_y"/>
+                                          </p:val>
+                                        </p:tav>
+                                      </p:tavLst>
+                                    </p:anim>
+                                  </p:childTnLst>
+                                </p:cTn>
+                              </p:par>
+                              <p:par>
+                                <p:cTn id="9" presetID="2" presetClass="entr" presetSubtype="3" fill="hold" nodeType="withEffect">
+                                  <p:stCondLst>
+                                    <p:cond delay="0"/>
+                                  </p:stCondLst>
+                                  <p:childTnLst>
+                                    <p:set>
+                                      <p:cBhvr>
+                                        <p:cTn id="10" dur="1" fill="hold">
+                                          <p:stCondLst>
+                                            <p:cond delay="0"/>
+                                          </p:stCondLst>
+                                        </p:cTn>
+                                        <p:tgtEl>
+                                          <p:spTgt spid="4"/>
+                                        </p:tgtEl>
+                                        <p:attrNameLst>
+                                          <p:attrName>style.visibility</p:attrName>
+                                        </p:attrNameLst>
+                                      </p:cBhvr>
+                                      <p:to>
+                                        <p:strVal val="visible"/>
+                                      </p:to>
+                                    </p:set>
+                                    <p:anim calcmode="lin" valueType="num">
+                                      <p:cBhvr additive="base">
+                                        <p:cTn id="11" dur="500" fill="hold"/>
+                                        <p:tgtEl>
+                                          <p:spTgt spid="4"/>
+                                        </p:tgtEl>
+                                        <p:attrNameLst>
+                                          <p:attrName>ppt_x</p:attrName>
+                                        </p:attrNameLst>
+                                      </p:cBhvr>
+                                      <p:tavLst>
+                                        <p:tav tm="0">
+                                          <p:val>
+                                            <p:strVal val="1+#ppt_w/2"/>
+                                          </p:val>
+                                        </p:tav>
+                                        <p:tav tm="100000">
+                                          <p:val>
+                                            <p:strVal val="#ppt_x"/>
+                                          </p:val>
+                                        </p:tav>
+                                      </p:tavLst>
+                                    </p:anim>
+                                    <p:anim calcmode="lin" valueType="num">
+                                      <p:cBhvr additive="base">
+                                        <p:cTn id="12" dur="500" fill="hold"/>
+                                        <p:tgtEl>
+                                          <p:spTgt spid="4"/>
+                                        </p:tgtEl>
+                                        <p:attrNameLst>
+                                          <p:attrName>ppt_y</p:attrName>
+                                        </p:attrNameLst>
+                                      </p:cBhvr>
+                                      <p:tavLst>
+                                        <p:tav tm="0">
+                                          <p:val>
+                                            <p:strVal val="0-#ppt_h/2"/>
+                                          </p:val>
+                                        </p:tav>
+                                        <p:tav tm="100000">
+                                          <p:val>
+                                            <p:strVal val="#ppt_y"/>
+                                          </p:val>
+                                        </p:tav>
+                                      </p:tavLst>
+                                    </p:anim>
+                                  </p:childTnLst>
+                                </p:cTn>
+                              </p:par>
+                            </p:childTnLst>
+                          </p:cTn>
+                        </p:par>
+                      </p:childTnLst>
+                    </p:cTn>
+                  </p:par>
+                  <p:par>
+                    <p:cTn id="13" fill="hold">
+                      <p:stCondLst>
+                        <p:cond delay="indefinite"/>
+                      </p:stCondLst>
+                      <p:childTnLst>
+                        <p:par>
+                          <p:cTn id="14" fill="hold">
+                            <p:stCondLst>
+                              <p:cond delay="0"/>
+                            </p:stCondLst>
+                            <p:childTnLst>
+                              <p:par>
+                                <p:cTn id="15" presetID="35" presetClass="entr" presetSubtype="0" fill="hold" grpId="0" nodeType="clickEffect">
+                                  <p:stCondLst>
+                                    <p:cond delay="0"/>
+                                  </p:stCondLst>
+                                  <p:childTnLst>
+                                    <p:set>
+                                      <p:cBhvr>
+                                        <p:cTn id="16" dur="1" fill="hold">
+                                          <p:stCondLst>
+                                            <p:cond delay="0"/>
+                                          </p:stCondLst>
+                                        </p:cTn>
+                                        <p:tgtEl>
+                                          <p:spTgt spid="5"/>
+                                        </p:tgtEl>
+                                        <p:attrNameLst>
+                                          <p:attrName>style.visibility</p:attrName>
+                                        </p:attrNameLst>
+                                      </p:cBhvr>
+                                      <p:to>
+                                        <p:strVal val="visible"/>
+                                      </p:to>
+                                    </p:set>
+                                    <p:animEffect transition="in" filter="fade">
+                                      <p:cBhvr>
+                                        <p:cTn id="17" dur="500"/>
+                                        <p:tgtEl>
+                                          <p:spTgt spid="5"/>
+                                        </p:tgtEl>
+                                      </p:cBhvr>
+                                    </p:animEffect>
+                                    <p:anim calcmode="lin" valueType="num">
+                                      <p:cBhvr>
+                                        <p:cTn id="18" dur="500" fill="hold"/>
+                                        <p:tgtEl>
+                                          <p:spTgt spid="5"/>
+                                        </p:tgtEl>
+                                        <p:attrNameLst>
+                                          <p:attrName>style.rotation</p:attrName>
+                                        </p:attrNameLst>
+                                      </p:cBhvr>
+                                      <p:tavLst>
+                                        <p:tav tm="0">
+                                          <p:val>
+                                            <p:fltVal val="720"/>
+                                          </p:val>
+                                        </p:tav>
+                                        <p:tav tm="100000">
+                                          <p:val>
+                                            <p:fltVal val="0"/>
+                                          </p:val>
+                                        </p:tav>
+                                      </p:tavLst>
+                                    </p:anim>
+                                    <p:anim calcmode="lin" valueType="num">
+                                      <p:cBhvr>
+                                        <p:cTn id="19" dur="500" fill="hold"/>
+                                        <p:tgtEl>
+                                          <p:spTgt spid="5"/>
+                                        </p:tgtEl>
+                                        <p:attrNameLst>
+                                          <p:attrName>ppt_h</p:attrName>
+                                        </p:attrNameLst>
+                                      </p:cBhvr>
+                                      <p:tavLst>
+                                        <p:tav tm="0">
+                                          <p:val>
+                                            <p:fltVal val="0"/>
+                                          </p:val>
+                                        </p:tav>
+                                        <p:tav tm="100000">
+                                          <p:val>
+                                            <p:strVal val="#ppt_h"/>
+                                          </p:val>
+                                        </p:tav>
+                                      </p:tavLst>
+                                    </p:anim>
+                                    <p:anim calcmode="lin" valueType="num">
+                                      <p:cBhvr>
+                                        <p:cTn id="20" dur="500" fill="hold"/>
+                                        <p:tgtEl>
+                                          <p:spTgt spid="5"/>
+                                        </p:tgtEl>
+                                        <p:attrNameLst>
+                                          <p:attrName>ppt_w</p:attrName>
+                                        </p:attrNameLst>
+                                      </p:cBhvr>
+                                      <p:tavLst>
+                                        <p:tav tm="0">
+                                          <p:val>
+                                            <p:fltVal val="0"/>
+                                          </p:val>
+                                        </p:tav>
+                                        <p:tav tm="100000">
+                                          <p:val>
+                                            <p:strVal val="#ppt_w"/>
+                                          </p:val>
+                                        </p:tav>
+                                      </p:tavLst>
+                                    </p:anim>
                                   </p:childTnLst>
                                 </p:cTn>
                               </p:par>
@@ -6154,11 +8882,15 @@
         </p:cTn>
       </p:par>
     </p:tnLst>
+    <p:bldLst>
+      <p:bldP spid="38918" grpId="0"/>
+      <p:bldP spid="5" grpId="0"/>
+    </p:bldLst>
   </p:timing>
 </p:sld>
 </file>
 
-<file path=ppt/slides/slide6.xml><?xml version="1.0" encoding="utf-8"?>
+<file path=ppt/slides/slide8.xml><?xml version="1.0" encoding="utf-8"?>
 <p:sld xmlns:a="http://schemas.openxmlformats.org/drawingml/2006/main" xmlns:r="http://schemas.openxmlformats.org/officeDocument/2006/relationships" xmlns:p="http://schemas.openxmlformats.org/presentationml/2006/main">
   <p:cSld>
     <p:spTree>
@@ -6991,8 +9723,8 @@
         </p:nvGrpSpPr>
         <p:grpSpPr>
           <a:xfrm>
-            <a:off x="2819400" y="5105400"/>
-            <a:ext cx="3962400" cy="990600"/>
+            <a:off x="3276600" y="5105400"/>
+            <a:ext cx="2971800" cy="990600"/>
             <a:chOff x="2819400" y="5105400"/>
             <a:chExt cx="3962400" cy="990600"/>
           </a:xfrm>
@@ -7098,15 +9830,7 @@
             <a:pPr eaLnBrk="1" hangingPunct="1"/>
             <a:r>
               <a:rPr lang="en-US" sz="4800" dirty="0" smtClean="0"/>
-              <a:t>A </a:t>
-            </a:r>
-            <a:r>
-              <a:rPr lang="en-US" sz="4800" dirty="0" smtClean="0"/>
-              <a:t>Bogus </a:t>
-            </a:r>
-            <a:r>
-              <a:rPr lang="en-US" sz="4800" dirty="0" smtClean="0"/>
-              <a:t>Proof</a:t>
+              <a:t>A Bogus Proof</a:t>
             </a:r>
           </a:p>
         </p:txBody>
@@ -7116,8 +9840,8 @@
   <p:clrMapOvr>
     <a:masterClrMapping/>
   </p:clrMapOvr>
-  <p:transition xmlns:p14="http://schemas.microsoft.com/office/powerpoint/2010/main">
-    <p:fade thruBlk="1"/>
+  <p:transition xmlns:p14="http://schemas.microsoft.com/office/powerpoint/2010/main" spd="slow">
+    <p:fade/>
   </p:transition>
   <p:timing>
     <p:tnLst>
@@ -7438,21 +10162,30 @@
                             </p:childTnLst>
                           </p:cTn>
                         </p:par>
+                      </p:childTnLst>
+                    </p:cTn>
+                  </p:par>
+                  <p:par>
+                    <p:cTn id="29" fill="hold">
+                      <p:stCondLst>
+                        <p:cond delay="indefinite"/>
+                      </p:stCondLst>
+                      <p:childTnLst>
                         <p:par>
-                          <p:cTn id="29" fill="hold">
+                          <p:cTn id="30" fill="hold">
                             <p:stCondLst>
-                              <p:cond delay="1000"/>
+                              <p:cond delay="0"/>
                             </p:stCondLst>
                             <p:childTnLst>
                               <p:par>
-                                <p:cTn id="30" presetID="37" presetClass="entr" presetSubtype="0" fill="hold" nodeType="afterEffect">
+                                <p:cTn id="31" presetID="16" presetClass="entr" presetSubtype="21" fill="hold" nodeType="clickEffect">
                                   <p:stCondLst>
                                     <p:cond delay="0"/>
                                   </p:stCondLst>
                                   <p:childTnLst>
                                     <p:set>
                                       <p:cBhvr>
-                                        <p:cTn id="31" dur="1" fill="hold">
+                                        <p:cTn id="32" dur="1" fill="hold">
                                           <p:stCondLst>
                                             <p:cond delay="0"/>
                                           </p:stCondLst>
@@ -7468,87 +10201,14 @@
                                         <p:strVal val="visible"/>
                                       </p:to>
                                     </p:set>
-                                    <p:animEffect transition="in" filter="fade">
+                                    <p:animEffect transition="in" filter="barn(inVertical)">
                                       <p:cBhvr>
-                                        <p:cTn id="32" dur="500"/>
+                                        <p:cTn id="33" dur="1000"/>
                                         <p:tgtEl>
                                           <p:spTgt spid="24"/>
                                         </p:tgtEl>
                                       </p:cBhvr>
                                     </p:animEffect>
-                                    <p:anim calcmode="lin" valueType="num">
-                                      <p:cBhvr>
-                                        <p:cTn id="33" dur="500" fill="hold"/>
-                                        <p:tgtEl>
-                                          <p:spTgt spid="24"/>
-                                        </p:tgtEl>
-                                        <p:attrNameLst>
-                                          <p:attrName>ppt_x</p:attrName>
-                                        </p:attrNameLst>
-                                      </p:cBhvr>
-                                      <p:tavLst>
-                                        <p:tav tm="0">
-                                          <p:val>
-                                            <p:strVal val="#ppt_x"/>
-                                          </p:val>
-                                        </p:tav>
-                                        <p:tav tm="100000">
-                                          <p:val>
-                                            <p:strVal val="#ppt_x"/>
-                                          </p:val>
-                                        </p:tav>
-                                      </p:tavLst>
-                                    </p:anim>
-                                    <p:anim calcmode="lin" valueType="num">
-                                      <p:cBhvr>
-                                        <p:cTn id="34" dur="450" decel="100000" fill="hold"/>
-                                        <p:tgtEl>
-                                          <p:spTgt spid="24"/>
-                                        </p:tgtEl>
-                                        <p:attrNameLst>
-                                          <p:attrName>ppt_y</p:attrName>
-                                        </p:attrNameLst>
-                                      </p:cBhvr>
-                                      <p:tavLst>
-                                        <p:tav tm="0">
-                                          <p:val>
-                                            <p:strVal val="#ppt_y+1"/>
-                                          </p:val>
-                                        </p:tav>
-                                        <p:tav tm="100000">
-                                          <p:val>
-                                            <p:strVal val="#ppt_y-.03"/>
-                                          </p:val>
-                                        </p:tav>
-                                      </p:tavLst>
-                                    </p:anim>
-                                    <p:anim calcmode="lin" valueType="num">
-                                      <p:cBhvr>
-                                        <p:cTn id="35" dur="50" accel="100000" fill="hold">
-                                          <p:stCondLst>
-                                            <p:cond delay="450"/>
-                                          </p:stCondLst>
-                                        </p:cTn>
-                                        <p:tgtEl>
-                                          <p:spTgt spid="24"/>
-                                        </p:tgtEl>
-                                        <p:attrNameLst>
-                                          <p:attrName>ppt_y</p:attrName>
-                                        </p:attrNameLst>
-                                      </p:cBhvr>
-                                      <p:tavLst>
-                                        <p:tav tm="0">
-                                          <p:val>
-                                            <p:strVal val="#ppt_y-.03"/>
-                                          </p:val>
-                                        </p:tav>
-                                        <p:tav tm="100000">
-                                          <p:val>
-                                            <p:strVal val="#ppt_y"/>
-                                          </p:val>
-                                        </p:tav>
-                                      </p:tavLst>
-                                    </p:anim>
                                   </p:childTnLst>
                                 </p:cTn>
                               </p:par>
@@ -7586,7 +10246,7 @@
 </p:sld>
 </file>
 
-<file path=ppt/slides/slide7.xml><?xml version="1.0" encoding="utf-8"?>
+<file path=ppt/slides/slide9.xml><?xml version="1.0" encoding="utf-8"?>
 <p:sld xmlns:a="http://schemas.openxmlformats.org/drawingml/2006/main" xmlns:r="http://schemas.openxmlformats.org/officeDocument/2006/relationships" xmlns:p="http://schemas.openxmlformats.org/presentationml/2006/main">
   <p:cSld>
     <p:spTree>
@@ -7793,83 +10453,6 @@
       </p:sp>
       <p:sp>
         <p:nvSpPr>
-          <p:cNvPr id="22" name="Text Box 3"/>
-          <p:cNvSpPr txBox="1">
-            <a:spLocks noChangeArrowheads="1"/>
-          </p:cNvSpPr>
-          <p:nvPr/>
-        </p:nvSpPr>
-        <p:spPr bwMode="auto">
-          <a:xfrm>
-            <a:off x="304800" y="4818063"/>
-            <a:ext cx="8744702" cy="830997"/>
-          </a:xfrm>
-          <a:prstGeom prst="rect">
-            <a:avLst/>
-          </a:prstGeom>
-          <a:noFill/>
-          <a:ln w="9525">
-            <a:noFill/>
-            <a:miter lim="800000"/>
-            <a:headEnd/>
-            <a:tailEnd type="none" w="lg" len="lg"/>
-          </a:ln>
-        </p:spPr>
-        <p:txBody>
-          <a:bodyPr wrap="none">
-            <a:spAutoFit/>
-          </a:bodyPr>
-          <a:lstStyle/>
-          <a:p>
-            <a:r>
-              <a:rPr lang="en-US" sz="4800" dirty="0">
-                <a:solidFill>
-                  <a:srgbClr val="009900"/>
-                </a:solidFill>
-                <a:latin typeface="Comic Sans MS" pitchFamily="66" charset="0"/>
-              </a:rPr>
-              <a:t>(But proof works for all n </a:t>
-            </a:r>
-            <a:r>
-              <a:rPr lang="en-US" sz="4800" b="1" dirty="0">
-                <a:solidFill>
-                  <a:srgbClr val="009900"/>
-                </a:solidFill>
-                <a:latin typeface="Comic Sans MS" pitchFamily="66" charset="0"/>
-                <a:cs typeface="Times New Roman" pitchFamily="18" charset="0"/>
-              </a:rPr>
-              <a:t>≠</a:t>
-            </a:r>
-            <a:r>
-              <a:rPr lang="en-US" sz="4800" dirty="0">
-                <a:solidFill>
-                  <a:srgbClr val="009900"/>
-                </a:solidFill>
-                <a:latin typeface="Comic Sans MS" pitchFamily="66" charset="0"/>
-                <a:sym typeface="Comic Sans MS" pitchFamily="66" charset="0"/>
-              </a:rPr>
-              <a:t> </a:t>
-            </a:r>
-            <a:r>
-              <a:rPr lang="en-US" sz="4800" dirty="0">
-                <a:solidFill>
-                  <a:srgbClr val="009900"/>
-                </a:solidFill>
-                <a:latin typeface="Comic Sans MS" pitchFamily="66" charset="0"/>
-              </a:rPr>
-              <a:t>1)</a:t>
-            </a:r>
-            <a:endParaRPr lang="en-US" sz="4000" dirty="0">
-              <a:solidFill>
-                <a:srgbClr val="009900"/>
-              </a:solidFill>
-              <a:latin typeface="Comic Sans MS" pitchFamily="66" charset="0"/>
-            </a:endParaRPr>
-          </a:p>
-        </p:txBody>
-      </p:sp>
-      <p:sp>
-        <p:nvSpPr>
           <p:cNvPr id="6" name="TextBox 5"/>
           <p:cNvSpPr txBox="1"/>
           <p:nvPr/>
@@ -8004,15 +10587,7 @@
             <a:pPr eaLnBrk="1" hangingPunct="1"/>
             <a:r>
               <a:rPr lang="en-US" sz="4800" dirty="0" smtClean="0"/>
-              <a:t>A </a:t>
-            </a:r>
-            <a:r>
-              <a:rPr lang="en-US" sz="4800" dirty="0" smtClean="0"/>
-              <a:t>Bogus </a:t>
-            </a:r>
-            <a:r>
-              <a:rPr lang="en-US" sz="4800" dirty="0" smtClean="0"/>
-              <a:t>Proof</a:t>
+              <a:t>A Bogus Proof</a:t>
             </a:r>
           </a:p>
         </p:txBody>
@@ -8025,7 +10600,7 @@
         </p:nvSpPr>
         <p:spPr>
           <a:xfrm>
-            <a:off x="2209800" y="4876800"/>
+            <a:off x="1981200" y="5562600"/>
             <a:ext cx="4891033" cy="769441"/>
           </a:xfrm>
           <a:prstGeom prst="rect">
@@ -8048,27 +10623,272 @@
               </a:rPr>
               <a:t>mislead by ellipsis</a:t>
             </a:r>
-            <a:endParaRPr lang="en-US" sz="4400" dirty="0" smtClean="0">
-              <a:solidFill>
-                <a:srgbClr val="BC34CA"/>
-              </a:solidFill>
-              <a:latin typeface="Comic Sans MS" pitchFamily="66" charset="0"/>
-            </a:endParaRPr>
           </a:p>
         </p:txBody>
       </p:sp>
+      <p:grpSp>
+        <p:nvGrpSpPr>
+          <p:cNvPr id="9" name="Group 3"/>
+          <p:cNvGrpSpPr>
+            <a:grpSpLocks/>
+          </p:cNvGrpSpPr>
+          <p:nvPr/>
+        </p:nvGrpSpPr>
+        <p:grpSpPr bwMode="auto">
+          <a:xfrm>
+            <a:off x="990600" y="4495800"/>
+            <a:ext cx="6662738" cy="923925"/>
+            <a:chOff x="624" y="2832"/>
+            <a:chExt cx="4197" cy="582"/>
+          </a:xfrm>
+        </p:grpSpPr>
+        <p:pic>
+          <p:nvPicPr>
+            <p:cNvPr id="10" name="Picture 4" descr="AN02479_"/>
+            <p:cNvPicPr>
+              <a:picLocks noChangeAspect="1" noChangeArrowheads="1"/>
+            </p:cNvPicPr>
+            <p:nvPr/>
+          </p:nvPicPr>
+          <p:blipFill>
+            <a:blip r:embed="rId3" cstate="print"/>
+            <a:srcRect/>
+            <a:stretch>
+              <a:fillRect/>
+            </a:stretch>
+          </p:blipFill>
+          <p:spPr bwMode="auto">
+            <a:xfrm>
+              <a:off x="624" y="2832"/>
+              <a:ext cx="597" cy="534"/>
+            </a:xfrm>
+            <a:prstGeom prst="rect">
+              <a:avLst/>
+            </a:prstGeom>
+            <a:noFill/>
+            <a:ln w="9525">
+              <a:noFill/>
+              <a:miter lim="800000"/>
+              <a:headEnd/>
+              <a:tailEnd/>
+            </a:ln>
+          </p:spPr>
+        </p:pic>
+        <p:pic>
+          <p:nvPicPr>
+            <p:cNvPr id="11" name="Picture 5" descr="AN02479_"/>
+            <p:cNvPicPr>
+              <a:picLocks noChangeAspect="1" noChangeArrowheads="1"/>
+            </p:cNvPicPr>
+            <p:nvPr/>
+          </p:nvPicPr>
+          <p:blipFill>
+            <a:blip r:embed="rId3" cstate="print"/>
+            <a:srcRect/>
+            <a:stretch>
+              <a:fillRect/>
+            </a:stretch>
+          </p:blipFill>
+          <p:spPr bwMode="auto">
+            <a:xfrm>
+              <a:off x="1872" y="2832"/>
+              <a:ext cx="597" cy="534"/>
+            </a:xfrm>
+            <a:prstGeom prst="rect">
+              <a:avLst/>
+            </a:prstGeom>
+            <a:noFill/>
+            <a:ln w="9525">
+              <a:noFill/>
+              <a:miter lim="800000"/>
+              <a:headEnd/>
+              <a:tailEnd/>
+            </a:ln>
+          </p:spPr>
+        </p:pic>
+        <p:pic>
+          <p:nvPicPr>
+            <p:cNvPr id="12" name="Picture 6" descr="AN02479_"/>
+            <p:cNvPicPr>
+              <a:picLocks noChangeAspect="1" noChangeArrowheads="1"/>
+            </p:cNvPicPr>
+            <p:nvPr/>
+          </p:nvPicPr>
+          <p:blipFill>
+            <a:blip r:embed="rId3" cstate="print"/>
+            <a:srcRect/>
+            <a:stretch>
+              <a:fillRect/>
+            </a:stretch>
+          </p:blipFill>
+          <p:spPr bwMode="auto">
+            <a:xfrm>
+              <a:off x="2448" y="2832"/>
+              <a:ext cx="597" cy="534"/>
+            </a:xfrm>
+            <a:prstGeom prst="rect">
+              <a:avLst/>
+            </a:prstGeom>
+            <a:noFill/>
+            <a:ln w="9525">
+              <a:noFill/>
+              <a:miter lim="800000"/>
+              <a:headEnd/>
+              <a:tailEnd/>
+            </a:ln>
+          </p:spPr>
+        </p:pic>
+        <p:pic>
+          <p:nvPicPr>
+            <p:cNvPr id="13" name="Picture 7" descr="AN02479_"/>
+            <p:cNvPicPr>
+              <a:picLocks noChangeAspect="1" noChangeArrowheads="1"/>
+            </p:cNvPicPr>
+            <p:nvPr/>
+          </p:nvPicPr>
+          <p:blipFill>
+            <a:blip r:embed="rId3" cstate="print"/>
+            <a:srcRect/>
+            <a:stretch>
+              <a:fillRect/>
+            </a:stretch>
+          </p:blipFill>
+          <p:spPr bwMode="auto">
+            <a:xfrm>
+              <a:off x="3600" y="2832"/>
+              <a:ext cx="597" cy="534"/>
+            </a:xfrm>
+            <a:prstGeom prst="rect">
+              <a:avLst/>
+            </a:prstGeom>
+            <a:noFill/>
+            <a:ln w="9525">
+              <a:noFill/>
+              <a:miter lim="800000"/>
+              <a:headEnd/>
+              <a:tailEnd/>
+            </a:ln>
+          </p:spPr>
+        </p:pic>
+        <p:sp>
+          <p:nvSpPr>
+            <p:cNvPr id="14" name="Text Box 8"/>
+            <p:cNvSpPr txBox="1">
+              <a:spLocks noChangeArrowheads="1"/>
+            </p:cNvSpPr>
+            <p:nvPr/>
+          </p:nvSpPr>
+          <p:spPr bwMode="auto">
+            <a:xfrm>
+              <a:off x="3024" y="2832"/>
+              <a:ext cx="553" cy="582"/>
+            </a:xfrm>
+            <a:prstGeom prst="rect">
+              <a:avLst/>
+            </a:prstGeom>
+            <a:noFill/>
+            <a:ln w="9525">
+              <a:noFill/>
+              <a:miter lim="800000"/>
+              <a:headEnd/>
+              <a:tailEnd type="none" w="lg" len="lg"/>
+            </a:ln>
+          </p:spPr>
+          <p:txBody>
+            <a:bodyPr wrap="none">
+              <a:spAutoFit/>
+            </a:bodyPr>
+            <a:lstStyle/>
+            <a:p>
+              <a:r>
+                <a:rPr lang="en-US" sz="5400" dirty="0">
+                  <a:solidFill>
+                    <a:srgbClr val="BC34CA"/>
+                  </a:solidFill>
+                  <a:latin typeface="Times New Roman" pitchFamily="18" charset="0"/>
+                </a:rPr>
+                <a:t>…</a:t>
+              </a:r>
+            </a:p>
+          </p:txBody>
+        </p:sp>
+        <p:pic>
+          <p:nvPicPr>
+            <p:cNvPr id="15" name="Picture 9" descr="AN02479_"/>
+            <p:cNvPicPr>
+              <a:picLocks noChangeAspect="1" noChangeArrowheads="1"/>
+            </p:cNvPicPr>
+            <p:nvPr/>
+          </p:nvPicPr>
+          <p:blipFill>
+            <a:blip r:embed="rId3" cstate="print"/>
+            <a:srcRect/>
+            <a:stretch>
+              <a:fillRect/>
+            </a:stretch>
+          </p:blipFill>
+          <p:spPr bwMode="auto">
+            <a:xfrm>
+              <a:off x="1248" y="2832"/>
+              <a:ext cx="597" cy="534"/>
+            </a:xfrm>
+            <a:prstGeom prst="rect">
+              <a:avLst/>
+            </a:prstGeom>
+            <a:noFill/>
+            <a:ln w="9525">
+              <a:noFill/>
+              <a:miter lim="800000"/>
+              <a:headEnd/>
+              <a:tailEnd/>
+            </a:ln>
+          </p:spPr>
+        </p:pic>
+        <p:pic>
+          <p:nvPicPr>
+            <p:cNvPr id="16" name="Picture 10" descr="AN02479_"/>
+            <p:cNvPicPr>
+              <a:picLocks noChangeAspect="1" noChangeArrowheads="1"/>
+            </p:cNvPicPr>
+            <p:nvPr/>
+          </p:nvPicPr>
+          <p:blipFill>
+            <a:blip r:embed="rId3" cstate="print"/>
+            <a:srcRect/>
+            <a:stretch>
+              <a:fillRect/>
+            </a:stretch>
+          </p:blipFill>
+          <p:spPr bwMode="auto">
+            <a:xfrm>
+              <a:off x="4224" y="2832"/>
+              <a:ext cx="597" cy="534"/>
+            </a:xfrm>
+            <a:prstGeom prst="rect">
+              <a:avLst/>
+            </a:prstGeom>
+            <a:noFill/>
+            <a:ln w="9525">
+              <a:noFill/>
+              <a:miter lim="800000"/>
+              <a:headEnd/>
+              <a:tailEnd/>
+            </a:ln>
+          </p:spPr>
+        </p:pic>
+      </p:grpSp>
     </p:spTree>
   </p:cSld>
   <p:clrMapOvr>
     <a:masterClrMapping/>
   </p:clrMapOvr>
-  <mc:AlternateContent xmlns:mc="http://schemas.openxmlformats.org/markup-compatibility/2006">
-    <mc:Choice xmlns:p14="http://schemas.microsoft.com/office/powerpoint/2010/main" Requires="p14">
+  <mc:AlternateContent xmlns:mc="http://schemas.openxmlformats.org/markup-compatibility/2006" xmlns:p14="http://schemas.microsoft.com/office/powerpoint/2010/main">
+    <mc:Choice Requires="p14">
       <p:transition spd="med" p14:dur="700">
         <p:fade/>
       </p:transition>
     </mc:Choice>
-    <mc:Fallback>
+    <mc:Fallback xmlns="">
       <p:transition xmlns:p14="http://schemas.microsoft.com/office/powerpoint/2010/main" spd="med">
         <p:fade/>
       </p:transition>
@@ -8077,124 +10897,9 @@
   <p:timing>
     <p:tnLst>
       <p:par>
-        <p:cTn xmlns:p14="http://schemas.microsoft.com/office/powerpoint/2010/main" id="1" dur="indefinite" restart="never" nodeType="tmRoot">
-          <p:childTnLst>
-            <p:seq concurrent="1" nextAc="seek">
-              <p:cTn id="2" dur="indefinite" nodeType="mainSeq">
-                <p:childTnLst>
-                  <p:par>
-                    <p:cTn id="3" fill="hold">
-                      <p:stCondLst>
-                        <p:cond delay="indefinite"/>
-                      </p:stCondLst>
-                      <p:childTnLst>
-                        <p:par>
-                          <p:cTn id="4" fill="hold">
-                            <p:stCondLst>
-                              <p:cond delay="0"/>
-                            </p:stCondLst>
-                            <p:childTnLst>
-                              <p:par>
-                                <p:cTn id="5" presetID="9" presetClass="exit" presetSubtype="0" fill="hold" grpId="0" nodeType="clickEffect">
-                                  <p:stCondLst>
-                                    <p:cond delay="0"/>
-                                  </p:stCondLst>
-                                  <p:childTnLst>
-                                    <p:animEffect transition="out" filter="dissolve">
-                                      <p:cBhvr>
-                                        <p:cTn id="6" dur="500"/>
-                                        <p:tgtEl>
-                                          <p:spTgt spid="3"/>
-                                        </p:tgtEl>
-                                      </p:cBhvr>
-                                    </p:animEffect>
-                                    <p:set>
-                                      <p:cBhvr>
-                                        <p:cTn id="7" dur="1" fill="hold">
-                                          <p:stCondLst>
-                                            <p:cond delay="499"/>
-                                          </p:stCondLst>
-                                        </p:cTn>
-                                        <p:tgtEl>
-                                          <p:spTgt spid="3"/>
-                                        </p:tgtEl>
-                                        <p:attrNameLst>
-                                          <p:attrName>style.visibility</p:attrName>
-                                        </p:attrNameLst>
-                                      </p:cBhvr>
-                                      <p:to>
-                                        <p:strVal val="hidden"/>
-                                      </p:to>
-                                    </p:set>
-                                  </p:childTnLst>
-                                </p:cTn>
-                              </p:par>
-                              <p:par>
-                                <p:cTn id="8" presetID="10" presetClass="entr" presetSubtype="0" fill="hold" grpId="0" nodeType="withEffect">
-                                  <p:stCondLst>
-                                    <p:cond delay="0"/>
-                                  </p:stCondLst>
-                                  <p:childTnLst>
-                                    <p:set>
-                                      <p:cBhvr>
-                                        <p:cTn id="9" dur="1" fill="hold">
-                                          <p:stCondLst>
-                                            <p:cond delay="0"/>
-                                          </p:stCondLst>
-                                        </p:cTn>
-                                        <p:tgtEl>
-                                          <p:spTgt spid="22"/>
-                                        </p:tgtEl>
-                                        <p:attrNameLst>
-                                          <p:attrName>style.visibility</p:attrName>
-                                        </p:attrNameLst>
-                                      </p:cBhvr>
-                                      <p:to>
-                                        <p:strVal val="visible"/>
-                                      </p:to>
-                                    </p:set>
-                                    <p:animEffect transition="in" filter="fade">
-                                      <p:cBhvr>
-                                        <p:cTn id="10" dur="1000"/>
-                                        <p:tgtEl>
-                                          <p:spTgt spid="22"/>
-                                        </p:tgtEl>
-                                      </p:cBhvr>
-                                    </p:animEffect>
-                                  </p:childTnLst>
-                                </p:cTn>
-                              </p:par>
-                            </p:childTnLst>
-                          </p:cTn>
-                        </p:par>
-                      </p:childTnLst>
-                    </p:cTn>
-                  </p:par>
-                </p:childTnLst>
-              </p:cTn>
-              <p:prevCondLst>
-                <p:cond evt="onPrev" delay="0">
-                  <p:tgtEl>
-                    <p:sldTgt/>
-                  </p:tgtEl>
-                </p:cond>
-              </p:prevCondLst>
-              <p:nextCondLst>
-                <p:cond evt="onNext" delay="0">
-                  <p:tgtEl>
-                    <p:sldTgt/>
-                  </p:tgtEl>
-                </p:cond>
-              </p:nextCondLst>
-            </p:seq>
-          </p:childTnLst>
-        </p:cTn>
+        <p:cTn xmlns:p14="http://schemas.microsoft.com/office/powerpoint/2010/main" id="1" dur="indefinite" restart="never" nodeType="tmRoot"/>
       </p:par>
     </p:tnLst>
-    <p:bldLst>
-      <p:bldP spid="22" grpId="0"/>
-      <p:bldP spid="3" grpId="0"/>
-    </p:bldLst>
   </p:timing>
 </p:sld>
 </file>

--- a/spring12/slidesS12/bogus-induction.pptx
+++ b/spring12/slidesS12/bogus-induction.pptx
@@ -208,7 +208,7 @@
             <a:fld id="{D875CB5D-1501-4E8C-8449-8F562B53033D}" type="datetimeFigureOut">
               <a:rPr lang="en-US" smtClean="0"/>
               <a:pPr/>
-              <a:t>2/21/12</a:t>
+              <a:t>2/23/12</a:t>
             </a:fld>
             <a:endParaRPr lang="en-US"/>
           </a:p>
@@ -375,7 +375,7 @@
             <a:fld id="{2E64E5CB-D4EF-403A-9BB6-139C52688DF7}" type="datetimeFigureOut">
               <a:rPr lang="en-US" smtClean="0"/>
               <a:pPr/>
-              <a:t>2/21/12</a:t>
+              <a:t>2/23/12</a:t>
             </a:fld>
             <a:endParaRPr lang="en-US"/>
           </a:p>
@@ -5855,7 +5855,7 @@
 </file>
 
 <file path=ppt/slides/slide5.xml><?xml version="1.0" encoding="utf-8"?>
-<p:sld xmlns:a="http://schemas.openxmlformats.org/drawingml/2006/main" xmlns:r="http://schemas.openxmlformats.org/officeDocument/2006/relationships" xmlns:p="http://schemas.openxmlformats.org/presentationml/2006/main">
+<p:sld xmlns:a="http://schemas.openxmlformats.org/drawingml/2006/main" xmlns:r="http://schemas.openxmlformats.org/officeDocument/2006/relationships" xmlns:p="http://schemas.openxmlformats.org/presentationml/2006/main" show="0">
   <p:cSld>
     <p:spTree>
       <p:nvGrpSpPr>
@@ -6678,6 +6678,14 @@
   <p:clrMapOvr>
     <a:masterClrMapping/>
   </p:clrMapOvr>
+  <mc:AlternateContent xmlns:mc="http://schemas.openxmlformats.org/markup-compatibility/2006">
+    <mc:Choice xmlns:p14="http://schemas.microsoft.com/office/powerpoint/2010/main" Requires="p14">
+      <p:transition spd="slow" p14:dur="2000"/>
+    </mc:Choice>
+    <mc:Fallback>
+      <p:transition xmlns:p14="http://schemas.microsoft.com/office/powerpoint/2010/main" spd="slow"/>
+    </mc:Fallback>
+  </mc:AlternateContent>
   <p:timing>
     <p:tnLst>
       <p:par>
@@ -7753,6 +7761,9 @@
                     <p:cTn id="3" fill="hold">
                       <p:stCondLst>
                         <p:cond delay="indefinite"/>
+                        <p:cond evt="onBegin" delay="0">
+                          <p:tn val="2"/>
+                        </p:cond>
                       </p:stCondLst>
                       <p:childTnLst>
                         <p:par>
@@ -7762,7 +7773,7 @@
                             </p:stCondLst>
                             <p:childTnLst>
                               <p:par>
-                                <p:cTn id="5" presetID="2" presetClass="entr" presetSubtype="1" fill="hold" nodeType="clickEffect">
+                                <p:cTn id="5" presetID="2" presetClass="entr" presetSubtype="8" fill="hold" nodeType="withEffect">
                                   <p:stCondLst>
                                     <p:cond delay="0"/>
                                   </p:stCondLst>
@@ -7770,88 +7781,6 @@
                                     <p:set>
                                       <p:cBhvr>
                                         <p:cTn id="6" dur="1" fill="hold">
-                                          <p:stCondLst>
-                                            <p:cond delay="0"/>
-                                          </p:stCondLst>
-                                        </p:cTn>
-                                        <p:tgtEl>
-                                          <p:spTgt spid="4"/>
-                                        </p:tgtEl>
-                                        <p:attrNameLst>
-                                          <p:attrName>style.visibility</p:attrName>
-                                        </p:attrNameLst>
-                                      </p:cBhvr>
-                                      <p:to>
-                                        <p:strVal val="visible"/>
-                                      </p:to>
-                                    </p:set>
-                                    <p:anim calcmode="lin" valueType="num">
-                                      <p:cBhvr additive="base">
-                                        <p:cTn id="7" dur="500" fill="hold"/>
-                                        <p:tgtEl>
-                                          <p:spTgt spid="4"/>
-                                        </p:tgtEl>
-                                        <p:attrNameLst>
-                                          <p:attrName>ppt_x</p:attrName>
-                                        </p:attrNameLst>
-                                      </p:cBhvr>
-                                      <p:tavLst>
-                                        <p:tav tm="0">
-                                          <p:val>
-                                            <p:strVal val="#ppt_x"/>
-                                          </p:val>
-                                        </p:tav>
-                                        <p:tav tm="100000">
-                                          <p:val>
-                                            <p:strVal val="#ppt_x"/>
-                                          </p:val>
-                                        </p:tav>
-                                      </p:tavLst>
-                                    </p:anim>
-                                    <p:anim calcmode="lin" valueType="num">
-                                      <p:cBhvr additive="base">
-                                        <p:cTn id="8" dur="500" fill="hold"/>
-                                        <p:tgtEl>
-                                          <p:spTgt spid="4"/>
-                                        </p:tgtEl>
-                                        <p:attrNameLst>
-                                          <p:attrName>ppt_y</p:attrName>
-                                        </p:attrNameLst>
-                                      </p:cBhvr>
-                                      <p:tavLst>
-                                        <p:tav tm="0">
-                                          <p:val>
-                                            <p:strVal val="0-#ppt_h/2"/>
-                                          </p:val>
-                                        </p:tav>
-                                        <p:tav tm="100000">
-                                          <p:val>
-                                            <p:strVal val="#ppt_y"/>
-                                          </p:val>
-                                        </p:tav>
-                                      </p:tavLst>
-                                    </p:anim>
-                                  </p:childTnLst>
-                                </p:cTn>
-                              </p:par>
-                            </p:childTnLst>
-                          </p:cTn>
-                        </p:par>
-                        <p:par>
-                          <p:cTn id="9" fill="hold">
-                            <p:stCondLst>
-                              <p:cond delay="500"/>
-                            </p:stCondLst>
-                            <p:childTnLst>
-                              <p:par>
-                                <p:cTn id="10" presetID="2" presetClass="entr" presetSubtype="3" fill="hold" nodeType="afterEffect">
-                                  <p:stCondLst>
-                                    <p:cond delay="0"/>
-                                  </p:stCondLst>
-                                  <p:childTnLst>
-                                    <p:set>
-                                      <p:cBhvr>
-                                        <p:cTn id="11" dur="1" fill="hold">
                                           <p:stCondLst>
                                             <p:cond delay="0"/>
                                           </p:stCondLst>
@@ -7869,7 +7798,7 @@
                                     </p:set>
                                     <p:anim calcmode="lin" valueType="num">
                                       <p:cBhvr additive="base">
-                                        <p:cTn id="12" dur="1000" fill="hold"/>
+                                        <p:cTn id="7" dur="1000" fill="hold"/>
                                         <p:tgtEl>
                                           <p:spTgt spid="3"/>
                                         </p:tgtEl>
@@ -7880,7 +7809,7 @@
                                       <p:tavLst>
                                         <p:tav tm="0">
                                           <p:val>
-                                            <p:strVal val="1+#ppt_w/2"/>
+                                            <p:strVal val="0-#ppt_w/2"/>
                                           </p:val>
                                         </p:tav>
                                         <p:tav tm="100000">
@@ -7892,7 +7821,7 @@
                                     </p:anim>
                                     <p:anim calcmode="lin" valueType="num">
                                       <p:cBhvr additive="base">
-                                        <p:cTn id="13" dur="1000" fill="hold"/>
+                                        <p:cTn id="8" dur="1000" fill="hold"/>
                                         <p:tgtEl>
                                           <p:spTgt spid="3"/>
                                         </p:tgtEl>
@@ -7903,7 +7832,7 @@
                                       <p:tavLst>
                                         <p:tav tm="0">
                                           <p:val>
-                                            <p:strVal val="0-#ppt_h/2"/>
+                                            <p:strVal val="#ppt_y"/>
                                           </p:val>
                                         </p:tav>
                                         <p:tav tm="100000">
@@ -7930,6 +7859,97 @@
                                       </p:to>
                                     </p:animClr>
                                   </p:subTnLst>
+                                </p:cTn>
+                              </p:par>
+                            </p:childTnLst>
+                          </p:cTn>
+                        </p:par>
+                      </p:childTnLst>
+                    </p:cTn>
+                  </p:par>
+                  <p:par>
+                    <p:cTn id="9" fill="hold">
+                      <p:stCondLst>
+                        <p:cond delay="indefinite"/>
+                      </p:stCondLst>
+                      <p:childTnLst>
+                        <p:par>
+                          <p:cTn id="10" fill="hold">
+                            <p:stCondLst>
+                              <p:cond delay="0"/>
+                            </p:stCondLst>
+                            <p:childTnLst>
+                              <p:par>
+                                <p:cTn id="11" presetID="2" presetClass="entr" presetSubtype="2" fill="hold" nodeType="clickEffect">
+                                  <p:stCondLst>
+                                    <p:cond delay="0"/>
+                                  </p:stCondLst>
+                                  <p:childTnLst>
+                                    <p:set>
+                                      <p:cBhvr>
+                                        <p:cTn id="12" dur="1" fill="hold">
+                                          <p:stCondLst>
+                                            <p:cond delay="0"/>
+                                          </p:stCondLst>
+                                        </p:cTn>
+                                        <p:tgtEl>
+                                          <p:spTgt spid="4"/>
+                                        </p:tgtEl>
+                                        <p:attrNameLst>
+                                          <p:attrName>style.visibility</p:attrName>
+                                        </p:attrNameLst>
+                                      </p:cBhvr>
+                                      <p:to>
+                                        <p:strVal val="visible"/>
+                                      </p:to>
+                                    </p:set>
+                                    <p:anim calcmode="lin" valueType="num">
+                                      <p:cBhvr additive="base">
+                                        <p:cTn id="13" dur="1000" fill="hold"/>
+                                        <p:tgtEl>
+                                          <p:spTgt spid="4"/>
+                                        </p:tgtEl>
+                                        <p:attrNameLst>
+                                          <p:attrName>ppt_x</p:attrName>
+                                        </p:attrNameLst>
+                                      </p:cBhvr>
+                                      <p:tavLst>
+                                        <p:tav tm="0">
+                                          <p:val>
+                                            <p:strVal val="1+#ppt_w/2"/>
+                                          </p:val>
+                                        </p:tav>
+                                        <p:tav tm="100000">
+                                          <p:val>
+                                            <p:strVal val="#ppt_x"/>
+                                          </p:val>
+                                        </p:tav>
+                                      </p:tavLst>
+                                    </p:anim>
+                                    <p:anim calcmode="lin" valueType="num">
+                                      <p:cBhvr additive="base">
+                                        <p:cTn id="14" dur="1000" fill="hold"/>
+                                        <p:tgtEl>
+                                          <p:spTgt spid="4"/>
+                                        </p:tgtEl>
+                                        <p:attrNameLst>
+                                          <p:attrName>ppt_y</p:attrName>
+                                        </p:attrNameLst>
+                                      </p:cBhvr>
+                                      <p:tavLst>
+                                        <p:tav tm="0">
+                                          <p:val>
+                                            <p:strVal val="#ppt_y"/>
+                                          </p:val>
+                                        </p:tav>
+                                        <p:tav tm="100000">
+                                          <p:val>
+                                            <p:strVal val="#ppt_y"/>
+                                          </p:val>
+                                        </p:tav>
+                                      </p:tavLst>
+                                    </p:anim>
+                                  </p:childTnLst>
                                 </p:cTn>
                               </p:par>
                             </p:childTnLst>
@@ -9717,16 +9737,16 @@
       </p:sp>
       <p:grpSp>
         <p:nvGrpSpPr>
-          <p:cNvPr id="24" name="Group 23"/>
+          <p:cNvPr id="6" name="Group 5"/>
           <p:cNvGrpSpPr/>
           <p:nvPr/>
         </p:nvGrpSpPr>
         <p:grpSpPr>
           <a:xfrm>
-            <a:off x="3276600" y="5105400"/>
-            <a:ext cx="2971800" cy="990600"/>
-            <a:chOff x="2819400" y="5105400"/>
-            <a:chExt cx="3962400" cy="990600"/>
+            <a:off x="3733800" y="5105400"/>
+            <a:ext cx="2514600" cy="990600"/>
+            <a:chOff x="3733800" y="5105400"/>
+            <a:chExt cx="2514600" cy="990600"/>
           </a:xfrm>
         </p:grpSpPr>
         <p:sp>
@@ -9737,8 +9757,8 @@
           </p:nvSpPr>
           <p:spPr>
             <a:xfrm>
-              <a:off x="2819400" y="5105400"/>
-              <a:ext cx="3962400" cy="990600"/>
+              <a:off x="3733800" y="5105400"/>
+              <a:ext cx="2514600" cy="990600"/>
             </a:xfrm>
             <a:prstGeom prst="roundRect">
               <a:avLst/>
@@ -9780,8 +9800,8 @@
           </p:nvSpPr>
           <p:spPr>
             <a:xfrm>
-              <a:off x="3733800" y="5257800"/>
-              <a:ext cx="2012290" cy="584776"/>
+              <a:off x="3962400" y="5257800"/>
+              <a:ext cx="1509218" cy="584776"/>
             </a:xfrm>
             <a:prstGeom prst="rect">
               <a:avLst/>
@@ -9906,15 +9926,33 @@
                                   </p:childTnLst>
                                 </p:cTn>
                               </p:par>
+                            </p:childTnLst>
+                          </p:cTn>
+                        </p:par>
+                      </p:childTnLst>
+                    </p:cTn>
+                  </p:par>
+                  <p:par>
+                    <p:cTn id="8" fill="hold">
+                      <p:stCondLst>
+                        <p:cond delay="indefinite"/>
+                      </p:stCondLst>
+                      <p:childTnLst>
+                        <p:par>
+                          <p:cTn id="9" fill="hold">
+                            <p:stCondLst>
+                              <p:cond delay="0"/>
+                            </p:stCondLst>
+                            <p:childTnLst>
                               <p:par>
-                                <p:cTn id="8" presetID="9" presetClass="entr" presetSubtype="0" fill="hold" nodeType="withEffect">
+                                <p:cTn id="10" presetID="9" presetClass="entr" presetSubtype="0" fill="hold" nodeType="clickEffect">
                                   <p:stCondLst>
                                     <p:cond delay="0"/>
                                   </p:stCondLst>
                                   <p:childTnLst>
                                     <p:set>
                                       <p:cBhvr>
-                                        <p:cTn id="9" dur="1" fill="hold">
+                                        <p:cTn id="11" dur="1" fill="hold">
                                           <p:stCondLst>
                                             <p:cond delay="0"/>
                                           </p:stCondLst>
@@ -9936,7 +9974,7 @@
                                     </p:set>
                                     <p:animEffect transition="in" filter="dissolve">
                                       <p:cBhvr>
-                                        <p:cTn id="10" dur="500"/>
+                                        <p:cTn id="12" dur="500"/>
                                         <p:tgtEl>
                                           <p:spTgt spid="98308">
                                             <p:txEl>
@@ -9956,26 +9994,26 @@
                     </p:cTn>
                   </p:par>
                   <p:par>
-                    <p:cTn id="11" fill="hold">
+                    <p:cTn id="13" fill="hold">
                       <p:stCondLst>
                         <p:cond delay="indefinite"/>
                       </p:stCondLst>
                       <p:childTnLst>
                         <p:par>
-                          <p:cTn id="12" fill="hold">
+                          <p:cTn id="14" fill="hold">
                             <p:stCondLst>
                               <p:cond delay="0"/>
                             </p:stCondLst>
                             <p:childTnLst>
                               <p:par>
-                                <p:cTn id="13" presetID="10" presetClass="entr" presetSubtype="0" fill="hold" grpId="0" nodeType="clickEffect">
+                                <p:cTn id="15" presetID="10" presetClass="entr" presetSubtype="0" fill="hold" grpId="0" nodeType="clickEffect">
                                   <p:stCondLst>
                                     <p:cond delay="0"/>
                                   </p:stCondLst>
                                   <p:childTnLst>
                                     <p:set>
                                       <p:cBhvr>
-                                        <p:cTn id="14" dur="1" fill="hold">
+                                        <p:cTn id="16" dur="1" fill="hold">
                                           <p:stCondLst>
                                             <p:cond delay="0"/>
                                           </p:stCondLst>
@@ -9997,7 +10035,7 @@
                                     </p:set>
                                     <p:animEffect transition="in" filter="fade">
                                       <p:cBhvr>
-                                        <p:cTn id="15" dur="500"/>
+                                        <p:cTn id="17" dur="500"/>
                                         <p:tgtEl>
                                           <p:spTgt spid="20">
                                             <p:txEl>
@@ -10014,20 +10052,20 @@
                           </p:cTn>
                         </p:par>
                         <p:par>
-                          <p:cTn id="16" fill="hold">
+                          <p:cTn id="18" fill="hold">
                             <p:stCondLst>
                               <p:cond delay="500"/>
                             </p:stCondLst>
                             <p:childTnLst>
                               <p:par>
-                                <p:cTn id="17" presetID="10" presetClass="entr" presetSubtype="0" fill="hold" grpId="0" nodeType="afterEffect">
+                                <p:cTn id="19" presetID="10" presetClass="entr" presetSubtype="0" fill="hold" grpId="0" nodeType="afterEffect">
                                   <p:stCondLst>
                                     <p:cond delay="0"/>
                                   </p:stCondLst>
                                   <p:childTnLst>
                                     <p:set>
                                       <p:cBhvr>
-                                        <p:cTn id="18" dur="1" fill="hold">
+                                        <p:cTn id="20" dur="1" fill="hold">
                                           <p:stCondLst>
                                             <p:cond delay="0"/>
                                           </p:stCondLst>
@@ -10049,7 +10087,7 @@
                                     </p:set>
                                     <p:animEffect transition="in" filter="fade">
                                       <p:cBhvr>
-                                        <p:cTn id="19" dur="500"/>
+                                        <p:cTn id="21" dur="500"/>
                                         <p:tgtEl>
                                           <p:spTgt spid="20">
                                             <p:txEl>
@@ -10069,26 +10107,26 @@
                     </p:cTn>
                   </p:par>
                   <p:par>
-                    <p:cTn id="20" fill="hold">
+                    <p:cTn id="22" fill="hold">
                       <p:stCondLst>
                         <p:cond delay="indefinite"/>
                       </p:stCondLst>
                       <p:childTnLst>
                         <p:par>
-                          <p:cTn id="21" fill="hold">
+                          <p:cTn id="23" fill="hold">
                             <p:stCondLst>
                               <p:cond delay="0"/>
                             </p:stCondLst>
                             <p:childTnLst>
                               <p:par>
-                                <p:cTn id="22" presetID="22" presetClass="entr" presetSubtype="8" fill="hold" nodeType="clickEffect">
+                                <p:cTn id="24" presetID="22" presetClass="entr" presetSubtype="8" fill="hold" nodeType="clickEffect">
                                   <p:stCondLst>
                                     <p:cond delay="0"/>
                                   </p:stCondLst>
                                   <p:childTnLst>
                                     <p:set>
                                       <p:cBhvr>
-                                        <p:cTn id="23" dur="1" fill="hold">
+                                        <p:cTn id="25" dur="1" fill="hold">
                                           <p:stCondLst>
                                             <p:cond delay="0"/>
                                           </p:stCondLst>
@@ -10106,7 +10144,7 @@
                                     </p:set>
                                     <p:animEffect transition="in" filter="wipe(left)">
                                       <p:cBhvr>
-                                        <p:cTn id="24" dur="500"/>
+                                        <p:cTn id="26" dur="500"/>
                                         <p:tgtEl>
                                           <p:spTgt spid="2"/>
                                         </p:tgtEl>
@@ -10119,20 +10157,20 @@
                           </p:cTn>
                         </p:par>
                         <p:par>
-                          <p:cTn id="25" fill="hold">
+                          <p:cTn id="27" fill="hold">
                             <p:stCondLst>
                               <p:cond delay="500"/>
                             </p:stCondLst>
                             <p:childTnLst>
                               <p:par>
-                                <p:cTn id="26" presetID="22" presetClass="entr" presetSubtype="2" fill="hold" nodeType="afterEffect">
+                                <p:cTn id="28" presetID="22" presetClass="entr" presetSubtype="2" fill="hold" nodeType="afterEffect">
                                   <p:stCondLst>
                                     <p:cond delay="0"/>
                                   </p:stCondLst>
                                   <p:childTnLst>
                                     <p:set>
                                       <p:cBhvr>
-                                        <p:cTn id="27" dur="1" fill="hold">
+                                        <p:cTn id="29" dur="1" fill="hold">
                                           <p:stCondLst>
                                             <p:cond delay="0"/>
                                           </p:stCondLst>
@@ -10150,7 +10188,7 @@
                                     </p:set>
                                     <p:animEffect transition="in" filter="wipe(right)">
                                       <p:cBhvr>
-                                        <p:cTn id="28" dur="500"/>
+                                        <p:cTn id="30" dur="500"/>
                                         <p:tgtEl>
                                           <p:spTgt spid="4"/>
                                         </p:tgtEl>
@@ -10162,36 +10200,27 @@
                             </p:childTnLst>
                           </p:cTn>
                         </p:par>
-                      </p:childTnLst>
-                    </p:cTn>
-                  </p:par>
-                  <p:par>
-                    <p:cTn id="29" fill="hold">
-                      <p:stCondLst>
-                        <p:cond delay="indefinite"/>
-                      </p:stCondLst>
-                      <p:childTnLst>
                         <p:par>
-                          <p:cTn id="30" fill="hold">
+                          <p:cTn id="31" fill="hold">
                             <p:stCondLst>
-                              <p:cond delay="0"/>
+                              <p:cond delay="1000"/>
                             </p:stCondLst>
                             <p:childTnLst>
                               <p:par>
-                                <p:cTn id="31" presetID="16" presetClass="entr" presetSubtype="21" fill="hold" nodeType="clickEffect">
+                                <p:cTn id="32" presetID="2" presetClass="entr" presetSubtype="4" fill="hold" nodeType="afterEffect">
                                   <p:stCondLst>
                                     <p:cond delay="0"/>
                                   </p:stCondLst>
                                   <p:childTnLst>
                                     <p:set>
                                       <p:cBhvr>
-                                        <p:cTn id="32" dur="1" fill="hold">
+                                        <p:cTn id="33" dur="1" fill="hold">
                                           <p:stCondLst>
                                             <p:cond delay="0"/>
                                           </p:stCondLst>
                                         </p:cTn>
                                         <p:tgtEl>
-                                          <p:spTgt spid="24"/>
+                                          <p:spTgt spid="6"/>
                                         </p:tgtEl>
                                         <p:attrNameLst>
                                           <p:attrName>style.visibility</p:attrName>
@@ -10201,14 +10230,52 @@
                                         <p:strVal val="visible"/>
                                       </p:to>
                                     </p:set>
-                                    <p:animEffect transition="in" filter="barn(inVertical)">
-                                      <p:cBhvr>
-                                        <p:cTn id="33" dur="1000"/>
+                                    <p:anim calcmode="lin" valueType="num">
+                                      <p:cBhvr additive="base">
+                                        <p:cTn id="34" dur="500" fill="hold"/>
                                         <p:tgtEl>
-                                          <p:spTgt spid="24"/>
+                                          <p:spTgt spid="6"/>
                                         </p:tgtEl>
+                                        <p:attrNameLst>
+                                          <p:attrName>ppt_x</p:attrName>
+                                        </p:attrNameLst>
                                       </p:cBhvr>
-                                    </p:animEffect>
+                                      <p:tavLst>
+                                        <p:tav tm="0">
+                                          <p:val>
+                                            <p:strVal val="#ppt_x"/>
+                                          </p:val>
+                                        </p:tav>
+                                        <p:tav tm="100000">
+                                          <p:val>
+                                            <p:strVal val="#ppt_x"/>
+                                          </p:val>
+                                        </p:tav>
+                                      </p:tavLst>
+                                    </p:anim>
+                                    <p:anim calcmode="lin" valueType="num">
+                                      <p:cBhvr additive="base">
+                                        <p:cTn id="35" dur="500" fill="hold"/>
+                                        <p:tgtEl>
+                                          <p:spTgt spid="6"/>
+                                        </p:tgtEl>
+                                        <p:attrNameLst>
+                                          <p:attrName>ppt_y</p:attrName>
+                                        </p:attrNameLst>
+                                      </p:cBhvr>
+                                      <p:tavLst>
+                                        <p:tav tm="0">
+                                          <p:val>
+                                            <p:strVal val="1+#ppt_h/2"/>
+                                          </p:val>
+                                        </p:tav>
+                                        <p:tav tm="100000">
+                                          <p:val>
+                                            <p:strVal val="#ppt_y"/>
+                                          </p:val>
+                                        </p:tav>
+                                      </p:tavLst>
+                                    </p:anim>
                                   </p:childTnLst>
                                 </p:cTn>
                               </p:par>
@@ -10628,18 +10695,16 @@
       </p:sp>
       <p:grpSp>
         <p:nvGrpSpPr>
-          <p:cNvPr id="9" name="Group 3"/>
-          <p:cNvGrpSpPr>
-            <a:grpSpLocks/>
-          </p:cNvGrpSpPr>
+          <p:cNvPr id="2" name="Group 1"/>
+          <p:cNvGrpSpPr/>
           <p:nvPr/>
         </p:nvGrpSpPr>
-        <p:grpSpPr bwMode="auto">
+        <p:grpSpPr>
           <a:xfrm>
-            <a:off x="990600" y="4495800"/>
-            <a:ext cx="6662738" cy="923925"/>
-            <a:chOff x="624" y="2832"/>
-            <a:chExt cx="4197" cy="582"/>
+            <a:off x="990600" y="4149725"/>
+            <a:ext cx="6662738" cy="1193800"/>
+            <a:chOff x="990600" y="4149725"/>
+            <a:chExt cx="6662738" cy="1193800"/>
           </a:xfrm>
         </p:grpSpPr>
         <p:pic>
@@ -10659,8 +10724,8 @@
           </p:blipFill>
           <p:spPr bwMode="auto">
             <a:xfrm>
-              <a:off x="624" y="2832"/>
-              <a:ext cx="597" cy="534"/>
+              <a:off x="990600" y="4495800"/>
+              <a:ext cx="947738" cy="847725"/>
             </a:xfrm>
             <a:prstGeom prst="rect">
               <a:avLst/>
@@ -10691,8 +10756,8 @@
           </p:blipFill>
           <p:spPr bwMode="auto">
             <a:xfrm>
-              <a:off x="1872" y="2832"/>
-              <a:ext cx="597" cy="534"/>
+              <a:off x="2971800" y="4495800"/>
+              <a:ext cx="947738" cy="847725"/>
             </a:xfrm>
             <a:prstGeom prst="rect">
               <a:avLst/>
@@ -10723,8 +10788,8 @@
           </p:blipFill>
           <p:spPr bwMode="auto">
             <a:xfrm>
-              <a:off x="2448" y="2832"/>
-              <a:ext cx="597" cy="534"/>
+              <a:off x="3886200" y="4495800"/>
+              <a:ext cx="947738" cy="847725"/>
             </a:xfrm>
             <a:prstGeom prst="rect">
               <a:avLst/>
@@ -10755,8 +10820,8 @@
           </p:blipFill>
           <p:spPr bwMode="auto">
             <a:xfrm>
-              <a:off x="3600" y="2832"/>
-              <a:ext cx="597" cy="534"/>
+              <a:off x="5715000" y="4495800"/>
+              <a:ext cx="947738" cy="847725"/>
             </a:xfrm>
             <a:prstGeom prst="rect">
               <a:avLst/>
@@ -10780,8 +10845,8 @@
           </p:nvSpPr>
           <p:spPr bwMode="auto">
             <a:xfrm>
-              <a:off x="3024" y="2832"/>
-              <a:ext cx="553" cy="582"/>
+              <a:off x="4800600" y="4149725"/>
+              <a:ext cx="1030288" cy="1108075"/>
             </a:xfrm>
             <a:prstGeom prst="rect">
               <a:avLst/>
@@ -10801,7 +10866,7 @@
             <a:lstStyle/>
             <a:p>
               <a:r>
-                <a:rPr lang="en-US" sz="5400" dirty="0">
+                <a:rPr lang="en-US" sz="6600" dirty="0">
                   <a:solidFill>
                     <a:srgbClr val="BC34CA"/>
                   </a:solidFill>
@@ -10829,8 +10894,8 @@
           </p:blipFill>
           <p:spPr bwMode="auto">
             <a:xfrm>
-              <a:off x="1248" y="2832"/>
-              <a:ext cx="597" cy="534"/>
+              <a:off x="1981200" y="4495800"/>
+              <a:ext cx="947738" cy="847725"/>
             </a:xfrm>
             <a:prstGeom prst="rect">
               <a:avLst/>
@@ -10861,8 +10926,8 @@
           </p:blipFill>
           <p:spPr bwMode="auto">
             <a:xfrm>
-              <a:off x="4224" y="2832"/>
-              <a:ext cx="597" cy="534"/>
+              <a:off x="6705600" y="4495800"/>
+              <a:ext cx="947738" cy="847725"/>
             </a:xfrm>
             <a:prstGeom prst="rect">
               <a:avLst/>
@@ -10897,7 +10962,83 @@
   <p:timing>
     <p:tnLst>
       <p:par>
-        <p:cTn xmlns:p14="http://schemas.microsoft.com/office/powerpoint/2010/main" id="1" dur="indefinite" restart="never" nodeType="tmRoot"/>
+        <p:cTn xmlns:p14="http://schemas.microsoft.com/office/powerpoint/2010/main" id="1" dur="indefinite" restart="never" nodeType="tmRoot">
+          <p:childTnLst>
+            <p:seq concurrent="1" nextAc="seek">
+              <p:cTn id="2" dur="indefinite" nodeType="mainSeq">
+                <p:childTnLst>
+                  <p:par>
+                    <p:cTn id="3" fill="hold">
+                      <p:stCondLst>
+                        <p:cond delay="indefinite"/>
+                      </p:stCondLst>
+                      <p:childTnLst>
+                        <p:par>
+                          <p:cTn id="4" fill="hold">
+                            <p:stCondLst>
+                              <p:cond delay="0"/>
+                            </p:stCondLst>
+                            <p:childTnLst>
+                              <p:par>
+                                <p:cTn id="5" presetID="22" presetClass="entr" presetSubtype="8" fill="hold" nodeType="clickEffect">
+                                  <p:stCondLst>
+                                    <p:cond delay="0"/>
+                                  </p:stCondLst>
+                                  <p:childTnLst>
+                                    <p:set>
+                                      <p:cBhvr>
+                                        <p:cTn id="6" dur="1" fill="hold">
+                                          <p:stCondLst>
+                                            <p:cond delay="0"/>
+                                          </p:stCondLst>
+                                        </p:cTn>
+                                        <p:tgtEl>
+                                          <p:spTgt spid="2"/>
+                                        </p:tgtEl>
+                                        <p:attrNameLst>
+                                          <p:attrName>style.visibility</p:attrName>
+                                        </p:attrNameLst>
+                                      </p:cBhvr>
+                                      <p:to>
+                                        <p:strVal val="visible"/>
+                                      </p:to>
+                                    </p:set>
+                                    <p:animEffect transition="in" filter="wipe(left)">
+                                      <p:cBhvr>
+                                        <p:cTn id="7" dur="500"/>
+                                        <p:tgtEl>
+                                          <p:spTgt spid="2"/>
+                                        </p:tgtEl>
+                                      </p:cBhvr>
+                                    </p:animEffect>
+                                  </p:childTnLst>
+                                </p:cTn>
+                              </p:par>
+                            </p:childTnLst>
+                          </p:cTn>
+                        </p:par>
+                      </p:childTnLst>
+                    </p:cTn>
+                  </p:par>
+                </p:childTnLst>
+              </p:cTn>
+              <p:prevCondLst>
+                <p:cond evt="onPrev" delay="0">
+                  <p:tgtEl>
+                    <p:sldTgt/>
+                  </p:tgtEl>
+                </p:cond>
+              </p:prevCondLst>
+              <p:nextCondLst>
+                <p:cond evt="onNext" delay="0">
+                  <p:tgtEl>
+                    <p:sldTgt/>
+                  </p:tgtEl>
+                </p:cond>
+              </p:nextCondLst>
+            </p:seq>
+          </p:childTnLst>
+        </p:cTn>
       </p:par>
     </p:tnLst>
   </p:timing>

--- a/spring12/slidesS12/bogus-induction.pptx
+++ b/spring12/slidesS12/bogus-induction.pptx
@@ -6678,11 +6678,11 @@
   <p:clrMapOvr>
     <a:masterClrMapping/>
   </p:clrMapOvr>
-  <mc:AlternateContent xmlns:mc="http://schemas.openxmlformats.org/markup-compatibility/2006">
-    <mc:Choice xmlns:p14="http://schemas.microsoft.com/office/powerpoint/2010/main" Requires="p14">
+  <mc:AlternateContent xmlns:mc="http://schemas.openxmlformats.org/markup-compatibility/2006" xmlns:p14="http://schemas.microsoft.com/office/powerpoint/2010/main">
+    <mc:Choice Requires="p14">
       <p:transition spd="slow" p14:dur="2000"/>
     </mc:Choice>
-    <mc:Fallback>
+    <mc:Fallback xmlns="">
       <p:transition xmlns:p14="http://schemas.microsoft.com/office/powerpoint/2010/main" spd="slow"/>
     </mc:Fallback>
   </mc:AlternateContent>
